--- a/Project3/Infrastructure walkthrough on Machine Learning project..pptx
+++ b/Project3/Infrastructure walkthrough on Machine Learning project..pptx
@@ -1,40 +1,40 @@
 
 <file path=ppt/presentation.xml><?xml version="1.0" encoding="utf-8"?>
-<p:presentation xmlns:a="http://schemas.openxmlformats.org/drawingml/2006/main" xmlns:r="http://schemas.openxmlformats.org/officeDocument/2006/relationships" xmlns:mc="http://schemas.openxmlformats.org/markup-compatibility/2006" xmlns:mv="urn:schemas-microsoft-com:mac:vml" xmlns:p="http://schemas.openxmlformats.org/presentationml/2006/main" xmlns:c="http://schemas.openxmlformats.org/drawingml/2006/chart" xmlns:dgm="http://schemas.openxmlformats.org/drawingml/2006/diagram" xmlns:o="urn:schemas-microsoft-com:office:office" xmlns:v="urn:schemas-microsoft-com:vml" xmlns:pvml="urn:schemas-microsoft-com:office:powerpoint" xmlns:com="http://schemas.openxmlformats.org/drawingml/2006/compatibility" xmlns:p14="http://schemas.microsoft.com/office/powerpoint/2010/main" xmlns:p15="http://schemas.microsoft.com/office/powerpoint/2012/main" xmlns:ahyp="http://schemas.microsoft.com/office/drawing/2018/hyperlinkcolor" autoCompressPictures="0" embedTrueTypeFonts="1" strictFirstAndLastChars="0" saveSubsetFonts="1">
+<p:presentation xmlns:a="http://schemas.openxmlformats.org/drawingml/2006/main" xmlns:r="http://schemas.openxmlformats.org/officeDocument/2006/relationships" xmlns:p="http://schemas.openxmlformats.org/presentationml/2006/main" strictFirstAndLastChars="0" embedTrueTypeFonts="1" saveSubsetFonts="1" autoCompressPictures="0">
   <p:sldMasterIdLst>
-    <p:sldMasterId id="2147483659" r:id="rId4"/>
+    <p:sldMasterId id="2147483659" r:id="rId1"/>
   </p:sldMasterIdLst>
   <p:notesMasterIdLst>
-    <p:notesMasterId r:id="rId5"/>
+    <p:notesMasterId r:id="rId8"/>
   </p:notesMasterIdLst>
   <p:sldIdLst>
-    <p:sldId id="256" r:id="rId6"/>
-    <p:sldId id="257" r:id="rId7"/>
-    <p:sldId id="258" r:id="rId8"/>
-    <p:sldId id="259" r:id="rId9"/>
-    <p:sldId id="260" r:id="rId10"/>
-    <p:sldId id="261" r:id="rId11"/>
+    <p:sldId id="256" r:id="rId2"/>
+    <p:sldId id="257" r:id="rId3"/>
+    <p:sldId id="258" r:id="rId4"/>
+    <p:sldId id="259" r:id="rId5"/>
+    <p:sldId id="260" r:id="rId6"/>
+    <p:sldId id="261" r:id="rId7"/>
   </p:sldIdLst>
-  <p:sldSz cy="5143500" cx="9144000"/>
+  <p:sldSz cx="9144000" cy="5143500" type="screen16x9"/>
   <p:notesSz cx="6858000" cy="9144000"/>
   <p:embeddedFontLst>
     <p:embeddedFont>
-      <p:font typeface="Montserrat"/>
-      <p:regular r:id="rId12"/>
-      <p:bold r:id="rId13"/>
-      <p:italic r:id="rId14"/>
-      <p:boldItalic r:id="rId15"/>
+      <p:font typeface="Lato" panose="020B0604020202020204" charset="0"/>
+      <p:regular r:id="rId9"/>
+      <p:bold r:id="rId10"/>
+      <p:italic r:id="rId11"/>
+      <p:boldItalic r:id="rId12"/>
     </p:embeddedFont>
     <p:embeddedFont>
-      <p:font typeface="Lato"/>
-      <p:regular r:id="rId16"/>
-      <p:bold r:id="rId17"/>
-      <p:italic r:id="rId18"/>
-      <p:boldItalic r:id="rId19"/>
+      <p:font typeface="Montserrat" panose="020B0604020202020204" charset="0"/>
+      <p:regular r:id="rId13"/>
+      <p:bold r:id="rId14"/>
+      <p:italic r:id="rId15"/>
+      <p:boldItalic r:id="rId16"/>
     </p:embeddedFont>
   </p:embeddedFontLst>
   <p:defaultTextStyle>
-    <a:defPPr lvl="0" marR="0" rtl="0" algn="l">
+    <a:defPPr marR="0" lvl="0" algn="l" rtl="0">
       <a:lnSpc>
         <a:spcPct val="100000"/>
       </a:lnSpc>
@@ -45,7 +45,7 @@
         <a:spcPts val="0"/>
       </a:spcAft>
     </a:defPPr>
-    <a:lvl1pPr lvl="0" marR="0" rtl="0" algn="l">
+    <a:lvl1pPr marR="0" lvl="0" algn="l" rtl="0">
       <a:lnSpc>
         <a:spcPct val="100000"/>
       </a:lnSpc>
@@ -59,7 +59,7 @@
         <a:srgbClr val="000000"/>
       </a:buClr>
       <a:buFont typeface="Arial"/>
-      <a:defRPr b="0" i="0" sz="1400" u="none" cap="none" strike="noStrike">
+      <a:defRPr sz="1400" b="0" i="0" u="none" strike="noStrike" cap="none">
         <a:solidFill>
           <a:srgbClr val="000000"/>
         </a:solidFill>
@@ -69,7 +69,7 @@
         <a:sym typeface="Arial"/>
       </a:defRPr>
     </a:lvl1pPr>
-    <a:lvl2pPr lvl="1" marR="0" rtl="0" algn="l">
+    <a:lvl2pPr marR="0" lvl="1" algn="l" rtl="0">
       <a:lnSpc>
         <a:spcPct val="100000"/>
       </a:lnSpc>
@@ -83,7 +83,7 @@
         <a:srgbClr val="000000"/>
       </a:buClr>
       <a:buFont typeface="Arial"/>
-      <a:defRPr b="0" i="0" sz="1400" u="none" cap="none" strike="noStrike">
+      <a:defRPr sz="1400" b="0" i="0" u="none" strike="noStrike" cap="none">
         <a:solidFill>
           <a:srgbClr val="000000"/>
         </a:solidFill>
@@ -93,7 +93,7 @@
         <a:sym typeface="Arial"/>
       </a:defRPr>
     </a:lvl2pPr>
-    <a:lvl3pPr lvl="2" marR="0" rtl="0" algn="l">
+    <a:lvl3pPr marR="0" lvl="2" algn="l" rtl="0">
       <a:lnSpc>
         <a:spcPct val="100000"/>
       </a:lnSpc>
@@ -107,7 +107,7 @@
         <a:srgbClr val="000000"/>
       </a:buClr>
       <a:buFont typeface="Arial"/>
-      <a:defRPr b="0" i="0" sz="1400" u="none" cap="none" strike="noStrike">
+      <a:defRPr sz="1400" b="0" i="0" u="none" strike="noStrike" cap="none">
         <a:solidFill>
           <a:srgbClr val="000000"/>
         </a:solidFill>
@@ -117,7 +117,7 @@
         <a:sym typeface="Arial"/>
       </a:defRPr>
     </a:lvl3pPr>
-    <a:lvl4pPr lvl="3" marR="0" rtl="0" algn="l">
+    <a:lvl4pPr marR="0" lvl="3" algn="l" rtl="0">
       <a:lnSpc>
         <a:spcPct val="100000"/>
       </a:lnSpc>
@@ -131,7 +131,7 @@
         <a:srgbClr val="000000"/>
       </a:buClr>
       <a:buFont typeface="Arial"/>
-      <a:defRPr b="0" i="0" sz="1400" u="none" cap="none" strike="noStrike">
+      <a:defRPr sz="1400" b="0" i="0" u="none" strike="noStrike" cap="none">
         <a:solidFill>
           <a:srgbClr val="000000"/>
         </a:solidFill>
@@ -141,7 +141,7 @@
         <a:sym typeface="Arial"/>
       </a:defRPr>
     </a:lvl4pPr>
-    <a:lvl5pPr lvl="4" marR="0" rtl="0" algn="l">
+    <a:lvl5pPr marR="0" lvl="4" algn="l" rtl="0">
       <a:lnSpc>
         <a:spcPct val="100000"/>
       </a:lnSpc>
@@ -155,7 +155,7 @@
         <a:srgbClr val="000000"/>
       </a:buClr>
       <a:buFont typeface="Arial"/>
-      <a:defRPr b="0" i="0" sz="1400" u="none" cap="none" strike="noStrike">
+      <a:defRPr sz="1400" b="0" i="0" u="none" strike="noStrike" cap="none">
         <a:solidFill>
           <a:srgbClr val="000000"/>
         </a:solidFill>
@@ -165,7 +165,7 @@
         <a:sym typeface="Arial"/>
       </a:defRPr>
     </a:lvl5pPr>
-    <a:lvl6pPr lvl="5" marR="0" rtl="0" algn="l">
+    <a:lvl6pPr marR="0" lvl="5" algn="l" rtl="0">
       <a:lnSpc>
         <a:spcPct val="100000"/>
       </a:lnSpc>
@@ -179,7 +179,7 @@
         <a:srgbClr val="000000"/>
       </a:buClr>
       <a:buFont typeface="Arial"/>
-      <a:defRPr b="0" i="0" sz="1400" u="none" cap="none" strike="noStrike">
+      <a:defRPr sz="1400" b="0" i="0" u="none" strike="noStrike" cap="none">
         <a:solidFill>
           <a:srgbClr val="000000"/>
         </a:solidFill>
@@ -189,7 +189,7 @@
         <a:sym typeface="Arial"/>
       </a:defRPr>
     </a:lvl6pPr>
-    <a:lvl7pPr lvl="6" marR="0" rtl="0" algn="l">
+    <a:lvl7pPr marR="0" lvl="6" algn="l" rtl="0">
       <a:lnSpc>
         <a:spcPct val="100000"/>
       </a:lnSpc>
@@ -203,7 +203,7 @@
         <a:srgbClr val="000000"/>
       </a:buClr>
       <a:buFont typeface="Arial"/>
-      <a:defRPr b="0" i="0" sz="1400" u="none" cap="none" strike="noStrike">
+      <a:defRPr sz="1400" b="0" i="0" u="none" strike="noStrike" cap="none">
         <a:solidFill>
           <a:srgbClr val="000000"/>
         </a:solidFill>
@@ -213,7 +213,7 @@
         <a:sym typeface="Arial"/>
       </a:defRPr>
     </a:lvl7pPr>
-    <a:lvl8pPr lvl="7" marR="0" rtl="0" algn="l">
+    <a:lvl8pPr marR="0" lvl="7" algn="l" rtl="0">
       <a:lnSpc>
         <a:spcPct val="100000"/>
       </a:lnSpc>
@@ -227,7 +227,7 @@
         <a:srgbClr val="000000"/>
       </a:buClr>
       <a:buFont typeface="Arial"/>
-      <a:defRPr b="0" i="0" sz="1400" u="none" cap="none" strike="noStrike">
+      <a:defRPr sz="1400" b="0" i="0" u="none" strike="noStrike" cap="none">
         <a:solidFill>
           <a:srgbClr val="000000"/>
         </a:solidFill>
@@ -237,7 +237,7 @@
         <a:sym typeface="Arial"/>
       </a:defRPr>
     </a:lvl8pPr>
-    <a:lvl9pPr lvl="8" marR="0" rtl="0" algn="l">
+    <a:lvl9pPr marR="0" lvl="8" algn="l" rtl="0">
       <a:lnSpc>
         <a:spcPct val="100000"/>
       </a:lnSpc>
@@ -251,7 +251,7 @@
         <a:srgbClr val="000000"/>
       </a:buClr>
       <a:buFont typeface="Arial"/>
-      <a:defRPr b="0" i="0" sz="1400" u="none" cap="none" strike="noStrike">
+      <a:defRPr sz="1400" b="0" i="0" u="none" strike="noStrike" cap="none">
         <a:solidFill>
           <a:srgbClr val="000000"/>
         </a:solidFill>
@@ -264,7 +264,7 @@
   </p:defaultTextStyle>
   <p:extLst>
     <p:ext uri="{EFAFB233-063F-42B5-8137-9DF3F51BA10A}">
-      <p15:sldGuideLst>
+      <p15:sldGuideLst xmlns:p15="http://schemas.microsoft.com/office/powerpoint/2012/main">
         <p15:guide id="1" orient="horz" pos="1620">
           <p15:clr>
             <a:srgbClr val="A4A3A4"/>
@@ -282,11 +282,16 @@
 </file>
 
 <file path=ppt/notesMasters/notesMaster1.xml><?xml version="1.0" encoding="utf-8"?>
-<p:notesMaster xmlns:a="http://schemas.openxmlformats.org/drawingml/2006/main" xmlns:r="http://schemas.openxmlformats.org/officeDocument/2006/relationships" xmlns:mc="http://schemas.openxmlformats.org/markup-compatibility/2006" xmlns:mv="urn:schemas-microsoft-com:mac:vml" xmlns:p="http://schemas.openxmlformats.org/presentationml/2006/main" xmlns:c="http://schemas.openxmlformats.org/drawingml/2006/chart" xmlns:dgm="http://schemas.openxmlformats.org/drawingml/2006/diagram" xmlns:o="urn:schemas-microsoft-com:office:office" xmlns:v="urn:schemas-microsoft-com:vml" xmlns:pvml="urn:schemas-microsoft-com:office:powerpoint" xmlns:com="http://schemas.openxmlformats.org/drawingml/2006/compatibility" xmlns:p14="http://schemas.microsoft.com/office/powerpoint/2010/main" xmlns:p15="http://schemas.microsoft.com/office/powerpoint/2012/main" xmlns:ahyp="http://schemas.microsoft.com/office/drawing/2018/hyperlinkcolor">
+<p:notesMaster xmlns:a="http://schemas.openxmlformats.org/drawingml/2006/main" xmlns:r="http://schemas.openxmlformats.org/officeDocument/2006/relationships" xmlns:p="http://schemas.openxmlformats.org/presentationml/2006/main">
   <p:cSld>
+    <p:bg>
+      <p:bgRef idx="1001">
+        <a:schemeClr val="bg1"/>
+      </p:bgRef>
+    </p:bg>
     <p:spTree>
       <p:nvGrpSpPr>
-        <p:cNvPr id="2" name="Shape 2"/>
+        <p:cNvPr id="1" name="Shape 2"/>
         <p:cNvGrpSpPr/>
         <p:nvPr/>
       </p:nvGrpSpPr>
@@ -301,9 +306,11 @@
       <p:sp>
         <p:nvSpPr>
           <p:cNvPr id="3" name="Google Shape;3;n"/>
-          <p:cNvSpPr/>
+          <p:cNvSpPr>
+            <a:spLocks noGrp="1" noRot="1" noChangeAspect="1"/>
+          </p:cNvSpPr>
           <p:nvPr>
-            <p:ph idx="2" type="sldImg"/>
+            <p:ph type="sldImg" idx="2"/>
           </p:nvPr>
         </p:nvSpPr>
         <p:spPr>
@@ -312,9 +319,13 @@
             <a:ext cx="6096075" cy="3429000"/>
           </a:xfrm>
           <a:custGeom>
-            <a:rect b="b" l="l" r="r" t="t"/>
+            <a:avLst/>
+            <a:gdLst/>
+            <a:ahLst/>
+            <a:cxnLst/>
+            <a:rect l="l" t="t" r="r" b="b"/>
             <a:pathLst>
-              <a:path extrusionOk="0" h="120000" w="120000">
+              <a:path w="120000" h="120000" extrusionOk="0">
                 <a:moveTo>
                   <a:pt x="0" y="0"/>
                 </a:moveTo>
@@ -332,23 +343,25 @@
             </a:pathLst>
           </a:custGeom>
           <a:noFill/>
-          <a:ln cap="flat" cmpd="sng" w="9525">
+          <a:ln w="9525" cap="flat" cmpd="sng">
             <a:solidFill>
               <a:srgbClr val="000000"/>
             </a:solidFill>
             <a:prstDash val="solid"/>
             <a:round/>
-            <a:headEnd len="sm" w="sm" type="none"/>
-            <a:tailEnd len="sm" w="sm" type="none"/>
+            <a:headEnd type="none" w="sm" len="sm"/>
+            <a:tailEnd type="none" w="sm" len="sm"/>
           </a:ln>
         </p:spPr>
       </p:sp>
       <p:sp>
         <p:nvSpPr>
           <p:cNvPr id="4" name="Google Shape;4;n"/>
-          <p:cNvSpPr txBox="1"/>
+          <p:cNvSpPr txBox="1">
+            <a:spLocks noGrp="1"/>
+          </p:cNvSpPr>
           <p:nvPr>
-            <p:ph idx="1" type="body"/>
+            <p:ph type="body" idx="1"/>
           </p:nvPr>
         </p:nvSpPr>
         <p:spPr>
@@ -365,11 +378,11 @@
           </a:ln>
         </p:spPr>
         <p:txBody>
-          <a:bodyPr anchorCtr="0" anchor="t" bIns="91425" lIns="91425" spcFirstLastPara="1" rIns="91425" wrap="square" tIns="91425">
+          <a:bodyPr spcFirstLastPara="1" wrap="square" lIns="91425" tIns="91425" rIns="91425" bIns="91425" anchor="t" anchorCtr="0">
             <a:noAutofit/>
           </a:bodyPr>
           <a:lstStyle>
-            <a:lvl1pPr indent="-298450" lvl="0" marL="457200">
+            <a:lvl1pPr marL="457200" lvl="0" indent="-298450">
               <a:spcBef>
                 <a:spcPts val="0"/>
               </a:spcBef>
@@ -380,7 +393,7 @@
               <a:buChar char="●"/>
               <a:defRPr sz="1100"/>
             </a:lvl1pPr>
-            <a:lvl2pPr indent="-298450" lvl="1" marL="914400">
+            <a:lvl2pPr marL="914400" lvl="1" indent="-298450">
               <a:spcBef>
                 <a:spcPts val="0"/>
               </a:spcBef>
@@ -391,7 +404,7 @@
               <a:buChar char="○"/>
               <a:defRPr sz="1100"/>
             </a:lvl2pPr>
-            <a:lvl3pPr indent="-298450" lvl="2" marL="1371600">
+            <a:lvl3pPr marL="1371600" lvl="2" indent="-298450">
               <a:spcBef>
                 <a:spcPts val="0"/>
               </a:spcBef>
@@ -402,7 +415,7 @@
               <a:buChar char="■"/>
               <a:defRPr sz="1100"/>
             </a:lvl3pPr>
-            <a:lvl4pPr indent="-298450" lvl="3" marL="1828800">
+            <a:lvl4pPr marL="1828800" lvl="3" indent="-298450">
               <a:spcBef>
                 <a:spcPts val="0"/>
               </a:spcBef>
@@ -413,7 +426,7 @@
               <a:buChar char="●"/>
               <a:defRPr sz="1100"/>
             </a:lvl4pPr>
-            <a:lvl5pPr indent="-298450" lvl="4" marL="2286000">
+            <a:lvl5pPr marL="2286000" lvl="4" indent="-298450">
               <a:spcBef>
                 <a:spcPts val="0"/>
               </a:spcBef>
@@ -424,7 +437,7 @@
               <a:buChar char="○"/>
               <a:defRPr sz="1100"/>
             </a:lvl5pPr>
-            <a:lvl6pPr indent="-298450" lvl="5" marL="2743200">
+            <a:lvl6pPr marL="2743200" lvl="5" indent="-298450">
               <a:spcBef>
                 <a:spcPts val="0"/>
               </a:spcBef>
@@ -435,7 +448,7 @@
               <a:buChar char="■"/>
               <a:defRPr sz="1100"/>
             </a:lvl6pPr>
-            <a:lvl7pPr indent="-298450" lvl="6" marL="3200400">
+            <a:lvl7pPr marL="3200400" lvl="6" indent="-298450">
               <a:spcBef>
                 <a:spcPts val="0"/>
               </a:spcBef>
@@ -446,7 +459,7 @@
               <a:buChar char="●"/>
               <a:defRPr sz="1100"/>
             </a:lvl7pPr>
-            <a:lvl8pPr indent="-298450" lvl="7" marL="3657600">
+            <a:lvl8pPr marL="3657600" lvl="7" indent="-298450">
               <a:spcBef>
                 <a:spcPts val="0"/>
               </a:spcBef>
@@ -457,7 +470,7 @@
               <a:buChar char="○"/>
               <a:defRPr sz="1100"/>
             </a:lvl8pPr>
-            <a:lvl9pPr indent="-298450" lvl="8" marL="4114800">
+            <a:lvl9pPr marL="4114800" lvl="8" indent="-298450">
               <a:spcBef>
                 <a:spcPts val="0"/>
               </a:spcBef>
@@ -469,14 +482,16 @@
               <a:defRPr sz="1100"/>
             </a:lvl9pPr>
           </a:lstStyle>
-          <a:p/>
+          <a:p>
+            <a:endParaRPr/>
+          </a:p>
         </p:txBody>
       </p:sp>
     </p:spTree>
   </p:cSld>
-  <p:clrMap accent1="accent1" accent2="accent2" accent3="accent3" accent4="accent4" accent5="accent5" accent6="accent6" bg1="lt1" bg2="dk2" tx1="dk1" tx2="lt2" folHlink="folHlink" hlink="hlink"/>
+  <p:clrMap bg1="lt1" tx1="dk1" bg2="dk2" tx2="lt2" accent1="accent1" accent2="accent2" accent3="accent3" accent4="accent4" accent5="accent5" accent6="accent6" hlink="hlink" folHlink="folHlink"/>
   <p:notesStyle>
-    <a:defPPr lvl="0" marR="0" rtl="0" algn="l">
+    <a:defPPr marR="0" lvl="0" algn="l" rtl="0">
       <a:lnSpc>
         <a:spcPct val="100000"/>
       </a:lnSpc>
@@ -487,7 +502,7 @@
         <a:spcPts val="0"/>
       </a:spcAft>
     </a:defPPr>
-    <a:lvl1pPr lvl="0" marR="0" rtl="0" algn="l">
+    <a:lvl1pPr marR="0" lvl="0" algn="l" rtl="0">
       <a:lnSpc>
         <a:spcPct val="100000"/>
       </a:lnSpc>
@@ -501,7 +516,7 @@
         <a:srgbClr val="000000"/>
       </a:buClr>
       <a:buFont typeface="Arial"/>
-      <a:defRPr b="0" i="0" sz="1400" u="none" cap="none" strike="noStrike">
+      <a:defRPr sz="1400" b="0" i="0" u="none" strike="noStrike" cap="none">
         <a:solidFill>
           <a:srgbClr val="000000"/>
         </a:solidFill>
@@ -511,7 +526,7 @@
         <a:sym typeface="Arial"/>
       </a:defRPr>
     </a:lvl1pPr>
-    <a:lvl2pPr lvl="1" marR="0" rtl="0" algn="l">
+    <a:lvl2pPr marR="0" lvl="1" algn="l" rtl="0">
       <a:lnSpc>
         <a:spcPct val="100000"/>
       </a:lnSpc>
@@ -525,7 +540,7 @@
         <a:srgbClr val="000000"/>
       </a:buClr>
       <a:buFont typeface="Arial"/>
-      <a:defRPr b="0" i="0" sz="1400" u="none" cap="none" strike="noStrike">
+      <a:defRPr sz="1400" b="0" i="0" u="none" strike="noStrike" cap="none">
         <a:solidFill>
           <a:srgbClr val="000000"/>
         </a:solidFill>
@@ -535,7 +550,7 @@
         <a:sym typeface="Arial"/>
       </a:defRPr>
     </a:lvl2pPr>
-    <a:lvl3pPr lvl="2" marR="0" rtl="0" algn="l">
+    <a:lvl3pPr marR="0" lvl="2" algn="l" rtl="0">
       <a:lnSpc>
         <a:spcPct val="100000"/>
       </a:lnSpc>
@@ -549,7 +564,7 @@
         <a:srgbClr val="000000"/>
       </a:buClr>
       <a:buFont typeface="Arial"/>
-      <a:defRPr b="0" i="0" sz="1400" u="none" cap="none" strike="noStrike">
+      <a:defRPr sz="1400" b="0" i="0" u="none" strike="noStrike" cap="none">
         <a:solidFill>
           <a:srgbClr val="000000"/>
         </a:solidFill>
@@ -559,7 +574,7 @@
         <a:sym typeface="Arial"/>
       </a:defRPr>
     </a:lvl3pPr>
-    <a:lvl4pPr lvl="3" marR="0" rtl="0" algn="l">
+    <a:lvl4pPr marR="0" lvl="3" algn="l" rtl="0">
       <a:lnSpc>
         <a:spcPct val="100000"/>
       </a:lnSpc>
@@ -573,7 +588,7 @@
         <a:srgbClr val="000000"/>
       </a:buClr>
       <a:buFont typeface="Arial"/>
-      <a:defRPr b="0" i="0" sz="1400" u="none" cap="none" strike="noStrike">
+      <a:defRPr sz="1400" b="0" i="0" u="none" strike="noStrike" cap="none">
         <a:solidFill>
           <a:srgbClr val="000000"/>
         </a:solidFill>
@@ -583,7 +598,7 @@
         <a:sym typeface="Arial"/>
       </a:defRPr>
     </a:lvl4pPr>
-    <a:lvl5pPr lvl="4" marR="0" rtl="0" algn="l">
+    <a:lvl5pPr marR="0" lvl="4" algn="l" rtl="0">
       <a:lnSpc>
         <a:spcPct val="100000"/>
       </a:lnSpc>
@@ -597,7 +612,7 @@
         <a:srgbClr val="000000"/>
       </a:buClr>
       <a:buFont typeface="Arial"/>
-      <a:defRPr b="0" i="0" sz="1400" u="none" cap="none" strike="noStrike">
+      <a:defRPr sz="1400" b="0" i="0" u="none" strike="noStrike" cap="none">
         <a:solidFill>
           <a:srgbClr val="000000"/>
         </a:solidFill>
@@ -607,7 +622,7 @@
         <a:sym typeface="Arial"/>
       </a:defRPr>
     </a:lvl5pPr>
-    <a:lvl6pPr lvl="5" marR="0" rtl="0" algn="l">
+    <a:lvl6pPr marR="0" lvl="5" algn="l" rtl="0">
       <a:lnSpc>
         <a:spcPct val="100000"/>
       </a:lnSpc>
@@ -621,7 +636,7 @@
         <a:srgbClr val="000000"/>
       </a:buClr>
       <a:buFont typeface="Arial"/>
-      <a:defRPr b="0" i="0" sz="1400" u="none" cap="none" strike="noStrike">
+      <a:defRPr sz="1400" b="0" i="0" u="none" strike="noStrike" cap="none">
         <a:solidFill>
           <a:srgbClr val="000000"/>
         </a:solidFill>
@@ -631,7 +646,7 @@
         <a:sym typeface="Arial"/>
       </a:defRPr>
     </a:lvl6pPr>
-    <a:lvl7pPr lvl="6" marR="0" rtl="0" algn="l">
+    <a:lvl7pPr marR="0" lvl="6" algn="l" rtl="0">
       <a:lnSpc>
         <a:spcPct val="100000"/>
       </a:lnSpc>
@@ -645,7 +660,7 @@
         <a:srgbClr val="000000"/>
       </a:buClr>
       <a:buFont typeface="Arial"/>
-      <a:defRPr b="0" i="0" sz="1400" u="none" cap="none" strike="noStrike">
+      <a:defRPr sz="1400" b="0" i="0" u="none" strike="noStrike" cap="none">
         <a:solidFill>
           <a:srgbClr val="000000"/>
         </a:solidFill>
@@ -655,7 +670,7 @@
         <a:sym typeface="Arial"/>
       </a:defRPr>
     </a:lvl7pPr>
-    <a:lvl8pPr lvl="7" marR="0" rtl="0" algn="l">
+    <a:lvl8pPr marR="0" lvl="7" algn="l" rtl="0">
       <a:lnSpc>
         <a:spcPct val="100000"/>
       </a:lnSpc>
@@ -669,7 +684,7 @@
         <a:srgbClr val="000000"/>
       </a:buClr>
       <a:buFont typeface="Arial"/>
-      <a:defRPr b="0" i="0" sz="1400" u="none" cap="none" strike="noStrike">
+      <a:defRPr sz="1400" b="0" i="0" u="none" strike="noStrike" cap="none">
         <a:solidFill>
           <a:srgbClr val="000000"/>
         </a:solidFill>
@@ -679,7 +694,7 @@
         <a:sym typeface="Arial"/>
       </a:defRPr>
     </a:lvl8pPr>
-    <a:lvl9pPr lvl="8" marR="0" rtl="0" algn="l">
+    <a:lvl9pPr marR="0" lvl="8" algn="l" rtl="0">
       <a:lnSpc>
         <a:spcPct val="100000"/>
       </a:lnSpc>
@@ -693,7 +708,7 @@
         <a:srgbClr val="000000"/>
       </a:buClr>
       <a:buFont typeface="Arial"/>
-      <a:defRPr b="0" i="0" sz="1400" u="none" cap="none" strike="noStrike">
+      <a:defRPr sz="1400" b="0" i="0" u="none" strike="noStrike" cap="none">
         <a:solidFill>
           <a:srgbClr val="000000"/>
         </a:solidFill>
@@ -708,11 +723,11 @@
 </file>
 
 <file path=ppt/notesSlides/notesSlide1.xml><?xml version="1.0" encoding="utf-8"?>
-<p:notes xmlns:a="http://schemas.openxmlformats.org/drawingml/2006/main" xmlns:r="http://schemas.openxmlformats.org/officeDocument/2006/relationships" xmlns:mc="http://schemas.openxmlformats.org/markup-compatibility/2006" xmlns:mv="urn:schemas-microsoft-com:mac:vml" xmlns:p="http://schemas.openxmlformats.org/presentationml/2006/main" xmlns:c="http://schemas.openxmlformats.org/drawingml/2006/chart" xmlns:dgm="http://schemas.openxmlformats.org/drawingml/2006/diagram" xmlns:o="urn:schemas-microsoft-com:office:office" xmlns:v="urn:schemas-microsoft-com:vml" xmlns:pvml="urn:schemas-microsoft-com:office:powerpoint" xmlns:com="http://schemas.openxmlformats.org/drawingml/2006/compatibility" xmlns:p14="http://schemas.microsoft.com/office/powerpoint/2010/main" xmlns:p15="http://schemas.microsoft.com/office/powerpoint/2012/main" xmlns:ahyp="http://schemas.microsoft.com/office/drawing/2018/hyperlinkcolor" showMasterPhAnim="0" showMasterSp="0">
+<p:notes xmlns:a="http://schemas.openxmlformats.org/drawingml/2006/main" xmlns:r="http://schemas.openxmlformats.org/officeDocument/2006/relationships" xmlns:p="http://schemas.openxmlformats.org/presentationml/2006/main" showMasterSp="0" showMasterPhAnim="0">
   <p:cSld>
     <p:spTree>
       <p:nvGrpSpPr>
-        <p:cNvPr id="130" name="Shape 130"/>
+        <p:cNvPr id="1" name="Shape 130"/>
         <p:cNvGrpSpPr/>
         <p:nvPr/>
       </p:nvGrpSpPr>
@@ -727,9 +742,11 @@
       <p:sp>
         <p:nvSpPr>
           <p:cNvPr id="131" name="Google Shape;131;p:notes"/>
-          <p:cNvSpPr/>
+          <p:cNvSpPr>
+            <a:spLocks noGrp="1" noRot="1" noChangeAspect="1"/>
+          </p:cNvSpPr>
           <p:nvPr>
-            <p:ph idx="2" type="sldImg"/>
+            <p:ph type="sldImg" idx="2"/>
           </p:nvPr>
         </p:nvSpPr>
         <p:spPr>
@@ -738,9 +755,13 @@
             <a:ext cx="6096075" cy="3429000"/>
           </a:xfrm>
           <a:custGeom>
-            <a:rect b="b" l="l" r="r" t="t"/>
+            <a:avLst/>
+            <a:gdLst/>
+            <a:ahLst/>
+            <a:cxnLst/>
+            <a:rect l="l" t="t" r="r" b="b"/>
             <a:pathLst>
-              <a:path extrusionOk="0" h="120000" w="120000">
+              <a:path w="120000" h="120000" extrusionOk="0">
                 <a:moveTo>
                   <a:pt x="0" y="0"/>
                 </a:moveTo>
@@ -762,9 +783,11 @@
       <p:sp>
         <p:nvSpPr>
           <p:cNvPr id="132" name="Google Shape;132;p:notes"/>
-          <p:cNvSpPr txBox="1"/>
+          <p:cNvSpPr txBox="1">
+            <a:spLocks noGrp="1"/>
+          </p:cNvSpPr>
           <p:nvPr>
-            <p:ph idx="1" type="body"/>
+            <p:ph type="body" idx="1"/>
           </p:nvPr>
         </p:nvSpPr>
         <p:spPr>
@@ -777,12 +800,12 @@
           </a:prstGeom>
         </p:spPr>
         <p:txBody>
-          <a:bodyPr anchorCtr="0" anchor="t" bIns="91425" lIns="91425" spcFirstLastPara="1" rIns="91425" wrap="square" tIns="91425">
+          <a:bodyPr spcFirstLastPara="1" wrap="square" lIns="91425" tIns="91425" rIns="91425" bIns="91425" anchor="t" anchorCtr="0">
             <a:noAutofit/>
           </a:bodyPr>
           <a:lstStyle/>
           <a:p>
-            <a:pPr indent="0" lvl="0" marL="0" rtl="0" algn="l">
+            <a:pPr marL="0" lvl="0" indent="0" algn="l" rtl="0">
               <a:spcBef>
                 <a:spcPts val="0"/>
               </a:spcBef>
@@ -791,9 +814,6 @@
               </a:spcAft>
               <a:buNone/>
             </a:pPr>
-            <a:r>
-              <a:t/>
-            </a:r>
             <a:endParaRPr/>
           </a:p>
         </p:txBody>
@@ -807,11 +827,11 @@
 </file>
 
 <file path=ppt/notesSlides/notesSlide2.xml><?xml version="1.0" encoding="utf-8"?>
-<p:notes xmlns:a="http://schemas.openxmlformats.org/drawingml/2006/main" xmlns:r="http://schemas.openxmlformats.org/officeDocument/2006/relationships" xmlns:mc="http://schemas.openxmlformats.org/markup-compatibility/2006" xmlns:mv="urn:schemas-microsoft-com:mac:vml" xmlns:p="http://schemas.openxmlformats.org/presentationml/2006/main" xmlns:c="http://schemas.openxmlformats.org/drawingml/2006/chart" xmlns:dgm="http://schemas.openxmlformats.org/drawingml/2006/diagram" xmlns:o="urn:schemas-microsoft-com:office:office" xmlns:v="urn:schemas-microsoft-com:vml" xmlns:pvml="urn:schemas-microsoft-com:office:powerpoint" xmlns:com="http://schemas.openxmlformats.org/drawingml/2006/compatibility" xmlns:p14="http://schemas.microsoft.com/office/powerpoint/2010/main" xmlns:p15="http://schemas.microsoft.com/office/powerpoint/2012/main" xmlns:ahyp="http://schemas.microsoft.com/office/drawing/2018/hyperlinkcolor" showMasterPhAnim="0" showMasterSp="0">
+<p:notes xmlns:a="http://schemas.openxmlformats.org/drawingml/2006/main" xmlns:r="http://schemas.openxmlformats.org/officeDocument/2006/relationships" xmlns:p="http://schemas.openxmlformats.org/presentationml/2006/main" showMasterSp="0" showMasterPhAnim="0">
   <p:cSld>
     <p:spTree>
       <p:nvGrpSpPr>
-        <p:cNvPr id="137" name="Shape 137"/>
+        <p:cNvPr id="1" name="Shape 137"/>
         <p:cNvGrpSpPr/>
         <p:nvPr/>
       </p:nvGrpSpPr>
@@ -826,9 +846,11 @@
       <p:sp>
         <p:nvSpPr>
           <p:cNvPr id="138" name="Google Shape;138;g919247564e_0_126:notes"/>
-          <p:cNvSpPr/>
+          <p:cNvSpPr>
+            <a:spLocks noGrp="1" noRot="1" noChangeAspect="1"/>
+          </p:cNvSpPr>
           <p:nvPr>
-            <p:ph idx="2" type="sldImg"/>
+            <p:ph type="sldImg" idx="2"/>
           </p:nvPr>
         </p:nvSpPr>
         <p:spPr>
@@ -837,9 +859,13 @@
             <a:ext cx="6096000" cy="3429000"/>
           </a:xfrm>
           <a:custGeom>
-            <a:rect b="b" l="l" r="r" t="t"/>
+            <a:avLst/>
+            <a:gdLst/>
+            <a:ahLst/>
+            <a:cxnLst/>
+            <a:rect l="l" t="t" r="r" b="b"/>
             <a:pathLst>
-              <a:path extrusionOk="0" h="120000" w="120000">
+              <a:path w="120000" h="120000" extrusionOk="0">
                 <a:moveTo>
                   <a:pt x="0" y="0"/>
                 </a:moveTo>
@@ -861,9 +887,11 @@
       <p:sp>
         <p:nvSpPr>
           <p:cNvPr id="139" name="Google Shape;139;g919247564e_0_126:notes"/>
-          <p:cNvSpPr txBox="1"/>
+          <p:cNvSpPr txBox="1">
+            <a:spLocks noGrp="1"/>
+          </p:cNvSpPr>
           <p:nvPr>
-            <p:ph idx="1" type="body"/>
+            <p:ph type="body" idx="1"/>
           </p:nvPr>
         </p:nvSpPr>
         <p:spPr>
@@ -876,12 +904,12 @@
           </a:prstGeom>
         </p:spPr>
         <p:txBody>
-          <a:bodyPr anchorCtr="0" anchor="t" bIns="91425" lIns="91425" spcFirstLastPara="1" rIns="91425" wrap="square" tIns="91425">
+          <a:bodyPr spcFirstLastPara="1" wrap="square" lIns="91425" tIns="91425" rIns="91425" bIns="91425" anchor="t" anchorCtr="0">
             <a:noAutofit/>
           </a:bodyPr>
           <a:lstStyle/>
           <a:p>
-            <a:pPr indent="0" lvl="0" marL="0" rtl="0" algn="l">
+            <a:pPr marL="0" lvl="0" indent="0" algn="l" rtl="0">
               <a:spcBef>
                 <a:spcPts val="0"/>
               </a:spcBef>
@@ -890,9 +918,6 @@
               </a:spcAft>
               <a:buNone/>
             </a:pPr>
-            <a:r>
-              <a:t/>
-            </a:r>
             <a:endParaRPr/>
           </a:p>
         </p:txBody>
@@ -906,11 +931,11 @@
 </file>
 
 <file path=ppt/notesSlides/notesSlide3.xml><?xml version="1.0" encoding="utf-8"?>
-<p:notes xmlns:a="http://schemas.openxmlformats.org/drawingml/2006/main" xmlns:r="http://schemas.openxmlformats.org/officeDocument/2006/relationships" xmlns:mc="http://schemas.openxmlformats.org/markup-compatibility/2006" xmlns:mv="urn:schemas-microsoft-com:mac:vml" xmlns:p="http://schemas.openxmlformats.org/presentationml/2006/main" xmlns:c="http://schemas.openxmlformats.org/drawingml/2006/chart" xmlns:dgm="http://schemas.openxmlformats.org/drawingml/2006/diagram" xmlns:o="urn:schemas-microsoft-com:office:office" xmlns:v="urn:schemas-microsoft-com:vml" xmlns:pvml="urn:schemas-microsoft-com:office:powerpoint" xmlns:com="http://schemas.openxmlformats.org/drawingml/2006/compatibility" xmlns:p14="http://schemas.microsoft.com/office/powerpoint/2010/main" xmlns:p15="http://schemas.microsoft.com/office/powerpoint/2012/main" xmlns:ahyp="http://schemas.microsoft.com/office/drawing/2018/hyperlinkcolor" showMasterPhAnim="0" showMasterSp="0">
+<p:notes xmlns:a="http://schemas.openxmlformats.org/drawingml/2006/main" xmlns:r="http://schemas.openxmlformats.org/officeDocument/2006/relationships" xmlns:p="http://schemas.openxmlformats.org/presentationml/2006/main" showMasterSp="0" showMasterPhAnim="0">
   <p:cSld>
     <p:spTree>
       <p:nvGrpSpPr>
-        <p:cNvPr id="143" name="Shape 143"/>
+        <p:cNvPr id="1" name="Shape 143"/>
         <p:cNvGrpSpPr/>
         <p:nvPr/>
       </p:nvGrpSpPr>
@@ -925,9 +950,11 @@
       <p:sp>
         <p:nvSpPr>
           <p:cNvPr id="144" name="Google Shape;144;g919247564e_0_137:notes"/>
-          <p:cNvSpPr/>
+          <p:cNvSpPr>
+            <a:spLocks noGrp="1" noRot="1" noChangeAspect="1"/>
+          </p:cNvSpPr>
           <p:nvPr>
-            <p:ph idx="2" type="sldImg"/>
+            <p:ph type="sldImg" idx="2"/>
           </p:nvPr>
         </p:nvSpPr>
         <p:spPr>
@@ -936,9 +963,13 @@
             <a:ext cx="6096000" cy="3429000"/>
           </a:xfrm>
           <a:custGeom>
-            <a:rect b="b" l="l" r="r" t="t"/>
+            <a:avLst/>
+            <a:gdLst/>
+            <a:ahLst/>
+            <a:cxnLst/>
+            <a:rect l="l" t="t" r="r" b="b"/>
             <a:pathLst>
-              <a:path extrusionOk="0" h="120000" w="120000">
+              <a:path w="120000" h="120000" extrusionOk="0">
                 <a:moveTo>
                   <a:pt x="0" y="0"/>
                 </a:moveTo>
@@ -960,9 +991,11 @@
       <p:sp>
         <p:nvSpPr>
           <p:cNvPr id="145" name="Google Shape;145;g919247564e_0_137:notes"/>
-          <p:cNvSpPr txBox="1"/>
+          <p:cNvSpPr txBox="1">
+            <a:spLocks noGrp="1"/>
+          </p:cNvSpPr>
           <p:nvPr>
-            <p:ph idx="1" type="body"/>
+            <p:ph type="body" idx="1"/>
           </p:nvPr>
         </p:nvSpPr>
         <p:spPr>
@@ -975,12 +1008,12 @@
           </a:prstGeom>
         </p:spPr>
         <p:txBody>
-          <a:bodyPr anchorCtr="0" anchor="t" bIns="91425" lIns="91425" spcFirstLastPara="1" rIns="91425" wrap="square" tIns="91425">
+          <a:bodyPr spcFirstLastPara="1" wrap="square" lIns="91425" tIns="91425" rIns="91425" bIns="91425" anchor="t" anchorCtr="0">
             <a:noAutofit/>
           </a:bodyPr>
           <a:lstStyle/>
           <a:p>
-            <a:pPr indent="0" lvl="0" marL="0" rtl="0" algn="l">
+            <a:pPr marL="0" lvl="0" indent="0" algn="l" rtl="0">
               <a:spcBef>
                 <a:spcPts val="0"/>
               </a:spcBef>
@@ -989,9 +1022,6 @@
               </a:spcAft>
               <a:buNone/>
             </a:pPr>
-            <a:r>
-              <a:t/>
-            </a:r>
             <a:endParaRPr/>
           </a:p>
         </p:txBody>
@@ -1005,11 +1035,11 @@
 </file>
 
 <file path=ppt/notesSlides/notesSlide4.xml><?xml version="1.0" encoding="utf-8"?>
-<p:notes xmlns:a="http://schemas.openxmlformats.org/drawingml/2006/main" xmlns:r="http://schemas.openxmlformats.org/officeDocument/2006/relationships" xmlns:mc="http://schemas.openxmlformats.org/markup-compatibility/2006" xmlns:mv="urn:schemas-microsoft-com:mac:vml" xmlns:p="http://schemas.openxmlformats.org/presentationml/2006/main" xmlns:c="http://schemas.openxmlformats.org/drawingml/2006/chart" xmlns:dgm="http://schemas.openxmlformats.org/drawingml/2006/diagram" xmlns:o="urn:schemas-microsoft-com:office:office" xmlns:v="urn:schemas-microsoft-com:vml" xmlns:pvml="urn:schemas-microsoft-com:office:powerpoint" xmlns:com="http://schemas.openxmlformats.org/drawingml/2006/compatibility" xmlns:p14="http://schemas.microsoft.com/office/powerpoint/2010/main" xmlns:p15="http://schemas.microsoft.com/office/powerpoint/2012/main" xmlns:ahyp="http://schemas.microsoft.com/office/drawing/2018/hyperlinkcolor" showMasterPhAnim="0" showMasterSp="0">
+<p:notes xmlns:a="http://schemas.openxmlformats.org/drawingml/2006/main" xmlns:r="http://schemas.openxmlformats.org/officeDocument/2006/relationships" xmlns:p="http://schemas.openxmlformats.org/presentationml/2006/main" showMasterSp="0" showMasterPhAnim="0">
   <p:cSld>
     <p:spTree>
       <p:nvGrpSpPr>
-        <p:cNvPr id="149" name="Shape 149"/>
+        <p:cNvPr id="1" name="Shape 149"/>
         <p:cNvGrpSpPr/>
         <p:nvPr/>
       </p:nvGrpSpPr>
@@ -1024,9 +1054,11 @@
       <p:sp>
         <p:nvSpPr>
           <p:cNvPr id="150" name="Google Shape;150;g919247564e_0_132:notes"/>
-          <p:cNvSpPr/>
+          <p:cNvSpPr>
+            <a:spLocks noGrp="1" noRot="1" noChangeAspect="1"/>
+          </p:cNvSpPr>
           <p:nvPr>
-            <p:ph idx="2" type="sldImg"/>
+            <p:ph type="sldImg" idx="2"/>
           </p:nvPr>
         </p:nvSpPr>
         <p:spPr>
@@ -1035,9 +1067,13 @@
             <a:ext cx="6096000" cy="3429000"/>
           </a:xfrm>
           <a:custGeom>
-            <a:rect b="b" l="l" r="r" t="t"/>
+            <a:avLst/>
+            <a:gdLst/>
+            <a:ahLst/>
+            <a:cxnLst/>
+            <a:rect l="l" t="t" r="r" b="b"/>
             <a:pathLst>
-              <a:path extrusionOk="0" h="120000" w="120000">
+              <a:path w="120000" h="120000" extrusionOk="0">
                 <a:moveTo>
                   <a:pt x="0" y="0"/>
                 </a:moveTo>
@@ -1059,9 +1095,11 @@
       <p:sp>
         <p:nvSpPr>
           <p:cNvPr id="151" name="Google Shape;151;g919247564e_0_132:notes"/>
-          <p:cNvSpPr txBox="1"/>
+          <p:cNvSpPr txBox="1">
+            <a:spLocks noGrp="1"/>
+          </p:cNvSpPr>
           <p:nvPr>
-            <p:ph idx="1" type="body"/>
+            <p:ph type="body" idx="1"/>
           </p:nvPr>
         </p:nvSpPr>
         <p:spPr>
@@ -1074,12 +1112,12 @@
           </a:prstGeom>
         </p:spPr>
         <p:txBody>
-          <a:bodyPr anchorCtr="0" anchor="t" bIns="91425" lIns="91425" spcFirstLastPara="1" rIns="91425" wrap="square" tIns="91425">
+          <a:bodyPr spcFirstLastPara="1" wrap="square" lIns="91425" tIns="91425" rIns="91425" bIns="91425" anchor="t" anchorCtr="0">
             <a:noAutofit/>
           </a:bodyPr>
           <a:lstStyle/>
           <a:p>
-            <a:pPr indent="0" lvl="0" marL="0" rtl="0" algn="l">
+            <a:pPr marL="0" lvl="0" indent="0" algn="l" rtl="0">
               <a:spcBef>
                 <a:spcPts val="0"/>
               </a:spcBef>
@@ -1088,9 +1126,6 @@
               </a:spcAft>
               <a:buNone/>
             </a:pPr>
-            <a:r>
-              <a:t/>
-            </a:r>
             <a:endParaRPr/>
           </a:p>
         </p:txBody>
@@ -1104,11 +1139,11 @@
 </file>
 
 <file path=ppt/notesSlides/notesSlide5.xml><?xml version="1.0" encoding="utf-8"?>
-<p:notes xmlns:a="http://schemas.openxmlformats.org/drawingml/2006/main" xmlns:r="http://schemas.openxmlformats.org/officeDocument/2006/relationships" xmlns:mc="http://schemas.openxmlformats.org/markup-compatibility/2006" xmlns:mv="urn:schemas-microsoft-com:mac:vml" xmlns:p="http://schemas.openxmlformats.org/presentationml/2006/main" xmlns:c="http://schemas.openxmlformats.org/drawingml/2006/chart" xmlns:dgm="http://schemas.openxmlformats.org/drawingml/2006/diagram" xmlns:o="urn:schemas-microsoft-com:office:office" xmlns:v="urn:schemas-microsoft-com:vml" xmlns:pvml="urn:schemas-microsoft-com:office:powerpoint" xmlns:com="http://schemas.openxmlformats.org/drawingml/2006/compatibility" xmlns:p14="http://schemas.microsoft.com/office/powerpoint/2010/main" xmlns:p15="http://schemas.microsoft.com/office/powerpoint/2012/main" xmlns:ahyp="http://schemas.microsoft.com/office/drawing/2018/hyperlinkcolor" showMasterPhAnim="0" showMasterSp="0">
+<p:notes xmlns:a="http://schemas.openxmlformats.org/drawingml/2006/main" xmlns:r="http://schemas.openxmlformats.org/officeDocument/2006/relationships" xmlns:p="http://schemas.openxmlformats.org/presentationml/2006/main" showMasterSp="0" showMasterPhAnim="0">
   <p:cSld>
     <p:spTree>
       <p:nvGrpSpPr>
-        <p:cNvPr id="155" name="Shape 155"/>
+        <p:cNvPr id="1" name="Shape 155"/>
         <p:cNvGrpSpPr/>
         <p:nvPr/>
       </p:nvGrpSpPr>
@@ -1123,20 +1158,26 @@
       <p:sp>
         <p:nvSpPr>
           <p:cNvPr id="156" name="Google Shape;156;g919247564e_0_145:notes"/>
-          <p:cNvSpPr/>
+          <p:cNvSpPr>
+            <a:spLocks noGrp="1" noRot="1" noChangeAspect="1"/>
+          </p:cNvSpPr>
           <p:nvPr>
-            <p:ph idx="2" type="sldImg"/>
+            <p:ph type="sldImg" idx="2"/>
           </p:nvPr>
         </p:nvSpPr>
         <p:spPr>
           <a:xfrm>
-            <a:off x="381300" y="685800"/>
+            <a:off x="381000" y="685800"/>
             <a:ext cx="6096000" cy="3429000"/>
           </a:xfrm>
           <a:custGeom>
-            <a:rect b="b" l="l" r="r" t="t"/>
+            <a:avLst/>
+            <a:gdLst/>
+            <a:ahLst/>
+            <a:cxnLst/>
+            <a:rect l="l" t="t" r="r" b="b"/>
             <a:pathLst>
-              <a:path extrusionOk="0" h="120000" w="120000">
+              <a:path w="120000" h="120000" extrusionOk="0">
                 <a:moveTo>
                   <a:pt x="0" y="0"/>
                 </a:moveTo>
@@ -1158,9 +1199,11 @@
       <p:sp>
         <p:nvSpPr>
           <p:cNvPr id="157" name="Google Shape;157;g919247564e_0_145:notes"/>
-          <p:cNvSpPr txBox="1"/>
+          <p:cNvSpPr txBox="1">
+            <a:spLocks noGrp="1"/>
+          </p:cNvSpPr>
           <p:nvPr>
-            <p:ph idx="1" type="body"/>
+            <p:ph type="body" idx="1"/>
           </p:nvPr>
         </p:nvSpPr>
         <p:spPr>
@@ -1173,12 +1216,12 @@
           </a:prstGeom>
         </p:spPr>
         <p:txBody>
-          <a:bodyPr anchorCtr="0" anchor="t" bIns="91425" lIns="91425" spcFirstLastPara="1" rIns="91425" wrap="square" tIns="91425">
+          <a:bodyPr spcFirstLastPara="1" wrap="square" lIns="91425" tIns="91425" rIns="91425" bIns="91425" anchor="t" anchorCtr="0">
             <a:noAutofit/>
           </a:bodyPr>
           <a:lstStyle/>
           <a:p>
-            <a:pPr indent="0" lvl="0" marL="0" rtl="0" algn="l">
+            <a:pPr marL="0" lvl="0" indent="0" algn="l" rtl="0">
               <a:spcBef>
                 <a:spcPts val="0"/>
               </a:spcBef>
@@ -1187,9 +1230,6 @@
               </a:spcAft>
               <a:buNone/>
             </a:pPr>
-            <a:r>
-              <a:t/>
-            </a:r>
             <a:endParaRPr/>
           </a:p>
         </p:txBody>
@@ -1203,11 +1243,11 @@
 </file>
 
 <file path=ppt/notesSlides/notesSlide6.xml><?xml version="1.0" encoding="utf-8"?>
-<p:notes xmlns:a="http://schemas.openxmlformats.org/drawingml/2006/main" xmlns:r="http://schemas.openxmlformats.org/officeDocument/2006/relationships" xmlns:mc="http://schemas.openxmlformats.org/markup-compatibility/2006" xmlns:mv="urn:schemas-microsoft-com:mac:vml" xmlns:p="http://schemas.openxmlformats.org/presentationml/2006/main" xmlns:c="http://schemas.openxmlformats.org/drawingml/2006/chart" xmlns:dgm="http://schemas.openxmlformats.org/drawingml/2006/diagram" xmlns:o="urn:schemas-microsoft-com:office:office" xmlns:v="urn:schemas-microsoft-com:vml" xmlns:pvml="urn:schemas-microsoft-com:office:powerpoint" xmlns:com="http://schemas.openxmlformats.org/drawingml/2006/compatibility" xmlns:p14="http://schemas.microsoft.com/office/powerpoint/2010/main" xmlns:p15="http://schemas.microsoft.com/office/powerpoint/2012/main" xmlns:ahyp="http://schemas.microsoft.com/office/drawing/2018/hyperlinkcolor" showMasterPhAnim="0" showMasterSp="0">
+<p:notes xmlns:a="http://schemas.openxmlformats.org/drawingml/2006/main" xmlns:r="http://schemas.openxmlformats.org/officeDocument/2006/relationships" xmlns:p="http://schemas.openxmlformats.org/presentationml/2006/main" showMasterSp="0" showMasterPhAnim="0">
   <p:cSld>
     <p:spTree>
       <p:nvGrpSpPr>
-        <p:cNvPr id="162" name="Shape 162"/>
+        <p:cNvPr id="1" name="Shape 162"/>
         <p:cNvGrpSpPr/>
         <p:nvPr/>
       </p:nvGrpSpPr>
@@ -1222,9 +1262,11 @@
       <p:sp>
         <p:nvSpPr>
           <p:cNvPr id="163" name="Google Shape;163;g919247564e_0_151:notes"/>
-          <p:cNvSpPr/>
+          <p:cNvSpPr>
+            <a:spLocks noGrp="1" noRot="1" noChangeAspect="1"/>
+          </p:cNvSpPr>
           <p:nvPr>
-            <p:ph idx="2" type="sldImg"/>
+            <p:ph type="sldImg" idx="2"/>
           </p:nvPr>
         </p:nvSpPr>
         <p:spPr>
@@ -1233,9 +1275,13 @@
             <a:ext cx="6096000" cy="3429000"/>
           </a:xfrm>
           <a:custGeom>
-            <a:rect b="b" l="l" r="r" t="t"/>
+            <a:avLst/>
+            <a:gdLst/>
+            <a:ahLst/>
+            <a:cxnLst/>
+            <a:rect l="l" t="t" r="r" b="b"/>
             <a:pathLst>
-              <a:path extrusionOk="0" h="120000" w="120000">
+              <a:path w="120000" h="120000" extrusionOk="0">
                 <a:moveTo>
                   <a:pt x="0" y="0"/>
                 </a:moveTo>
@@ -1257,9 +1303,11 @@
       <p:sp>
         <p:nvSpPr>
           <p:cNvPr id="164" name="Google Shape;164;g919247564e_0_151:notes"/>
-          <p:cNvSpPr txBox="1"/>
+          <p:cNvSpPr txBox="1">
+            <a:spLocks noGrp="1"/>
+          </p:cNvSpPr>
           <p:nvPr>
-            <p:ph idx="1" type="body"/>
+            <p:ph type="body" idx="1"/>
           </p:nvPr>
         </p:nvSpPr>
         <p:spPr>
@@ -1272,12 +1320,12 @@
           </a:prstGeom>
         </p:spPr>
         <p:txBody>
-          <a:bodyPr anchorCtr="0" anchor="t" bIns="91425" lIns="91425" spcFirstLastPara="1" rIns="91425" wrap="square" tIns="91425">
+          <a:bodyPr spcFirstLastPara="1" wrap="square" lIns="91425" tIns="91425" rIns="91425" bIns="91425" anchor="t" anchorCtr="0">
             <a:noAutofit/>
           </a:bodyPr>
           <a:lstStyle/>
           <a:p>
-            <a:pPr indent="0" lvl="0" marL="0" rtl="0" algn="l">
+            <a:pPr marL="0" lvl="0" indent="0" algn="l" rtl="0">
               <a:spcBef>
                 <a:spcPts val="0"/>
               </a:spcBef>
@@ -1286,9 +1334,6 @@
               </a:spcAft>
               <a:buNone/>
             </a:pPr>
-            <a:r>
-              <a:t/>
-            </a:r>
             <a:endParaRPr/>
           </a:p>
         </p:txBody>
@@ -1302,11 +1347,11 @@
 </file>
 
 <file path=ppt/slideLayouts/slideLayout1.xml><?xml version="1.0" encoding="utf-8"?>
-<p:sldLayout xmlns:a="http://schemas.openxmlformats.org/drawingml/2006/main" xmlns:r="http://schemas.openxmlformats.org/officeDocument/2006/relationships" xmlns:mc="http://schemas.openxmlformats.org/markup-compatibility/2006" xmlns:mv="urn:schemas-microsoft-com:mac:vml" xmlns:p="http://schemas.openxmlformats.org/presentationml/2006/main" xmlns:c="http://schemas.openxmlformats.org/drawingml/2006/chart" xmlns:dgm="http://schemas.openxmlformats.org/drawingml/2006/diagram" xmlns:o="urn:schemas-microsoft-com:office:office" xmlns:v="urn:schemas-microsoft-com:vml" xmlns:pvml="urn:schemas-microsoft-com:office:powerpoint" xmlns:com="http://schemas.openxmlformats.org/drawingml/2006/compatibility" xmlns:p14="http://schemas.microsoft.com/office/powerpoint/2010/main" xmlns:p15="http://schemas.microsoft.com/office/powerpoint/2012/main" xmlns:ahyp="http://schemas.microsoft.com/office/drawing/2018/hyperlinkcolor" matchingName="Title slide" type="title">
+<p:sldLayout xmlns:a="http://schemas.openxmlformats.org/drawingml/2006/main" xmlns:r="http://schemas.openxmlformats.org/officeDocument/2006/relationships" xmlns:p="http://schemas.openxmlformats.org/presentationml/2006/main" matchingName="Title slide" type="title">
   <p:cSld name="TITLE">
     <p:spTree>
       <p:nvGrpSpPr>
-        <p:cNvPr id="9" name="Shape 9"/>
+        <p:cNvPr id="1" name="Shape 9"/>
         <p:cNvGrpSpPr/>
         <p:nvPr/>
       </p:nvGrpSpPr>
@@ -1331,7 +1376,7 @@
           </a:xfrm>
           <a:prstGeom prst="diagStripe">
             <a:avLst>
-              <a:gd fmla="val 0" name="adj"/>
+              <a:gd name="adj" fmla="val 0"/>
             </a:avLst>
           </a:prstGeom>
           <a:solidFill>
@@ -1344,12 +1389,12 @@
           </a:ln>
         </p:spPr>
         <p:txBody>
-          <a:bodyPr anchorCtr="0" anchor="ctr" bIns="91425" lIns="91425" spcFirstLastPara="1" rIns="91425" wrap="square" tIns="91425">
+          <a:bodyPr spcFirstLastPara="1" wrap="square" lIns="91425" tIns="91425" rIns="91425" bIns="91425" anchor="ctr" anchorCtr="0">
             <a:noAutofit/>
           </a:bodyPr>
           <a:lstStyle/>
           <a:p>
-            <a:pPr indent="0" lvl="0" marL="0" rtl="0" algn="l">
+            <a:pPr marL="0" lvl="0" indent="0" algn="l" rtl="0">
               <a:spcBef>
                 <a:spcPts val="0"/>
               </a:spcBef>
@@ -1358,9 +1403,6 @@
               </a:spcAft>
               <a:buNone/>
             </a:pPr>
-            <a:r>
-              <a:t/>
-            </a:r>
             <a:endParaRPr/>
           </a:p>
         </p:txBody>
@@ -1392,7 +1434,7 @@
             </a:xfrm>
             <a:prstGeom prst="diagStripe">
               <a:avLst>
-                <a:gd fmla="val 50000" name="adj"/>
+                <a:gd name="adj" fmla="val 50000"/>
               </a:avLst>
             </a:prstGeom>
             <a:solidFill>
@@ -1405,12 +1447,12 @@
             </a:ln>
           </p:spPr>
           <p:txBody>
-            <a:bodyPr anchorCtr="0" anchor="ctr" bIns="91425" lIns="91425" spcFirstLastPara="1" rIns="91425" wrap="square" tIns="91425">
+            <a:bodyPr spcFirstLastPara="1" wrap="square" lIns="91425" tIns="91425" rIns="91425" bIns="91425" anchor="ctr" anchorCtr="0">
               <a:noAutofit/>
             </a:bodyPr>
             <a:lstStyle/>
             <a:p>
-              <a:pPr indent="0" lvl="0" marL="0" rtl="0" algn="l">
+              <a:pPr marL="0" lvl="0" indent="0" algn="l" rtl="0">
                 <a:spcBef>
                   <a:spcPts val="0"/>
                 </a:spcBef>
@@ -1419,9 +1461,6 @@
                 </a:spcAft>
                 <a:buNone/>
               </a:pPr>
-              <a:r>
-                <a:t/>
-              </a:r>
               <a:endParaRPr/>
             </a:p>
           </p:txBody>
@@ -1439,7 +1478,7 @@
             </a:xfrm>
             <a:prstGeom prst="diagStripe">
               <a:avLst>
-                <a:gd fmla="val 58774" name="adj"/>
+                <a:gd name="adj" fmla="val 58774"/>
               </a:avLst>
             </a:prstGeom>
             <a:solidFill>
@@ -1452,12 +1491,12 @@
             </a:ln>
           </p:spPr>
           <p:txBody>
-            <a:bodyPr anchorCtr="0" anchor="ctr" bIns="91425" lIns="91425" spcFirstLastPara="1" rIns="91425" wrap="square" tIns="91425">
+            <a:bodyPr spcFirstLastPara="1" wrap="square" lIns="91425" tIns="91425" rIns="91425" bIns="91425" anchor="ctr" anchorCtr="0">
               <a:noAutofit/>
             </a:bodyPr>
             <a:lstStyle/>
             <a:p>
-              <a:pPr indent="0" lvl="0" marL="0" rtl="0" algn="l">
+              <a:pPr marL="0" lvl="0" indent="0" algn="l" rtl="0">
                 <a:spcBef>
                   <a:spcPts val="0"/>
                 </a:spcBef>
@@ -1466,9 +1505,6 @@
                 </a:spcAft>
                 <a:buNone/>
               </a:pPr>
-              <a:r>
-                <a:t/>
-              </a:r>
               <a:endParaRPr/>
             </a:p>
           </p:txBody>
@@ -1486,7 +1522,7 @@
             </a:xfrm>
             <a:prstGeom prst="diagStripe">
               <a:avLst>
-                <a:gd fmla="val 50000" name="adj"/>
+                <a:gd name="adj" fmla="val 50000"/>
               </a:avLst>
             </a:prstGeom>
             <a:solidFill>
@@ -1497,12 +1533,12 @@
             </a:ln>
           </p:spPr>
           <p:txBody>
-            <a:bodyPr anchorCtr="0" anchor="ctr" bIns="91425" lIns="91425" spcFirstLastPara="1" rIns="91425" wrap="square" tIns="91425">
+            <a:bodyPr spcFirstLastPara="1" wrap="square" lIns="91425" tIns="91425" rIns="91425" bIns="91425" anchor="ctr" anchorCtr="0">
               <a:noAutofit/>
             </a:bodyPr>
             <a:lstStyle/>
             <a:p>
-              <a:pPr indent="0" lvl="0" marL="0" rtl="0" algn="l">
+              <a:pPr marL="0" lvl="0" indent="0" algn="l" rtl="0">
                 <a:spcBef>
                   <a:spcPts val="0"/>
                 </a:spcBef>
@@ -1511,9 +1547,6 @@
                 </a:spcAft>
                 <a:buNone/>
               </a:pPr>
-              <a:r>
-                <a:t/>
-              </a:r>
               <a:endParaRPr/>
             </a:p>
           </p:txBody>
@@ -1531,7 +1564,7 @@
             </a:xfrm>
             <a:prstGeom prst="diagStripe">
               <a:avLst>
-                <a:gd fmla="val 50000" name="adj"/>
+                <a:gd name="adj" fmla="val 50000"/>
               </a:avLst>
             </a:prstGeom>
             <a:solidFill>
@@ -1542,12 +1575,12 @@
             </a:ln>
           </p:spPr>
           <p:txBody>
-            <a:bodyPr anchorCtr="0" anchor="ctr" bIns="91425" lIns="91425" spcFirstLastPara="1" rIns="91425" wrap="square" tIns="91425">
+            <a:bodyPr spcFirstLastPara="1" wrap="square" lIns="91425" tIns="91425" rIns="91425" bIns="91425" anchor="ctr" anchorCtr="0">
               <a:noAutofit/>
             </a:bodyPr>
             <a:lstStyle/>
             <a:p>
-              <a:pPr indent="0" lvl="0" marL="0" rtl="0" algn="l">
+              <a:pPr marL="0" lvl="0" indent="0" algn="l" rtl="0">
                 <a:spcBef>
                   <a:spcPts val="0"/>
                 </a:spcBef>
@@ -1556,9 +1589,6 @@
                 </a:spcAft>
                 <a:buNone/>
               </a:pPr>
-              <a:r>
-                <a:t/>
-              </a:r>
               <a:endParaRPr/>
             </a:p>
           </p:txBody>
@@ -1567,7 +1597,9 @@
       <p:sp>
         <p:nvSpPr>
           <p:cNvPr id="16" name="Google Shape;16;p2"/>
-          <p:cNvSpPr txBox="1"/>
+          <p:cNvSpPr txBox="1">
+            <a:spLocks noGrp="1"/>
+          </p:cNvSpPr>
           <p:nvPr>
             <p:ph type="ctrTitle"/>
           </p:nvPr>
@@ -1582,7 +1614,7 @@
           </a:prstGeom>
         </p:spPr>
         <p:txBody>
-          <a:bodyPr anchorCtr="0" anchor="t" bIns="91425" lIns="91425" spcFirstLastPara="1" rIns="91425" wrap="square" tIns="91425">
+          <a:bodyPr spcFirstLastPara="1" wrap="square" lIns="91425" tIns="91425" rIns="91425" bIns="91425" anchor="t" anchorCtr="0">
             <a:noAutofit/>
           </a:bodyPr>
           <a:lstStyle>
@@ -1686,15 +1718,19 @@
               <a:defRPr sz="4000"/>
             </a:lvl9pPr>
           </a:lstStyle>
-          <a:p/>
+          <a:p>
+            <a:endParaRPr/>
+          </a:p>
         </p:txBody>
       </p:sp>
       <p:sp>
         <p:nvSpPr>
           <p:cNvPr id="17" name="Google Shape;17;p2"/>
-          <p:cNvSpPr txBox="1"/>
+          <p:cNvSpPr txBox="1">
+            <a:spLocks noGrp="1"/>
+          </p:cNvSpPr>
           <p:nvPr>
-            <p:ph idx="1" type="subTitle"/>
+            <p:ph type="subTitle" idx="1"/>
           </p:nvPr>
         </p:nvSpPr>
         <p:spPr>
@@ -1707,7 +1743,7 @@
           </a:prstGeom>
         </p:spPr>
         <p:txBody>
-          <a:bodyPr anchorCtr="0" anchor="t" bIns="91425" lIns="91425" spcFirstLastPara="1" rIns="91425" wrap="square" tIns="91425">
+          <a:bodyPr spcFirstLastPara="1" wrap="square" lIns="91425" tIns="91425" rIns="91425" bIns="91425" anchor="t" anchorCtr="0">
             <a:noAutofit/>
           </a:bodyPr>
           <a:lstStyle>
@@ -1838,15 +1874,19 @@
               <a:defRPr sz="1300"/>
             </a:lvl9pPr>
           </a:lstStyle>
-          <a:p/>
+          <a:p>
+            <a:endParaRPr/>
+          </a:p>
         </p:txBody>
       </p:sp>
       <p:sp>
         <p:nvSpPr>
           <p:cNvPr id="18" name="Google Shape;18;p2"/>
-          <p:cNvSpPr txBox="1"/>
+          <p:cNvSpPr txBox="1">
+            <a:spLocks noGrp="1"/>
+          </p:cNvSpPr>
           <p:nvPr>
-            <p:ph idx="12" type="sldNum"/>
+            <p:ph type="sldNum" idx="12"/>
           </p:nvPr>
         </p:nvSpPr>
         <p:spPr>
@@ -1859,7 +1899,7 @@
           </a:prstGeom>
         </p:spPr>
         <p:txBody>
-          <a:bodyPr anchorCtr="0" anchor="ctr" bIns="91425" lIns="91425" spcFirstLastPara="1" rIns="91425" wrap="square" tIns="91425">
+          <a:bodyPr spcFirstLastPara="1" wrap="square" lIns="91425" tIns="91425" rIns="91425" bIns="91425" anchor="ctr" anchorCtr="0">
             <a:noAutofit/>
           </a:bodyPr>
           <a:lstStyle>
@@ -1901,7 +1941,7 @@
             </a:lvl9pPr>
           </a:lstStyle>
           <a:p>
-            <a:pPr indent="0" lvl="0" marL="0" rtl="0" algn="r">
+            <a:pPr marL="0" lvl="0" indent="0" algn="r" rtl="0">
               <a:spcBef>
                 <a:spcPts val="0"/>
               </a:spcBef>
@@ -1927,11 +1967,11 @@
 </file>
 
 <file path=ppt/slideLayouts/slideLayout10.xml><?xml version="1.0" encoding="utf-8"?>
-<p:sldLayout xmlns:a="http://schemas.openxmlformats.org/drawingml/2006/main" xmlns:r="http://schemas.openxmlformats.org/officeDocument/2006/relationships" xmlns:mc="http://schemas.openxmlformats.org/markup-compatibility/2006" xmlns:mv="urn:schemas-microsoft-com:mac:vml" xmlns:p="http://schemas.openxmlformats.org/presentationml/2006/main" xmlns:c="http://schemas.openxmlformats.org/drawingml/2006/chart" xmlns:dgm="http://schemas.openxmlformats.org/drawingml/2006/diagram" xmlns:o="urn:schemas-microsoft-com:office:office" xmlns:v="urn:schemas-microsoft-com:vml" xmlns:pvml="urn:schemas-microsoft-com:office:powerpoint" xmlns:com="http://schemas.openxmlformats.org/drawingml/2006/compatibility" xmlns:p14="http://schemas.microsoft.com/office/powerpoint/2010/main" xmlns:p15="http://schemas.microsoft.com/office/powerpoint/2012/main" xmlns:ahyp="http://schemas.microsoft.com/office/drawing/2018/hyperlinkcolor" matchingName="Big number">
+<p:sldLayout xmlns:a="http://schemas.openxmlformats.org/drawingml/2006/main" xmlns:r="http://schemas.openxmlformats.org/officeDocument/2006/relationships" xmlns:p="http://schemas.openxmlformats.org/presentationml/2006/main" matchingName="Big number">
   <p:cSld name="BIG_NUMBER">
     <p:spTree>
       <p:nvGrpSpPr>
-        <p:cNvPr id="105" name="Shape 105"/>
+        <p:cNvPr id="1" name="Shape 105"/>
         <p:cNvGrpSpPr/>
         <p:nvPr/>
       </p:nvGrpSpPr>
@@ -1970,7 +2010,7 @@
             </a:xfrm>
             <a:prstGeom prst="diagStripe">
               <a:avLst>
-                <a:gd fmla="val 49469" name="adj"/>
+                <a:gd name="adj" fmla="val 49469"/>
               </a:avLst>
             </a:prstGeom>
             <a:solidFill>
@@ -1983,12 +2023,12 @@
             </a:ln>
           </p:spPr>
           <p:txBody>
-            <a:bodyPr anchorCtr="0" anchor="ctr" bIns="91425" lIns="91425" spcFirstLastPara="1" rIns="91425" wrap="square" tIns="91425">
+            <a:bodyPr spcFirstLastPara="1" wrap="square" lIns="91425" tIns="91425" rIns="91425" bIns="91425" anchor="ctr" anchorCtr="0">
               <a:noAutofit/>
             </a:bodyPr>
             <a:lstStyle/>
             <a:p>
-              <a:pPr indent="0" lvl="0" marL="0" rtl="0" algn="l">
+              <a:pPr marL="0" lvl="0" indent="0" algn="l" rtl="0">
                 <a:spcBef>
                   <a:spcPts val="0"/>
                 </a:spcBef>
@@ -1997,9 +2037,6 @@
                 </a:spcAft>
                 <a:buNone/>
               </a:pPr>
-              <a:r>
-                <a:t/>
-              </a:r>
               <a:endParaRPr/>
             </a:p>
           </p:txBody>
@@ -2017,7 +2054,7 @@
             </a:xfrm>
             <a:prstGeom prst="diagStripe">
               <a:avLst>
-                <a:gd fmla="val 0" name="adj"/>
+                <a:gd name="adj" fmla="val 0"/>
               </a:avLst>
             </a:prstGeom>
             <a:solidFill>
@@ -2030,12 +2067,12 @@
             </a:ln>
           </p:spPr>
           <p:txBody>
-            <a:bodyPr anchorCtr="0" anchor="ctr" bIns="91425" lIns="91425" spcFirstLastPara="1" rIns="91425" wrap="square" tIns="91425">
+            <a:bodyPr spcFirstLastPara="1" wrap="square" lIns="91425" tIns="91425" rIns="91425" bIns="91425" anchor="ctr" anchorCtr="0">
               <a:noAutofit/>
             </a:bodyPr>
             <a:lstStyle/>
             <a:p>
-              <a:pPr indent="0" lvl="0" marL="0" rtl="0" algn="l">
+              <a:pPr marL="0" lvl="0" indent="0" algn="l" rtl="0">
                 <a:spcBef>
                   <a:spcPts val="0"/>
                 </a:spcBef>
@@ -2044,9 +2081,6 @@
                 </a:spcAft>
                 <a:buNone/>
               </a:pPr>
-              <a:r>
-                <a:t/>
-              </a:r>
               <a:endParaRPr/>
             </a:p>
           </p:txBody>
@@ -2064,7 +2098,7 @@
             </a:xfrm>
             <a:prstGeom prst="diagStripe">
               <a:avLst>
-                <a:gd fmla="val 50000" name="adj"/>
+                <a:gd name="adj" fmla="val 50000"/>
               </a:avLst>
             </a:prstGeom>
             <a:solidFill>
@@ -2077,12 +2111,12 @@
             </a:ln>
           </p:spPr>
           <p:txBody>
-            <a:bodyPr anchorCtr="0" anchor="ctr" bIns="91425" lIns="91425" spcFirstLastPara="1" rIns="91425" wrap="square" tIns="91425">
+            <a:bodyPr spcFirstLastPara="1" wrap="square" lIns="91425" tIns="91425" rIns="91425" bIns="91425" anchor="ctr" anchorCtr="0">
               <a:noAutofit/>
             </a:bodyPr>
             <a:lstStyle/>
             <a:p>
-              <a:pPr indent="0" lvl="0" marL="0" rtl="0" algn="l">
+              <a:pPr marL="0" lvl="0" indent="0" algn="l" rtl="0">
                 <a:spcBef>
                   <a:spcPts val="0"/>
                 </a:spcBef>
@@ -2091,9 +2125,6 @@
                 </a:spcAft>
                 <a:buNone/>
               </a:pPr>
-              <a:r>
-                <a:t/>
-              </a:r>
               <a:endParaRPr/>
             </a:p>
           </p:txBody>
@@ -2111,7 +2142,7 @@
             </a:xfrm>
             <a:prstGeom prst="diagStripe">
               <a:avLst>
-                <a:gd fmla="val 50000" name="adj"/>
+                <a:gd name="adj" fmla="val 50000"/>
               </a:avLst>
             </a:prstGeom>
             <a:solidFill>
@@ -2124,12 +2155,12 @@
             </a:ln>
           </p:spPr>
           <p:txBody>
-            <a:bodyPr anchorCtr="0" anchor="ctr" bIns="91425" lIns="91425" spcFirstLastPara="1" rIns="91425" wrap="square" tIns="91425">
+            <a:bodyPr spcFirstLastPara="1" wrap="square" lIns="91425" tIns="91425" rIns="91425" bIns="91425" anchor="ctr" anchorCtr="0">
               <a:noAutofit/>
             </a:bodyPr>
             <a:lstStyle/>
             <a:p>
-              <a:pPr indent="0" lvl="0" marL="0" rtl="0" algn="l">
+              <a:pPr marL="0" lvl="0" indent="0" algn="l" rtl="0">
                 <a:spcBef>
                   <a:spcPts val="0"/>
                 </a:spcBef>
@@ -2138,9 +2169,6 @@
                 </a:spcAft>
                 <a:buNone/>
               </a:pPr>
-              <a:r>
-                <a:t/>
-              </a:r>
               <a:endParaRPr/>
             </a:p>
           </p:txBody>
@@ -2158,7 +2186,7 @@
             </a:xfrm>
             <a:prstGeom prst="diagStripe">
               <a:avLst>
-                <a:gd fmla="val 50000" name="adj"/>
+                <a:gd name="adj" fmla="val 50000"/>
               </a:avLst>
             </a:prstGeom>
             <a:solidFill>
@@ -2171,12 +2199,12 @@
             </a:ln>
           </p:spPr>
           <p:txBody>
-            <a:bodyPr anchorCtr="0" anchor="ctr" bIns="91425" lIns="91425" spcFirstLastPara="1" rIns="91425" wrap="square" tIns="91425">
+            <a:bodyPr spcFirstLastPara="1" wrap="square" lIns="91425" tIns="91425" rIns="91425" bIns="91425" anchor="ctr" anchorCtr="0">
               <a:noAutofit/>
             </a:bodyPr>
             <a:lstStyle/>
             <a:p>
-              <a:pPr indent="0" lvl="0" marL="0" rtl="0" algn="l">
+              <a:pPr marL="0" lvl="0" indent="0" algn="l" rtl="0">
                 <a:spcBef>
                   <a:spcPts val="0"/>
                 </a:spcBef>
@@ -2185,9 +2213,6 @@
                 </a:spcAft>
                 <a:buNone/>
               </a:pPr>
-              <a:r>
-                <a:t/>
-              </a:r>
               <a:endParaRPr/>
             </a:p>
           </p:txBody>
@@ -2205,7 +2230,7 @@
             </a:xfrm>
             <a:prstGeom prst="diagStripe">
               <a:avLst>
-                <a:gd fmla="val 50000" name="adj"/>
+                <a:gd name="adj" fmla="val 50000"/>
               </a:avLst>
             </a:prstGeom>
             <a:solidFill>
@@ -2218,12 +2243,12 @@
             </a:ln>
           </p:spPr>
           <p:txBody>
-            <a:bodyPr anchorCtr="0" anchor="ctr" bIns="91425" lIns="91425" spcFirstLastPara="1" rIns="91425" wrap="square" tIns="91425">
+            <a:bodyPr spcFirstLastPara="1" wrap="square" lIns="91425" tIns="91425" rIns="91425" bIns="91425" anchor="ctr" anchorCtr="0">
               <a:noAutofit/>
             </a:bodyPr>
             <a:lstStyle/>
             <a:p>
-              <a:pPr indent="0" lvl="0" marL="0" rtl="0" algn="l">
+              <a:pPr marL="0" lvl="0" indent="0" algn="l" rtl="0">
                 <a:spcBef>
                   <a:spcPts val="0"/>
                 </a:spcBef>
@@ -2232,9 +2257,6 @@
                 </a:spcAft>
                 <a:buNone/>
               </a:pPr>
-              <a:r>
-                <a:t/>
-              </a:r>
               <a:endParaRPr/>
             </a:p>
           </p:txBody>
@@ -2252,7 +2274,7 @@
             </a:xfrm>
             <a:prstGeom prst="diagStripe">
               <a:avLst>
-                <a:gd fmla="val 50000" name="adj"/>
+                <a:gd name="adj" fmla="val 50000"/>
               </a:avLst>
             </a:prstGeom>
             <a:solidFill>
@@ -2265,12 +2287,12 @@
             </a:ln>
           </p:spPr>
           <p:txBody>
-            <a:bodyPr anchorCtr="0" anchor="ctr" bIns="91425" lIns="91425" spcFirstLastPara="1" rIns="91425" wrap="square" tIns="91425">
+            <a:bodyPr spcFirstLastPara="1" wrap="square" lIns="91425" tIns="91425" rIns="91425" bIns="91425" anchor="ctr" anchorCtr="0">
               <a:noAutofit/>
             </a:bodyPr>
             <a:lstStyle/>
             <a:p>
-              <a:pPr indent="0" lvl="0" marL="0" rtl="0" algn="l">
+              <a:pPr marL="0" lvl="0" indent="0" algn="l" rtl="0">
                 <a:spcBef>
                   <a:spcPts val="0"/>
                 </a:spcBef>
@@ -2279,9 +2301,6 @@
                 </a:spcAft>
                 <a:buNone/>
               </a:pPr>
-              <a:r>
-                <a:t/>
-              </a:r>
               <a:endParaRPr/>
             </a:p>
           </p:txBody>
@@ -2299,7 +2318,7 @@
             </a:xfrm>
             <a:prstGeom prst="diagStripe">
               <a:avLst>
-                <a:gd fmla="val 50000" name="adj"/>
+                <a:gd name="adj" fmla="val 50000"/>
               </a:avLst>
             </a:prstGeom>
             <a:solidFill>
@@ -2310,12 +2329,12 @@
             </a:ln>
           </p:spPr>
           <p:txBody>
-            <a:bodyPr anchorCtr="0" anchor="ctr" bIns="91425" lIns="91425" spcFirstLastPara="1" rIns="91425" wrap="square" tIns="91425">
+            <a:bodyPr spcFirstLastPara="1" wrap="square" lIns="91425" tIns="91425" rIns="91425" bIns="91425" anchor="ctr" anchorCtr="0">
               <a:noAutofit/>
             </a:bodyPr>
             <a:lstStyle/>
             <a:p>
-              <a:pPr indent="0" lvl="0" marL="0" rtl="0" algn="l">
+              <a:pPr marL="0" lvl="0" indent="0" algn="l" rtl="0">
                 <a:spcBef>
                   <a:spcPts val="0"/>
                 </a:spcBef>
@@ -2324,9 +2343,6 @@
                 </a:spcAft>
                 <a:buNone/>
               </a:pPr>
-              <a:r>
-                <a:t/>
-              </a:r>
               <a:endParaRPr/>
             </a:p>
           </p:txBody>
@@ -2344,7 +2360,7 @@
             </a:xfrm>
             <a:prstGeom prst="diagStripe">
               <a:avLst>
-                <a:gd fmla="val 50000" name="adj"/>
+                <a:gd name="adj" fmla="val 50000"/>
               </a:avLst>
             </a:prstGeom>
             <a:solidFill>
@@ -2357,12 +2373,12 @@
             </a:ln>
           </p:spPr>
           <p:txBody>
-            <a:bodyPr anchorCtr="0" anchor="ctr" bIns="91425" lIns="91425" spcFirstLastPara="1" rIns="91425" wrap="square" tIns="91425">
+            <a:bodyPr spcFirstLastPara="1" wrap="square" lIns="91425" tIns="91425" rIns="91425" bIns="91425" anchor="ctr" anchorCtr="0">
               <a:noAutofit/>
             </a:bodyPr>
             <a:lstStyle/>
             <a:p>
-              <a:pPr indent="0" lvl="0" marL="0" rtl="0" algn="l">
+              <a:pPr marL="0" lvl="0" indent="0" algn="l" rtl="0">
                 <a:spcBef>
                   <a:spcPts val="0"/>
                 </a:spcBef>
@@ -2371,9 +2387,6 @@
                 </a:spcAft>
                 <a:buNone/>
               </a:pPr>
-              <a:r>
-                <a:t/>
-              </a:r>
               <a:endParaRPr/>
             </a:p>
           </p:txBody>
@@ -2391,7 +2404,7 @@
             </a:xfrm>
             <a:prstGeom prst="diagStripe">
               <a:avLst>
-                <a:gd fmla="val 50000" name="adj"/>
+                <a:gd name="adj" fmla="val 50000"/>
               </a:avLst>
             </a:prstGeom>
             <a:solidFill>
@@ -2404,12 +2417,12 @@
             </a:ln>
           </p:spPr>
           <p:txBody>
-            <a:bodyPr anchorCtr="0" anchor="ctr" bIns="91425" lIns="91425" spcFirstLastPara="1" rIns="91425" wrap="square" tIns="91425">
+            <a:bodyPr spcFirstLastPara="1" wrap="square" lIns="91425" tIns="91425" rIns="91425" bIns="91425" anchor="ctr" anchorCtr="0">
               <a:noAutofit/>
             </a:bodyPr>
             <a:lstStyle/>
             <a:p>
-              <a:pPr indent="0" lvl="0" marL="0" rtl="0" algn="l">
+              <a:pPr marL="0" lvl="0" indent="0" algn="l" rtl="0">
                 <a:spcBef>
                   <a:spcPts val="0"/>
                 </a:spcBef>
@@ -2418,9 +2431,6 @@
                 </a:spcAft>
                 <a:buNone/>
               </a:pPr>
-              <a:r>
-                <a:t/>
-              </a:r>
               <a:endParaRPr/>
             </a:p>
           </p:txBody>
@@ -2438,7 +2448,7 @@
             </a:xfrm>
             <a:prstGeom prst="diagStripe">
               <a:avLst>
-                <a:gd fmla="val 50000" name="adj"/>
+                <a:gd name="adj" fmla="val 50000"/>
               </a:avLst>
             </a:prstGeom>
             <a:solidFill>
@@ -2451,12 +2461,12 @@
             </a:ln>
           </p:spPr>
           <p:txBody>
-            <a:bodyPr anchorCtr="0" anchor="ctr" bIns="91425" lIns="91425" spcFirstLastPara="1" rIns="91425" wrap="square" tIns="91425">
+            <a:bodyPr spcFirstLastPara="1" wrap="square" lIns="91425" tIns="91425" rIns="91425" bIns="91425" anchor="ctr" anchorCtr="0">
               <a:noAutofit/>
             </a:bodyPr>
             <a:lstStyle/>
             <a:p>
-              <a:pPr indent="0" lvl="0" marL="0" rtl="0" algn="l">
+              <a:pPr marL="0" lvl="0" indent="0" algn="l" rtl="0">
                 <a:spcBef>
                   <a:spcPts val="0"/>
                 </a:spcBef>
@@ -2465,9 +2475,6 @@
                 </a:spcAft>
                 <a:buNone/>
               </a:pPr>
-              <a:r>
-                <a:t/>
-              </a:r>
               <a:endParaRPr/>
             </a:p>
           </p:txBody>
@@ -2485,7 +2492,7 @@
             </a:xfrm>
             <a:prstGeom prst="diagStripe">
               <a:avLst>
-                <a:gd fmla="val 50000" name="adj"/>
+                <a:gd name="adj" fmla="val 50000"/>
               </a:avLst>
             </a:prstGeom>
             <a:solidFill>
@@ -2498,12 +2505,12 @@
             </a:ln>
           </p:spPr>
           <p:txBody>
-            <a:bodyPr anchorCtr="0" anchor="ctr" bIns="91425" lIns="91425" spcFirstLastPara="1" rIns="91425" wrap="square" tIns="91425">
+            <a:bodyPr spcFirstLastPara="1" wrap="square" lIns="91425" tIns="91425" rIns="91425" bIns="91425" anchor="ctr" anchorCtr="0">
               <a:noAutofit/>
             </a:bodyPr>
             <a:lstStyle/>
             <a:p>
-              <a:pPr indent="0" lvl="0" marL="0" rtl="0" algn="l">
+              <a:pPr marL="0" lvl="0" indent="0" algn="l" rtl="0">
                 <a:spcBef>
                   <a:spcPts val="0"/>
                 </a:spcBef>
@@ -2512,9 +2519,6 @@
                 </a:spcAft>
                 <a:buNone/>
               </a:pPr>
-              <a:r>
-                <a:t/>
-              </a:r>
               <a:endParaRPr/>
             </a:p>
           </p:txBody>
@@ -2532,7 +2536,7 @@
             </a:xfrm>
             <a:prstGeom prst="diagStripe">
               <a:avLst>
-                <a:gd fmla="val 50000" name="adj"/>
+                <a:gd name="adj" fmla="val 50000"/>
               </a:avLst>
             </a:prstGeom>
             <a:solidFill>
@@ -2545,12 +2549,12 @@
             </a:ln>
           </p:spPr>
           <p:txBody>
-            <a:bodyPr anchorCtr="0" anchor="ctr" bIns="91425" lIns="91425" spcFirstLastPara="1" rIns="91425" wrap="square" tIns="91425">
+            <a:bodyPr spcFirstLastPara="1" wrap="square" lIns="91425" tIns="91425" rIns="91425" bIns="91425" anchor="ctr" anchorCtr="0">
               <a:noAutofit/>
             </a:bodyPr>
             <a:lstStyle/>
             <a:p>
-              <a:pPr indent="0" lvl="0" marL="0" rtl="0" algn="l">
+              <a:pPr marL="0" lvl="0" indent="0" algn="l" rtl="0">
                 <a:spcBef>
                   <a:spcPts val="0"/>
                 </a:spcBef>
@@ -2559,9 +2563,6 @@
                 </a:spcAft>
                 <a:buNone/>
               </a:pPr>
-              <a:r>
-                <a:t/>
-              </a:r>
               <a:endParaRPr/>
             </a:p>
           </p:txBody>
@@ -2579,7 +2580,7 @@
             </a:xfrm>
             <a:prstGeom prst="diagStripe">
               <a:avLst>
-                <a:gd fmla="val 50000" name="adj"/>
+                <a:gd name="adj" fmla="val 50000"/>
               </a:avLst>
             </a:prstGeom>
             <a:solidFill>
@@ -2590,12 +2591,12 @@
             </a:ln>
           </p:spPr>
           <p:txBody>
-            <a:bodyPr anchorCtr="0" anchor="ctr" bIns="91425" lIns="91425" spcFirstLastPara="1" rIns="91425" wrap="square" tIns="91425">
+            <a:bodyPr spcFirstLastPara="1" wrap="square" lIns="91425" tIns="91425" rIns="91425" bIns="91425" anchor="ctr" anchorCtr="0">
               <a:noAutofit/>
             </a:bodyPr>
             <a:lstStyle/>
             <a:p>
-              <a:pPr indent="0" lvl="0" marL="0" rtl="0" algn="l">
+              <a:pPr marL="0" lvl="0" indent="0" algn="l" rtl="0">
                 <a:spcBef>
                   <a:spcPts val="0"/>
                 </a:spcBef>
@@ -2604,9 +2605,6 @@
                 </a:spcAft>
                 <a:buNone/>
               </a:pPr>
-              <a:r>
-                <a:t/>
-              </a:r>
               <a:endParaRPr/>
             </a:p>
           </p:txBody>
@@ -2624,7 +2622,7 @@
             </a:xfrm>
             <a:prstGeom prst="diagStripe">
               <a:avLst>
-                <a:gd fmla="val 50000" name="adj"/>
+                <a:gd name="adj" fmla="val 50000"/>
               </a:avLst>
             </a:prstGeom>
             <a:solidFill>
@@ -2637,12 +2635,12 @@
             </a:ln>
           </p:spPr>
           <p:txBody>
-            <a:bodyPr anchorCtr="0" anchor="ctr" bIns="91425" lIns="91425" spcFirstLastPara="1" rIns="91425" wrap="square" tIns="91425">
+            <a:bodyPr spcFirstLastPara="1" wrap="square" lIns="91425" tIns="91425" rIns="91425" bIns="91425" anchor="ctr" anchorCtr="0">
               <a:noAutofit/>
             </a:bodyPr>
             <a:lstStyle/>
             <a:p>
-              <a:pPr indent="0" lvl="0" marL="0" rtl="0" algn="l">
+              <a:pPr marL="0" lvl="0" indent="0" algn="l" rtl="0">
                 <a:spcBef>
                   <a:spcPts val="0"/>
                 </a:spcBef>
@@ -2651,9 +2649,6 @@
                 </a:spcAft>
                 <a:buNone/>
               </a:pPr>
-              <a:r>
-                <a:t/>
-              </a:r>
               <a:endParaRPr/>
             </a:p>
           </p:txBody>
@@ -2671,7 +2666,7 @@
             </a:xfrm>
             <a:prstGeom prst="diagStripe">
               <a:avLst>
-                <a:gd fmla="val 50000" name="adj"/>
+                <a:gd name="adj" fmla="val 50000"/>
               </a:avLst>
             </a:prstGeom>
             <a:solidFill>
@@ -2684,12 +2679,12 @@
             </a:ln>
           </p:spPr>
           <p:txBody>
-            <a:bodyPr anchorCtr="0" anchor="ctr" bIns="91425" lIns="91425" spcFirstLastPara="1" rIns="91425" wrap="square" tIns="91425">
+            <a:bodyPr spcFirstLastPara="1" wrap="square" lIns="91425" tIns="91425" rIns="91425" bIns="91425" anchor="ctr" anchorCtr="0">
               <a:noAutofit/>
             </a:bodyPr>
             <a:lstStyle/>
             <a:p>
-              <a:pPr indent="0" lvl="0" marL="0" rtl="0" algn="l">
+              <a:pPr marL="0" lvl="0" indent="0" algn="l" rtl="0">
                 <a:spcBef>
                   <a:spcPts val="0"/>
                 </a:spcBef>
@@ -2698,9 +2693,6 @@
                 </a:spcAft>
                 <a:buNone/>
               </a:pPr>
-              <a:r>
-                <a:t/>
-              </a:r>
               <a:endParaRPr/>
             </a:p>
           </p:txBody>
@@ -2718,7 +2710,7 @@
             </a:xfrm>
             <a:prstGeom prst="diagStripe">
               <a:avLst>
-                <a:gd fmla="val 50000" name="adj"/>
+                <a:gd name="adj" fmla="val 50000"/>
               </a:avLst>
             </a:prstGeom>
             <a:solidFill>
@@ -2731,12 +2723,12 @@
             </a:ln>
           </p:spPr>
           <p:txBody>
-            <a:bodyPr anchorCtr="0" anchor="ctr" bIns="91425" lIns="91425" spcFirstLastPara="1" rIns="91425" wrap="square" tIns="91425">
+            <a:bodyPr spcFirstLastPara="1" wrap="square" lIns="91425" tIns="91425" rIns="91425" bIns="91425" anchor="ctr" anchorCtr="0">
               <a:noAutofit/>
             </a:bodyPr>
             <a:lstStyle/>
             <a:p>
-              <a:pPr indent="0" lvl="0" marL="0" rtl="0" algn="l">
+              <a:pPr marL="0" lvl="0" indent="0" algn="l" rtl="0">
                 <a:spcBef>
                   <a:spcPts val="0"/>
                 </a:spcBef>
@@ -2745,9 +2737,6 @@
                 </a:spcAft>
                 <a:buNone/>
               </a:pPr>
-              <a:r>
-                <a:t/>
-              </a:r>
               <a:endParaRPr/>
             </a:p>
           </p:txBody>
@@ -2765,7 +2754,7 @@
             </a:xfrm>
             <a:prstGeom prst="diagStripe">
               <a:avLst>
-                <a:gd fmla="val 50000" name="adj"/>
+                <a:gd name="adj" fmla="val 50000"/>
               </a:avLst>
             </a:prstGeom>
             <a:solidFill>
@@ -2778,12 +2767,12 @@
             </a:ln>
           </p:spPr>
           <p:txBody>
-            <a:bodyPr anchorCtr="0" anchor="ctr" bIns="91425" lIns="91425" spcFirstLastPara="1" rIns="91425" wrap="square" tIns="91425">
+            <a:bodyPr spcFirstLastPara="1" wrap="square" lIns="91425" tIns="91425" rIns="91425" bIns="91425" anchor="ctr" anchorCtr="0">
               <a:noAutofit/>
             </a:bodyPr>
             <a:lstStyle/>
             <a:p>
-              <a:pPr indent="0" lvl="0" marL="0" rtl="0" algn="l">
+              <a:pPr marL="0" lvl="0" indent="0" algn="l" rtl="0">
                 <a:spcBef>
                   <a:spcPts val="0"/>
                 </a:spcBef>
@@ -2792,9 +2781,6 @@
                 </a:spcAft>
                 <a:buNone/>
               </a:pPr>
-              <a:r>
-                <a:t/>
-              </a:r>
               <a:endParaRPr/>
             </a:p>
           </p:txBody>
@@ -2803,9 +2789,11 @@
       <p:sp>
         <p:nvSpPr>
           <p:cNvPr id="125" name="Google Shape;125;p11"/>
-          <p:cNvSpPr txBox="1"/>
+          <p:cNvSpPr txBox="1">
+            <a:spLocks noGrp="1"/>
+          </p:cNvSpPr>
           <p:nvPr>
-            <p:ph hasCustomPrompt="1" type="title"/>
+            <p:ph type="title" hasCustomPrompt="1"/>
           </p:nvPr>
         </p:nvSpPr>
         <p:spPr>
@@ -2818,7 +2806,7 @@
           </a:prstGeom>
         </p:spPr>
         <p:txBody>
-          <a:bodyPr anchorCtr="0" anchor="t" bIns="91425" lIns="91425" spcFirstLastPara="1" rIns="91425" wrap="square" tIns="91425">
+          <a:bodyPr spcFirstLastPara="1" wrap="square" lIns="91425" tIns="91425" rIns="91425" bIns="91425" anchor="t" anchorCtr="0">
             <a:noAutofit/>
           </a:bodyPr>
           <a:lstStyle>
@@ -2932,9 +2920,11 @@
       <p:sp>
         <p:nvSpPr>
           <p:cNvPr id="126" name="Google Shape;126;p11"/>
-          <p:cNvSpPr txBox="1"/>
+          <p:cNvSpPr txBox="1">
+            <a:spLocks noGrp="1"/>
+          </p:cNvSpPr>
           <p:nvPr>
-            <p:ph idx="1" type="body"/>
+            <p:ph type="body" idx="1"/>
           </p:nvPr>
         </p:nvSpPr>
         <p:spPr>
@@ -2947,11 +2937,11 @@
           </a:prstGeom>
         </p:spPr>
         <p:txBody>
-          <a:bodyPr anchorCtr="0" anchor="t" bIns="91425" lIns="91425" spcFirstLastPara="1" rIns="91425" wrap="square" tIns="91425">
+          <a:bodyPr spcFirstLastPara="1" wrap="square" lIns="91425" tIns="91425" rIns="91425" bIns="91425" anchor="t" anchorCtr="0">
             <a:noAutofit/>
           </a:bodyPr>
           <a:lstStyle>
-            <a:lvl1pPr indent="-311150" lvl="0" marL="457200">
+            <a:lvl1pPr marL="457200" lvl="0" indent="-311150">
               <a:spcBef>
                 <a:spcPts val="0"/>
               </a:spcBef>
@@ -2962,7 +2952,7 @@
               <a:buChar char="●"/>
               <a:defRPr/>
             </a:lvl1pPr>
-            <a:lvl2pPr indent="-298450" lvl="1" marL="914400">
+            <a:lvl2pPr marL="914400" lvl="1" indent="-298450">
               <a:spcBef>
                 <a:spcPts val="1600"/>
               </a:spcBef>
@@ -2973,7 +2963,7 @@
               <a:buChar char="○"/>
               <a:defRPr/>
             </a:lvl2pPr>
-            <a:lvl3pPr indent="-298450" lvl="2" marL="1371600">
+            <a:lvl3pPr marL="1371600" lvl="2" indent="-298450">
               <a:spcBef>
                 <a:spcPts val="1600"/>
               </a:spcBef>
@@ -2984,7 +2974,7 @@
               <a:buChar char="■"/>
               <a:defRPr/>
             </a:lvl3pPr>
-            <a:lvl4pPr indent="-298450" lvl="3" marL="1828800">
+            <a:lvl4pPr marL="1828800" lvl="3" indent="-298450">
               <a:spcBef>
                 <a:spcPts val="1600"/>
               </a:spcBef>
@@ -2995,7 +2985,7 @@
               <a:buChar char="●"/>
               <a:defRPr/>
             </a:lvl4pPr>
-            <a:lvl5pPr indent="-298450" lvl="4" marL="2286000">
+            <a:lvl5pPr marL="2286000" lvl="4" indent="-298450">
               <a:spcBef>
                 <a:spcPts val="1600"/>
               </a:spcBef>
@@ -3006,7 +2996,7 @@
               <a:buChar char="○"/>
               <a:defRPr/>
             </a:lvl5pPr>
-            <a:lvl6pPr indent="-298450" lvl="5" marL="2743200">
+            <a:lvl6pPr marL="2743200" lvl="5" indent="-298450">
               <a:spcBef>
                 <a:spcPts val="1600"/>
               </a:spcBef>
@@ -3017,7 +3007,7 @@
               <a:buChar char="■"/>
               <a:defRPr/>
             </a:lvl6pPr>
-            <a:lvl7pPr indent="-298450" lvl="6" marL="3200400">
+            <a:lvl7pPr marL="3200400" lvl="6" indent="-298450">
               <a:spcBef>
                 <a:spcPts val="1600"/>
               </a:spcBef>
@@ -3028,7 +3018,7 @@
               <a:buChar char="●"/>
               <a:defRPr/>
             </a:lvl7pPr>
-            <a:lvl8pPr indent="-298450" lvl="7" marL="3657600">
+            <a:lvl8pPr marL="3657600" lvl="7" indent="-298450">
               <a:spcBef>
                 <a:spcPts val="1600"/>
               </a:spcBef>
@@ -3039,7 +3029,7 @@
               <a:buChar char="○"/>
               <a:defRPr/>
             </a:lvl8pPr>
-            <a:lvl9pPr indent="-298450" lvl="8" marL="4114800">
+            <a:lvl9pPr marL="4114800" lvl="8" indent="-298450">
               <a:spcBef>
                 <a:spcPts val="1600"/>
               </a:spcBef>
@@ -3051,15 +3041,19 @@
               <a:defRPr/>
             </a:lvl9pPr>
           </a:lstStyle>
-          <a:p/>
+          <a:p>
+            <a:endParaRPr/>
+          </a:p>
         </p:txBody>
       </p:sp>
       <p:sp>
         <p:nvSpPr>
           <p:cNvPr id="127" name="Google Shape;127;p11"/>
-          <p:cNvSpPr txBox="1"/>
+          <p:cNvSpPr txBox="1">
+            <a:spLocks noGrp="1"/>
+          </p:cNvSpPr>
           <p:nvPr>
-            <p:ph idx="12" type="sldNum"/>
+            <p:ph type="sldNum" idx="12"/>
           </p:nvPr>
         </p:nvSpPr>
         <p:spPr>
@@ -3072,7 +3066,7 @@
           </a:prstGeom>
         </p:spPr>
         <p:txBody>
-          <a:bodyPr anchorCtr="0" anchor="ctr" bIns="91425" lIns="91425" spcFirstLastPara="1" rIns="91425" wrap="square" tIns="91425">
+          <a:bodyPr spcFirstLastPara="1" wrap="square" lIns="91425" tIns="91425" rIns="91425" bIns="91425" anchor="ctr" anchorCtr="0">
             <a:noAutofit/>
           </a:bodyPr>
           <a:lstStyle>
@@ -3114,7 +3108,7 @@
             </a:lvl9pPr>
           </a:lstStyle>
           <a:p>
-            <a:pPr indent="0" lvl="0" marL="0" rtl="0" algn="r">
+            <a:pPr marL="0" lvl="0" indent="0" algn="r" rtl="0">
               <a:spcBef>
                 <a:spcPts val="0"/>
               </a:spcBef>
@@ -3140,11 +3134,11 @@
 </file>
 
 <file path=ppt/slideLayouts/slideLayout11.xml><?xml version="1.0" encoding="utf-8"?>
-<p:sldLayout xmlns:a="http://schemas.openxmlformats.org/drawingml/2006/main" xmlns:r="http://schemas.openxmlformats.org/officeDocument/2006/relationships" xmlns:mc="http://schemas.openxmlformats.org/markup-compatibility/2006" xmlns:mv="urn:schemas-microsoft-com:mac:vml" xmlns:p="http://schemas.openxmlformats.org/presentationml/2006/main" xmlns:c="http://schemas.openxmlformats.org/drawingml/2006/chart" xmlns:dgm="http://schemas.openxmlformats.org/drawingml/2006/diagram" xmlns:o="urn:schemas-microsoft-com:office:office" xmlns:v="urn:schemas-microsoft-com:vml" xmlns:pvml="urn:schemas-microsoft-com:office:powerpoint" xmlns:com="http://schemas.openxmlformats.org/drawingml/2006/compatibility" xmlns:p14="http://schemas.microsoft.com/office/powerpoint/2010/main" xmlns:p15="http://schemas.microsoft.com/office/powerpoint/2012/main" xmlns:ahyp="http://schemas.microsoft.com/office/drawing/2018/hyperlinkcolor" matchingName="Blank" type="blank">
+<p:sldLayout xmlns:a="http://schemas.openxmlformats.org/drawingml/2006/main" xmlns:r="http://schemas.openxmlformats.org/officeDocument/2006/relationships" xmlns:p="http://schemas.openxmlformats.org/presentationml/2006/main" matchingName="Blank" type="blank">
   <p:cSld name="BLANK">
     <p:spTree>
       <p:nvGrpSpPr>
-        <p:cNvPr id="128" name="Shape 128"/>
+        <p:cNvPr id="1" name="Shape 128"/>
         <p:cNvGrpSpPr/>
         <p:nvPr/>
       </p:nvGrpSpPr>
@@ -3159,9 +3153,11 @@
       <p:sp>
         <p:nvSpPr>
           <p:cNvPr id="129" name="Google Shape;129;p12"/>
-          <p:cNvSpPr txBox="1"/>
+          <p:cNvSpPr txBox="1">
+            <a:spLocks noGrp="1"/>
+          </p:cNvSpPr>
           <p:nvPr>
-            <p:ph idx="12" type="sldNum"/>
+            <p:ph type="sldNum" idx="12"/>
           </p:nvPr>
         </p:nvSpPr>
         <p:spPr>
@@ -3174,7 +3170,7 @@
           </a:prstGeom>
         </p:spPr>
         <p:txBody>
-          <a:bodyPr anchorCtr="0" anchor="ctr" bIns="91425" lIns="91425" spcFirstLastPara="1" rIns="91425" wrap="square" tIns="91425">
+          <a:bodyPr spcFirstLastPara="1" wrap="square" lIns="91425" tIns="91425" rIns="91425" bIns="91425" anchor="ctr" anchorCtr="0">
             <a:noAutofit/>
           </a:bodyPr>
           <a:lstStyle>
@@ -3216,7 +3212,7 @@
             </a:lvl9pPr>
           </a:lstStyle>
           <a:p>
-            <a:pPr indent="0" lvl="0" marL="0" rtl="0" algn="r">
+            <a:pPr marL="0" lvl="0" indent="0" algn="r" rtl="0">
               <a:spcBef>
                 <a:spcPts val="0"/>
               </a:spcBef>
@@ -3242,11 +3238,11 @@
 </file>
 
 <file path=ppt/slideLayouts/slideLayout2.xml><?xml version="1.0" encoding="utf-8"?>
-<p:sldLayout xmlns:a="http://schemas.openxmlformats.org/drawingml/2006/main" xmlns:r="http://schemas.openxmlformats.org/officeDocument/2006/relationships" xmlns:mc="http://schemas.openxmlformats.org/markup-compatibility/2006" xmlns:mv="urn:schemas-microsoft-com:mac:vml" xmlns:p="http://schemas.openxmlformats.org/presentationml/2006/main" xmlns:c="http://schemas.openxmlformats.org/drawingml/2006/chart" xmlns:dgm="http://schemas.openxmlformats.org/drawingml/2006/diagram" xmlns:o="urn:schemas-microsoft-com:office:office" xmlns:v="urn:schemas-microsoft-com:vml" xmlns:pvml="urn:schemas-microsoft-com:office:powerpoint" xmlns:com="http://schemas.openxmlformats.org/drawingml/2006/compatibility" xmlns:p14="http://schemas.microsoft.com/office/powerpoint/2010/main" xmlns:p15="http://schemas.microsoft.com/office/powerpoint/2012/main" xmlns:ahyp="http://schemas.microsoft.com/office/drawing/2018/hyperlinkcolor" matchingName="Section header" type="secHead">
+<p:sldLayout xmlns:a="http://schemas.openxmlformats.org/drawingml/2006/main" xmlns:r="http://schemas.openxmlformats.org/officeDocument/2006/relationships" xmlns:p="http://schemas.openxmlformats.org/presentationml/2006/main" matchingName="Section header" type="secHead">
   <p:cSld name="SECTION_HEADER">
     <p:spTree>
       <p:nvGrpSpPr>
-        <p:cNvPr id="19" name="Shape 19"/>
+        <p:cNvPr id="1" name="Shape 19"/>
         <p:cNvGrpSpPr/>
         <p:nvPr/>
       </p:nvGrpSpPr>
@@ -3285,7 +3281,7 @@
             </a:xfrm>
             <a:prstGeom prst="diagStripe">
               <a:avLst>
-                <a:gd fmla="val 49469" name="adj"/>
+                <a:gd name="adj" fmla="val 49469"/>
               </a:avLst>
             </a:prstGeom>
             <a:solidFill>
@@ -3298,12 +3294,12 @@
             </a:ln>
           </p:spPr>
           <p:txBody>
-            <a:bodyPr anchorCtr="0" anchor="ctr" bIns="91425" lIns="91425" spcFirstLastPara="1" rIns="91425" wrap="square" tIns="91425">
+            <a:bodyPr spcFirstLastPara="1" wrap="square" lIns="91425" tIns="91425" rIns="91425" bIns="91425" anchor="ctr" anchorCtr="0">
               <a:noAutofit/>
             </a:bodyPr>
             <a:lstStyle/>
             <a:p>
-              <a:pPr indent="0" lvl="0" marL="0" rtl="0" algn="l">
+              <a:pPr marL="0" lvl="0" indent="0" algn="l" rtl="0">
                 <a:spcBef>
                   <a:spcPts val="0"/>
                 </a:spcBef>
@@ -3312,9 +3308,6 @@
                 </a:spcAft>
                 <a:buNone/>
               </a:pPr>
-              <a:r>
-                <a:t/>
-              </a:r>
               <a:endParaRPr/>
             </a:p>
           </p:txBody>
@@ -3332,7 +3325,7 @@
             </a:xfrm>
             <a:prstGeom prst="diagStripe">
               <a:avLst>
-                <a:gd fmla="val 0" name="adj"/>
+                <a:gd name="adj" fmla="val 0"/>
               </a:avLst>
             </a:prstGeom>
             <a:solidFill>
@@ -3345,12 +3338,12 @@
             </a:ln>
           </p:spPr>
           <p:txBody>
-            <a:bodyPr anchorCtr="0" anchor="ctr" bIns="91425" lIns="91425" spcFirstLastPara="1" rIns="91425" wrap="square" tIns="91425">
+            <a:bodyPr spcFirstLastPara="1" wrap="square" lIns="91425" tIns="91425" rIns="91425" bIns="91425" anchor="ctr" anchorCtr="0">
               <a:noAutofit/>
             </a:bodyPr>
             <a:lstStyle/>
             <a:p>
-              <a:pPr indent="0" lvl="0" marL="0" rtl="0" algn="l">
+              <a:pPr marL="0" lvl="0" indent="0" algn="l" rtl="0">
                 <a:spcBef>
                   <a:spcPts val="0"/>
                 </a:spcBef>
@@ -3359,9 +3352,6 @@
                 </a:spcAft>
                 <a:buNone/>
               </a:pPr>
-              <a:r>
-                <a:t/>
-              </a:r>
               <a:endParaRPr/>
             </a:p>
           </p:txBody>
@@ -3379,7 +3369,7 @@
             </a:xfrm>
             <a:prstGeom prst="diagStripe">
               <a:avLst>
-                <a:gd fmla="val 50000" name="adj"/>
+                <a:gd name="adj" fmla="val 50000"/>
               </a:avLst>
             </a:prstGeom>
             <a:solidFill>
@@ -3392,12 +3382,12 @@
             </a:ln>
           </p:spPr>
           <p:txBody>
-            <a:bodyPr anchorCtr="0" anchor="ctr" bIns="91425" lIns="91425" spcFirstLastPara="1" rIns="91425" wrap="square" tIns="91425">
+            <a:bodyPr spcFirstLastPara="1" wrap="square" lIns="91425" tIns="91425" rIns="91425" bIns="91425" anchor="ctr" anchorCtr="0">
               <a:noAutofit/>
             </a:bodyPr>
             <a:lstStyle/>
             <a:p>
-              <a:pPr indent="0" lvl="0" marL="0" rtl="0" algn="l">
+              <a:pPr marL="0" lvl="0" indent="0" algn="l" rtl="0">
                 <a:spcBef>
                   <a:spcPts val="0"/>
                 </a:spcBef>
@@ -3406,9 +3396,6 @@
                 </a:spcAft>
                 <a:buNone/>
               </a:pPr>
-              <a:r>
-                <a:t/>
-              </a:r>
               <a:endParaRPr/>
             </a:p>
           </p:txBody>
@@ -3426,7 +3413,7 @@
             </a:xfrm>
             <a:prstGeom prst="diagStripe">
               <a:avLst>
-                <a:gd fmla="val 50000" name="adj"/>
+                <a:gd name="adj" fmla="val 50000"/>
               </a:avLst>
             </a:prstGeom>
             <a:solidFill>
@@ -3439,12 +3426,12 @@
             </a:ln>
           </p:spPr>
           <p:txBody>
-            <a:bodyPr anchorCtr="0" anchor="ctr" bIns="91425" lIns="91425" spcFirstLastPara="1" rIns="91425" wrap="square" tIns="91425">
+            <a:bodyPr spcFirstLastPara="1" wrap="square" lIns="91425" tIns="91425" rIns="91425" bIns="91425" anchor="ctr" anchorCtr="0">
               <a:noAutofit/>
             </a:bodyPr>
             <a:lstStyle/>
             <a:p>
-              <a:pPr indent="0" lvl="0" marL="0" rtl="0" algn="l">
+              <a:pPr marL="0" lvl="0" indent="0" algn="l" rtl="0">
                 <a:spcBef>
                   <a:spcPts val="0"/>
                 </a:spcBef>
@@ -3453,9 +3440,6 @@
                 </a:spcAft>
                 <a:buNone/>
               </a:pPr>
-              <a:r>
-                <a:t/>
-              </a:r>
               <a:endParaRPr/>
             </a:p>
           </p:txBody>
@@ -3473,7 +3457,7 @@
             </a:xfrm>
             <a:prstGeom prst="diagStripe">
               <a:avLst>
-                <a:gd fmla="val 50000" name="adj"/>
+                <a:gd name="adj" fmla="val 50000"/>
               </a:avLst>
             </a:prstGeom>
             <a:solidFill>
@@ -3486,12 +3470,12 @@
             </a:ln>
           </p:spPr>
           <p:txBody>
-            <a:bodyPr anchorCtr="0" anchor="ctr" bIns="91425" lIns="91425" spcFirstLastPara="1" rIns="91425" wrap="square" tIns="91425">
+            <a:bodyPr spcFirstLastPara="1" wrap="square" lIns="91425" tIns="91425" rIns="91425" bIns="91425" anchor="ctr" anchorCtr="0">
               <a:noAutofit/>
             </a:bodyPr>
             <a:lstStyle/>
             <a:p>
-              <a:pPr indent="0" lvl="0" marL="0" rtl="0" algn="l">
+              <a:pPr marL="0" lvl="0" indent="0" algn="l" rtl="0">
                 <a:spcBef>
                   <a:spcPts val="0"/>
                 </a:spcBef>
@@ -3500,9 +3484,6 @@
                 </a:spcAft>
                 <a:buNone/>
               </a:pPr>
-              <a:r>
-                <a:t/>
-              </a:r>
               <a:endParaRPr/>
             </a:p>
           </p:txBody>
@@ -3520,7 +3501,7 @@
             </a:xfrm>
             <a:prstGeom prst="diagStripe">
               <a:avLst>
-                <a:gd fmla="val 50000" name="adj"/>
+                <a:gd name="adj" fmla="val 50000"/>
               </a:avLst>
             </a:prstGeom>
             <a:solidFill>
@@ -3533,12 +3514,12 @@
             </a:ln>
           </p:spPr>
           <p:txBody>
-            <a:bodyPr anchorCtr="0" anchor="ctr" bIns="91425" lIns="91425" spcFirstLastPara="1" rIns="91425" wrap="square" tIns="91425">
+            <a:bodyPr spcFirstLastPara="1" wrap="square" lIns="91425" tIns="91425" rIns="91425" bIns="91425" anchor="ctr" anchorCtr="0">
               <a:noAutofit/>
             </a:bodyPr>
             <a:lstStyle/>
             <a:p>
-              <a:pPr indent="0" lvl="0" marL="0" rtl="0" algn="l">
+              <a:pPr marL="0" lvl="0" indent="0" algn="l" rtl="0">
                 <a:spcBef>
                   <a:spcPts val="0"/>
                 </a:spcBef>
@@ -3547,9 +3528,6 @@
                 </a:spcAft>
                 <a:buNone/>
               </a:pPr>
-              <a:r>
-                <a:t/>
-              </a:r>
               <a:endParaRPr/>
             </a:p>
           </p:txBody>
@@ -3567,7 +3545,7 @@
             </a:xfrm>
             <a:prstGeom prst="diagStripe">
               <a:avLst>
-                <a:gd fmla="val 50000" name="adj"/>
+                <a:gd name="adj" fmla="val 50000"/>
               </a:avLst>
             </a:prstGeom>
             <a:solidFill>
@@ -3580,12 +3558,12 @@
             </a:ln>
           </p:spPr>
           <p:txBody>
-            <a:bodyPr anchorCtr="0" anchor="ctr" bIns="91425" lIns="91425" spcFirstLastPara="1" rIns="91425" wrap="square" tIns="91425">
+            <a:bodyPr spcFirstLastPara="1" wrap="square" lIns="91425" tIns="91425" rIns="91425" bIns="91425" anchor="ctr" anchorCtr="0">
               <a:noAutofit/>
             </a:bodyPr>
             <a:lstStyle/>
             <a:p>
-              <a:pPr indent="0" lvl="0" marL="0" rtl="0" algn="l">
+              <a:pPr marL="0" lvl="0" indent="0" algn="l" rtl="0">
                 <a:spcBef>
                   <a:spcPts val="0"/>
                 </a:spcBef>
@@ -3594,9 +3572,6 @@
                 </a:spcAft>
                 <a:buNone/>
               </a:pPr>
-              <a:r>
-                <a:t/>
-              </a:r>
               <a:endParaRPr/>
             </a:p>
           </p:txBody>
@@ -3614,7 +3589,7 @@
             </a:xfrm>
             <a:prstGeom prst="diagStripe">
               <a:avLst>
-                <a:gd fmla="val 50000" name="adj"/>
+                <a:gd name="adj" fmla="val 50000"/>
               </a:avLst>
             </a:prstGeom>
             <a:solidFill>
@@ -3625,12 +3600,12 @@
             </a:ln>
           </p:spPr>
           <p:txBody>
-            <a:bodyPr anchorCtr="0" anchor="ctr" bIns="91425" lIns="91425" spcFirstLastPara="1" rIns="91425" wrap="square" tIns="91425">
+            <a:bodyPr spcFirstLastPara="1" wrap="square" lIns="91425" tIns="91425" rIns="91425" bIns="91425" anchor="ctr" anchorCtr="0">
               <a:noAutofit/>
             </a:bodyPr>
             <a:lstStyle/>
             <a:p>
-              <a:pPr indent="0" lvl="0" marL="0" rtl="0" algn="l">
+              <a:pPr marL="0" lvl="0" indent="0" algn="l" rtl="0">
                 <a:spcBef>
                   <a:spcPts val="0"/>
                 </a:spcBef>
@@ -3639,9 +3614,6 @@
                 </a:spcAft>
                 <a:buNone/>
               </a:pPr>
-              <a:r>
-                <a:t/>
-              </a:r>
               <a:endParaRPr/>
             </a:p>
           </p:txBody>
@@ -3659,7 +3631,7 @@
             </a:xfrm>
             <a:prstGeom prst="diagStripe">
               <a:avLst>
-                <a:gd fmla="val 50000" name="adj"/>
+                <a:gd name="adj" fmla="val 50000"/>
               </a:avLst>
             </a:prstGeom>
             <a:solidFill>
@@ -3672,12 +3644,12 @@
             </a:ln>
           </p:spPr>
           <p:txBody>
-            <a:bodyPr anchorCtr="0" anchor="ctr" bIns="91425" lIns="91425" spcFirstLastPara="1" rIns="91425" wrap="square" tIns="91425">
+            <a:bodyPr spcFirstLastPara="1" wrap="square" lIns="91425" tIns="91425" rIns="91425" bIns="91425" anchor="ctr" anchorCtr="0">
               <a:noAutofit/>
             </a:bodyPr>
             <a:lstStyle/>
             <a:p>
-              <a:pPr indent="0" lvl="0" marL="0" rtl="0" algn="l">
+              <a:pPr marL="0" lvl="0" indent="0" algn="l" rtl="0">
                 <a:spcBef>
                   <a:spcPts val="0"/>
                 </a:spcBef>
@@ -3686,9 +3658,6 @@
                 </a:spcAft>
                 <a:buNone/>
               </a:pPr>
-              <a:r>
-                <a:t/>
-              </a:r>
               <a:endParaRPr/>
             </a:p>
           </p:txBody>
@@ -3706,7 +3675,7 @@
             </a:xfrm>
             <a:prstGeom prst="diagStripe">
               <a:avLst>
-                <a:gd fmla="val 50000" name="adj"/>
+                <a:gd name="adj" fmla="val 50000"/>
               </a:avLst>
             </a:prstGeom>
             <a:solidFill>
@@ -3719,12 +3688,12 @@
             </a:ln>
           </p:spPr>
           <p:txBody>
-            <a:bodyPr anchorCtr="0" anchor="ctr" bIns="91425" lIns="91425" spcFirstLastPara="1" rIns="91425" wrap="square" tIns="91425">
+            <a:bodyPr spcFirstLastPara="1" wrap="square" lIns="91425" tIns="91425" rIns="91425" bIns="91425" anchor="ctr" anchorCtr="0">
               <a:noAutofit/>
             </a:bodyPr>
             <a:lstStyle/>
             <a:p>
-              <a:pPr indent="0" lvl="0" marL="0" rtl="0" algn="l">
+              <a:pPr marL="0" lvl="0" indent="0" algn="l" rtl="0">
                 <a:spcBef>
                   <a:spcPts val="0"/>
                 </a:spcBef>
@@ -3733,9 +3702,6 @@
                 </a:spcAft>
                 <a:buNone/>
               </a:pPr>
-              <a:r>
-                <a:t/>
-              </a:r>
               <a:endParaRPr/>
             </a:p>
           </p:txBody>
@@ -3753,7 +3719,7 @@
             </a:xfrm>
             <a:prstGeom prst="diagStripe">
               <a:avLst>
-                <a:gd fmla="val 50000" name="adj"/>
+                <a:gd name="adj" fmla="val 50000"/>
               </a:avLst>
             </a:prstGeom>
             <a:solidFill>
@@ -3766,12 +3732,12 @@
             </a:ln>
           </p:spPr>
           <p:txBody>
-            <a:bodyPr anchorCtr="0" anchor="ctr" bIns="91425" lIns="91425" spcFirstLastPara="1" rIns="91425" wrap="square" tIns="91425">
+            <a:bodyPr spcFirstLastPara="1" wrap="square" lIns="91425" tIns="91425" rIns="91425" bIns="91425" anchor="ctr" anchorCtr="0">
               <a:noAutofit/>
             </a:bodyPr>
             <a:lstStyle/>
             <a:p>
-              <a:pPr indent="0" lvl="0" marL="0" rtl="0" algn="l">
+              <a:pPr marL="0" lvl="0" indent="0" algn="l" rtl="0">
                 <a:spcBef>
                   <a:spcPts val="0"/>
                 </a:spcBef>
@@ -3780,9 +3746,6 @@
                 </a:spcAft>
                 <a:buNone/>
               </a:pPr>
-              <a:r>
-                <a:t/>
-              </a:r>
               <a:endParaRPr/>
             </a:p>
           </p:txBody>
@@ -3800,7 +3763,7 @@
             </a:xfrm>
             <a:prstGeom prst="diagStripe">
               <a:avLst>
-                <a:gd fmla="val 50000" name="adj"/>
+                <a:gd name="adj" fmla="val 50000"/>
               </a:avLst>
             </a:prstGeom>
             <a:solidFill>
@@ -3813,12 +3776,12 @@
             </a:ln>
           </p:spPr>
           <p:txBody>
-            <a:bodyPr anchorCtr="0" anchor="ctr" bIns="91425" lIns="91425" spcFirstLastPara="1" rIns="91425" wrap="square" tIns="91425">
+            <a:bodyPr spcFirstLastPara="1" wrap="square" lIns="91425" tIns="91425" rIns="91425" bIns="91425" anchor="ctr" anchorCtr="0">
               <a:noAutofit/>
             </a:bodyPr>
             <a:lstStyle/>
             <a:p>
-              <a:pPr indent="0" lvl="0" marL="0" rtl="0" algn="l">
+              <a:pPr marL="0" lvl="0" indent="0" algn="l" rtl="0">
                 <a:spcBef>
                   <a:spcPts val="0"/>
                 </a:spcBef>
@@ -3827,9 +3790,6 @@
                 </a:spcAft>
                 <a:buNone/>
               </a:pPr>
-              <a:r>
-                <a:t/>
-              </a:r>
               <a:endParaRPr/>
             </a:p>
           </p:txBody>
@@ -3847,7 +3807,7 @@
             </a:xfrm>
             <a:prstGeom prst="diagStripe">
               <a:avLst>
-                <a:gd fmla="val 50000" name="adj"/>
+                <a:gd name="adj" fmla="val 50000"/>
               </a:avLst>
             </a:prstGeom>
             <a:solidFill>
@@ -3860,12 +3820,12 @@
             </a:ln>
           </p:spPr>
           <p:txBody>
-            <a:bodyPr anchorCtr="0" anchor="ctr" bIns="91425" lIns="91425" spcFirstLastPara="1" rIns="91425" wrap="square" tIns="91425">
+            <a:bodyPr spcFirstLastPara="1" wrap="square" lIns="91425" tIns="91425" rIns="91425" bIns="91425" anchor="ctr" anchorCtr="0">
               <a:noAutofit/>
             </a:bodyPr>
             <a:lstStyle/>
             <a:p>
-              <a:pPr indent="0" lvl="0" marL="0" rtl="0" algn="l">
+              <a:pPr marL="0" lvl="0" indent="0" algn="l" rtl="0">
                 <a:spcBef>
                   <a:spcPts val="0"/>
                 </a:spcBef>
@@ -3874,9 +3834,6 @@
                 </a:spcAft>
                 <a:buNone/>
               </a:pPr>
-              <a:r>
-                <a:t/>
-              </a:r>
               <a:endParaRPr/>
             </a:p>
           </p:txBody>
@@ -3894,7 +3851,7 @@
             </a:xfrm>
             <a:prstGeom prst="diagStripe">
               <a:avLst>
-                <a:gd fmla="val 50000" name="adj"/>
+                <a:gd name="adj" fmla="val 50000"/>
               </a:avLst>
             </a:prstGeom>
             <a:solidFill>
@@ -3905,12 +3862,12 @@
             </a:ln>
           </p:spPr>
           <p:txBody>
-            <a:bodyPr anchorCtr="0" anchor="ctr" bIns="91425" lIns="91425" spcFirstLastPara="1" rIns="91425" wrap="square" tIns="91425">
+            <a:bodyPr spcFirstLastPara="1" wrap="square" lIns="91425" tIns="91425" rIns="91425" bIns="91425" anchor="ctr" anchorCtr="0">
               <a:noAutofit/>
             </a:bodyPr>
             <a:lstStyle/>
             <a:p>
-              <a:pPr indent="0" lvl="0" marL="0" rtl="0" algn="l">
+              <a:pPr marL="0" lvl="0" indent="0" algn="l" rtl="0">
                 <a:spcBef>
                   <a:spcPts val="0"/>
                 </a:spcBef>
@@ -3919,9 +3876,6 @@
                 </a:spcAft>
                 <a:buNone/>
               </a:pPr>
-              <a:r>
-                <a:t/>
-              </a:r>
               <a:endParaRPr/>
             </a:p>
           </p:txBody>
@@ -3939,7 +3893,7 @@
             </a:xfrm>
             <a:prstGeom prst="diagStripe">
               <a:avLst>
-                <a:gd fmla="val 50000" name="adj"/>
+                <a:gd name="adj" fmla="val 50000"/>
               </a:avLst>
             </a:prstGeom>
             <a:solidFill>
@@ -3952,12 +3906,12 @@
             </a:ln>
           </p:spPr>
           <p:txBody>
-            <a:bodyPr anchorCtr="0" anchor="ctr" bIns="91425" lIns="91425" spcFirstLastPara="1" rIns="91425" wrap="square" tIns="91425">
+            <a:bodyPr spcFirstLastPara="1" wrap="square" lIns="91425" tIns="91425" rIns="91425" bIns="91425" anchor="ctr" anchorCtr="0">
               <a:noAutofit/>
             </a:bodyPr>
             <a:lstStyle/>
             <a:p>
-              <a:pPr indent="0" lvl="0" marL="0" rtl="0" algn="l">
+              <a:pPr marL="0" lvl="0" indent="0" algn="l" rtl="0">
                 <a:spcBef>
                   <a:spcPts val="0"/>
                 </a:spcBef>
@@ -3966,9 +3920,6 @@
                 </a:spcAft>
                 <a:buNone/>
               </a:pPr>
-              <a:r>
-                <a:t/>
-              </a:r>
               <a:endParaRPr/>
             </a:p>
           </p:txBody>
@@ -3986,7 +3937,7 @@
             </a:xfrm>
             <a:prstGeom prst="diagStripe">
               <a:avLst>
-                <a:gd fmla="val 50000" name="adj"/>
+                <a:gd name="adj" fmla="val 50000"/>
               </a:avLst>
             </a:prstGeom>
             <a:solidFill>
@@ -3999,12 +3950,12 @@
             </a:ln>
           </p:spPr>
           <p:txBody>
-            <a:bodyPr anchorCtr="0" anchor="ctr" bIns="91425" lIns="91425" spcFirstLastPara="1" rIns="91425" wrap="square" tIns="91425">
+            <a:bodyPr spcFirstLastPara="1" wrap="square" lIns="91425" tIns="91425" rIns="91425" bIns="91425" anchor="ctr" anchorCtr="0">
               <a:noAutofit/>
             </a:bodyPr>
             <a:lstStyle/>
             <a:p>
-              <a:pPr indent="0" lvl="0" marL="0" rtl="0" algn="l">
+              <a:pPr marL="0" lvl="0" indent="0" algn="l" rtl="0">
                 <a:spcBef>
                   <a:spcPts val="0"/>
                 </a:spcBef>
@@ -4013,9 +3964,6 @@
                 </a:spcAft>
                 <a:buNone/>
               </a:pPr>
-              <a:r>
-                <a:t/>
-              </a:r>
               <a:endParaRPr/>
             </a:p>
           </p:txBody>
@@ -4033,7 +3981,7 @@
             </a:xfrm>
             <a:prstGeom prst="diagStripe">
               <a:avLst>
-                <a:gd fmla="val 50000" name="adj"/>
+                <a:gd name="adj" fmla="val 50000"/>
               </a:avLst>
             </a:prstGeom>
             <a:solidFill>
@@ -4046,12 +3994,12 @@
             </a:ln>
           </p:spPr>
           <p:txBody>
-            <a:bodyPr anchorCtr="0" anchor="ctr" bIns="91425" lIns="91425" spcFirstLastPara="1" rIns="91425" wrap="square" tIns="91425">
+            <a:bodyPr spcFirstLastPara="1" wrap="square" lIns="91425" tIns="91425" rIns="91425" bIns="91425" anchor="ctr" anchorCtr="0">
               <a:noAutofit/>
             </a:bodyPr>
             <a:lstStyle/>
             <a:p>
-              <a:pPr indent="0" lvl="0" marL="0" rtl="0" algn="l">
+              <a:pPr marL="0" lvl="0" indent="0" algn="l" rtl="0">
                 <a:spcBef>
                   <a:spcPts val="0"/>
                 </a:spcBef>
@@ -4060,9 +4008,6 @@
                 </a:spcAft>
                 <a:buNone/>
               </a:pPr>
-              <a:r>
-                <a:t/>
-              </a:r>
               <a:endParaRPr/>
             </a:p>
           </p:txBody>
@@ -4080,7 +4025,7 @@
             </a:xfrm>
             <a:prstGeom prst="diagStripe">
               <a:avLst>
-                <a:gd fmla="val 50000" name="adj"/>
+                <a:gd name="adj" fmla="val 50000"/>
               </a:avLst>
             </a:prstGeom>
             <a:solidFill>
@@ -4093,12 +4038,12 @@
             </a:ln>
           </p:spPr>
           <p:txBody>
-            <a:bodyPr anchorCtr="0" anchor="ctr" bIns="91425" lIns="91425" spcFirstLastPara="1" rIns="91425" wrap="square" tIns="91425">
+            <a:bodyPr spcFirstLastPara="1" wrap="square" lIns="91425" tIns="91425" rIns="91425" bIns="91425" anchor="ctr" anchorCtr="0">
               <a:noAutofit/>
             </a:bodyPr>
             <a:lstStyle/>
             <a:p>
-              <a:pPr indent="0" lvl="0" marL="0" rtl="0" algn="l">
+              <a:pPr marL="0" lvl="0" indent="0" algn="l" rtl="0">
                 <a:spcBef>
                   <a:spcPts val="0"/>
                 </a:spcBef>
@@ -4107,9 +4052,6 @@
                 </a:spcAft>
                 <a:buNone/>
               </a:pPr>
-              <a:r>
-                <a:t/>
-              </a:r>
               <a:endParaRPr/>
             </a:p>
           </p:txBody>
@@ -4118,7 +4060,9 @@
       <p:sp>
         <p:nvSpPr>
           <p:cNvPr id="39" name="Google Shape;39;p3"/>
-          <p:cNvSpPr txBox="1"/>
+          <p:cNvSpPr txBox="1">
+            <a:spLocks noGrp="1"/>
+          </p:cNvSpPr>
           <p:nvPr>
             <p:ph type="title"/>
           </p:nvPr>
@@ -4133,7 +4077,7 @@
           </a:prstGeom>
         </p:spPr>
         <p:txBody>
-          <a:bodyPr anchorCtr="0" anchor="ctr" bIns="91425" lIns="91425" spcFirstLastPara="1" rIns="91425" wrap="square" tIns="91425">
+          <a:bodyPr spcFirstLastPara="1" wrap="square" lIns="91425" tIns="91425" rIns="91425" bIns="91425" anchor="ctr" anchorCtr="0">
             <a:noAutofit/>
           </a:bodyPr>
           <a:lstStyle>
@@ -4237,15 +4181,19 @@
               <a:defRPr/>
             </a:lvl9pPr>
           </a:lstStyle>
-          <a:p/>
+          <a:p>
+            <a:endParaRPr/>
+          </a:p>
         </p:txBody>
       </p:sp>
       <p:sp>
         <p:nvSpPr>
           <p:cNvPr id="40" name="Google Shape;40;p3"/>
-          <p:cNvSpPr txBox="1"/>
+          <p:cNvSpPr txBox="1">
+            <a:spLocks noGrp="1"/>
+          </p:cNvSpPr>
           <p:nvPr>
-            <p:ph idx="12" type="sldNum"/>
+            <p:ph type="sldNum" idx="12"/>
           </p:nvPr>
         </p:nvSpPr>
         <p:spPr>
@@ -4258,7 +4206,7 @@
           </a:prstGeom>
         </p:spPr>
         <p:txBody>
-          <a:bodyPr anchorCtr="0" anchor="ctr" bIns="91425" lIns="91425" spcFirstLastPara="1" rIns="91425" wrap="square" tIns="91425">
+          <a:bodyPr spcFirstLastPara="1" wrap="square" lIns="91425" tIns="91425" rIns="91425" bIns="91425" anchor="ctr" anchorCtr="0">
             <a:noAutofit/>
           </a:bodyPr>
           <a:lstStyle>
@@ -4300,7 +4248,7 @@
             </a:lvl9pPr>
           </a:lstStyle>
           <a:p>
-            <a:pPr indent="0" lvl="0" marL="0" rtl="0" algn="r">
+            <a:pPr marL="0" lvl="0" indent="0" algn="r" rtl="0">
               <a:spcBef>
                 <a:spcPts val="0"/>
               </a:spcBef>
@@ -4326,11 +4274,11 @@
 </file>
 
 <file path=ppt/slideLayouts/slideLayout3.xml><?xml version="1.0" encoding="utf-8"?>
-<p:sldLayout xmlns:a="http://schemas.openxmlformats.org/drawingml/2006/main" xmlns:r="http://schemas.openxmlformats.org/officeDocument/2006/relationships" xmlns:mc="http://schemas.openxmlformats.org/markup-compatibility/2006" xmlns:mv="urn:schemas-microsoft-com:mac:vml" xmlns:p="http://schemas.openxmlformats.org/presentationml/2006/main" xmlns:c="http://schemas.openxmlformats.org/drawingml/2006/chart" xmlns:dgm="http://schemas.openxmlformats.org/drawingml/2006/diagram" xmlns:o="urn:schemas-microsoft-com:office:office" xmlns:v="urn:schemas-microsoft-com:vml" xmlns:pvml="urn:schemas-microsoft-com:office:powerpoint" xmlns:com="http://schemas.openxmlformats.org/drawingml/2006/compatibility" xmlns:p14="http://schemas.microsoft.com/office/powerpoint/2010/main" xmlns:p15="http://schemas.microsoft.com/office/powerpoint/2012/main" xmlns:ahyp="http://schemas.microsoft.com/office/drawing/2018/hyperlinkcolor" matchingName="Title and body" type="tx">
+<p:sldLayout xmlns:a="http://schemas.openxmlformats.org/drawingml/2006/main" xmlns:r="http://schemas.openxmlformats.org/officeDocument/2006/relationships" xmlns:p="http://schemas.openxmlformats.org/presentationml/2006/main" matchingName="Title and body" type="tx">
   <p:cSld name="TITLE_AND_BODY">
     <p:spTree>
       <p:nvGrpSpPr>
-        <p:cNvPr id="41" name="Shape 41"/>
+        <p:cNvPr id="1" name="Shape 41"/>
         <p:cNvGrpSpPr/>
         <p:nvPr/>
       </p:nvGrpSpPr>
@@ -4369,7 +4317,7 @@
             </a:xfrm>
             <a:prstGeom prst="diagStripe">
               <a:avLst>
-                <a:gd fmla="val 50000" name="adj"/>
+                <a:gd name="adj" fmla="val 50000"/>
               </a:avLst>
             </a:prstGeom>
             <a:solidFill>
@@ -4380,12 +4328,12 @@
             </a:ln>
           </p:spPr>
           <p:txBody>
-            <a:bodyPr anchorCtr="0" anchor="ctr" bIns="91425" lIns="91425" spcFirstLastPara="1" rIns="91425" wrap="square" tIns="91425">
+            <a:bodyPr spcFirstLastPara="1" wrap="square" lIns="91425" tIns="91425" rIns="91425" bIns="91425" anchor="ctr" anchorCtr="0">
               <a:noAutofit/>
             </a:bodyPr>
             <a:lstStyle/>
             <a:p>
-              <a:pPr indent="0" lvl="0" marL="0" rtl="0" algn="l">
+              <a:pPr marL="0" lvl="0" indent="0" algn="l" rtl="0">
                 <a:spcBef>
                   <a:spcPts val="0"/>
                 </a:spcBef>
@@ -4394,9 +4342,6 @@
                 </a:spcAft>
                 <a:buNone/>
               </a:pPr>
-              <a:r>
-                <a:t/>
-              </a:r>
               <a:endParaRPr/>
             </a:p>
           </p:txBody>
@@ -4414,7 +4359,7 @@
             </a:xfrm>
             <a:prstGeom prst="diagStripe">
               <a:avLst>
-                <a:gd fmla="val 50000" name="adj"/>
+                <a:gd name="adj" fmla="val 50000"/>
               </a:avLst>
             </a:prstGeom>
             <a:solidFill>
@@ -4425,12 +4370,12 @@
             </a:ln>
           </p:spPr>
           <p:txBody>
-            <a:bodyPr anchorCtr="0" anchor="ctr" bIns="91425" lIns="91425" spcFirstLastPara="1" rIns="91425" wrap="square" tIns="91425">
+            <a:bodyPr spcFirstLastPara="1" wrap="square" lIns="91425" tIns="91425" rIns="91425" bIns="91425" anchor="ctr" anchorCtr="0">
               <a:noAutofit/>
             </a:bodyPr>
             <a:lstStyle/>
             <a:p>
-              <a:pPr indent="0" lvl="0" marL="0" rtl="0" algn="l">
+              <a:pPr marL="0" lvl="0" indent="0" algn="l" rtl="0">
                 <a:spcBef>
                   <a:spcPts val="0"/>
                 </a:spcBef>
@@ -4439,9 +4384,6 @@
                 </a:spcAft>
                 <a:buNone/>
               </a:pPr>
-              <a:r>
-                <a:t/>
-              </a:r>
               <a:endParaRPr/>
             </a:p>
           </p:txBody>
@@ -4450,7 +4392,9 @@
       <p:sp>
         <p:nvSpPr>
           <p:cNvPr id="45" name="Google Shape;45;p4"/>
-          <p:cNvSpPr txBox="1"/>
+          <p:cNvSpPr txBox="1">
+            <a:spLocks noGrp="1"/>
+          </p:cNvSpPr>
           <p:nvPr>
             <p:ph type="title"/>
           </p:nvPr>
@@ -4465,7 +4409,7 @@
           </a:prstGeom>
         </p:spPr>
         <p:txBody>
-          <a:bodyPr anchorCtr="0" anchor="t" bIns="91425" lIns="91425" spcFirstLastPara="1" rIns="91425" wrap="square" tIns="91425">
+          <a:bodyPr spcFirstLastPara="1" wrap="square" lIns="91425" tIns="91425" rIns="91425" bIns="91425" anchor="t" anchorCtr="0">
             <a:noAutofit/>
           </a:bodyPr>
           <a:lstStyle>
@@ -4569,15 +4513,19 @@
               <a:defRPr sz="2400"/>
             </a:lvl9pPr>
           </a:lstStyle>
-          <a:p/>
+          <a:p>
+            <a:endParaRPr/>
+          </a:p>
         </p:txBody>
       </p:sp>
       <p:sp>
         <p:nvSpPr>
           <p:cNvPr id="46" name="Google Shape;46;p4"/>
-          <p:cNvSpPr txBox="1"/>
+          <p:cNvSpPr txBox="1">
+            <a:spLocks noGrp="1"/>
+          </p:cNvSpPr>
           <p:nvPr>
-            <p:ph idx="1" type="body"/>
+            <p:ph type="body" idx="1"/>
           </p:nvPr>
         </p:nvSpPr>
         <p:spPr>
@@ -4590,11 +4538,11 @@
           </a:prstGeom>
         </p:spPr>
         <p:txBody>
-          <a:bodyPr anchorCtr="0" anchor="t" bIns="91425" lIns="91425" spcFirstLastPara="1" rIns="91425" wrap="square" tIns="91425">
+          <a:bodyPr spcFirstLastPara="1" wrap="square" lIns="91425" tIns="91425" rIns="91425" bIns="91425" anchor="t" anchorCtr="0">
             <a:noAutofit/>
           </a:bodyPr>
           <a:lstStyle>
-            <a:lvl1pPr indent="-311150" lvl="0" marL="457200">
+            <a:lvl1pPr marL="457200" lvl="0" indent="-311150">
               <a:spcBef>
                 <a:spcPts val="0"/>
               </a:spcBef>
@@ -4605,7 +4553,7 @@
               <a:buChar char="●"/>
               <a:defRPr/>
             </a:lvl1pPr>
-            <a:lvl2pPr indent="-298450" lvl="1" marL="914400">
+            <a:lvl2pPr marL="914400" lvl="1" indent="-298450">
               <a:spcBef>
                 <a:spcPts val="1600"/>
               </a:spcBef>
@@ -4616,7 +4564,7 @@
               <a:buChar char="○"/>
               <a:defRPr/>
             </a:lvl2pPr>
-            <a:lvl3pPr indent="-298450" lvl="2" marL="1371600">
+            <a:lvl3pPr marL="1371600" lvl="2" indent="-298450">
               <a:spcBef>
                 <a:spcPts val="1600"/>
               </a:spcBef>
@@ -4627,7 +4575,7 @@
               <a:buChar char="■"/>
               <a:defRPr/>
             </a:lvl3pPr>
-            <a:lvl4pPr indent="-298450" lvl="3" marL="1828800">
+            <a:lvl4pPr marL="1828800" lvl="3" indent="-298450">
               <a:spcBef>
                 <a:spcPts val="1600"/>
               </a:spcBef>
@@ -4638,7 +4586,7 @@
               <a:buChar char="●"/>
               <a:defRPr/>
             </a:lvl4pPr>
-            <a:lvl5pPr indent="-298450" lvl="4" marL="2286000">
+            <a:lvl5pPr marL="2286000" lvl="4" indent="-298450">
               <a:spcBef>
                 <a:spcPts val="1600"/>
               </a:spcBef>
@@ -4649,7 +4597,7 @@
               <a:buChar char="○"/>
               <a:defRPr/>
             </a:lvl5pPr>
-            <a:lvl6pPr indent="-298450" lvl="5" marL="2743200">
+            <a:lvl6pPr marL="2743200" lvl="5" indent="-298450">
               <a:spcBef>
                 <a:spcPts val="1600"/>
               </a:spcBef>
@@ -4660,7 +4608,7 @@
               <a:buChar char="■"/>
               <a:defRPr/>
             </a:lvl6pPr>
-            <a:lvl7pPr indent="-298450" lvl="6" marL="3200400">
+            <a:lvl7pPr marL="3200400" lvl="6" indent="-298450">
               <a:spcBef>
                 <a:spcPts val="1600"/>
               </a:spcBef>
@@ -4671,7 +4619,7 @@
               <a:buChar char="●"/>
               <a:defRPr/>
             </a:lvl7pPr>
-            <a:lvl8pPr indent="-298450" lvl="7" marL="3657600">
+            <a:lvl8pPr marL="3657600" lvl="7" indent="-298450">
               <a:spcBef>
                 <a:spcPts val="1600"/>
               </a:spcBef>
@@ -4682,7 +4630,7 @@
               <a:buChar char="○"/>
               <a:defRPr/>
             </a:lvl8pPr>
-            <a:lvl9pPr indent="-298450" lvl="8" marL="4114800">
+            <a:lvl9pPr marL="4114800" lvl="8" indent="-298450">
               <a:spcBef>
                 <a:spcPts val="1600"/>
               </a:spcBef>
@@ -4694,15 +4642,19 @@
               <a:defRPr/>
             </a:lvl9pPr>
           </a:lstStyle>
-          <a:p/>
+          <a:p>
+            <a:endParaRPr/>
+          </a:p>
         </p:txBody>
       </p:sp>
       <p:sp>
         <p:nvSpPr>
           <p:cNvPr id="47" name="Google Shape;47;p4"/>
-          <p:cNvSpPr txBox="1"/>
+          <p:cNvSpPr txBox="1">
+            <a:spLocks noGrp="1"/>
+          </p:cNvSpPr>
           <p:nvPr>
-            <p:ph idx="12" type="sldNum"/>
+            <p:ph type="sldNum" idx="12"/>
           </p:nvPr>
         </p:nvSpPr>
         <p:spPr>
@@ -4715,7 +4667,7 @@
           </a:prstGeom>
         </p:spPr>
         <p:txBody>
-          <a:bodyPr anchorCtr="0" anchor="ctr" bIns="91425" lIns="91425" spcFirstLastPara="1" rIns="91425" wrap="square" tIns="91425">
+          <a:bodyPr spcFirstLastPara="1" wrap="square" lIns="91425" tIns="91425" rIns="91425" bIns="91425" anchor="ctr" anchorCtr="0">
             <a:noAutofit/>
           </a:bodyPr>
           <a:lstStyle>
@@ -4757,7 +4709,7 @@
             </a:lvl9pPr>
           </a:lstStyle>
           <a:p>
-            <a:pPr indent="0" lvl="0" marL="0" rtl="0" algn="r">
+            <a:pPr marL="0" lvl="0" indent="0" algn="r" rtl="0">
               <a:spcBef>
                 <a:spcPts val="0"/>
               </a:spcBef>
@@ -4783,11 +4735,11 @@
 </file>
 
 <file path=ppt/slideLayouts/slideLayout4.xml><?xml version="1.0" encoding="utf-8"?>
-<p:sldLayout xmlns:a="http://schemas.openxmlformats.org/drawingml/2006/main" xmlns:r="http://schemas.openxmlformats.org/officeDocument/2006/relationships" xmlns:mc="http://schemas.openxmlformats.org/markup-compatibility/2006" xmlns:mv="urn:schemas-microsoft-com:mac:vml" xmlns:p="http://schemas.openxmlformats.org/presentationml/2006/main" xmlns:c="http://schemas.openxmlformats.org/drawingml/2006/chart" xmlns:dgm="http://schemas.openxmlformats.org/drawingml/2006/diagram" xmlns:o="urn:schemas-microsoft-com:office:office" xmlns:v="urn:schemas-microsoft-com:vml" xmlns:pvml="urn:schemas-microsoft-com:office:powerpoint" xmlns:com="http://schemas.openxmlformats.org/drawingml/2006/compatibility" xmlns:p14="http://schemas.microsoft.com/office/powerpoint/2010/main" xmlns:p15="http://schemas.microsoft.com/office/powerpoint/2012/main" xmlns:ahyp="http://schemas.microsoft.com/office/drawing/2018/hyperlinkcolor" matchingName="Title and two columns" type="twoColTx">
+<p:sldLayout xmlns:a="http://schemas.openxmlformats.org/drawingml/2006/main" xmlns:r="http://schemas.openxmlformats.org/officeDocument/2006/relationships" xmlns:p="http://schemas.openxmlformats.org/presentationml/2006/main" matchingName="Title and two columns" type="twoColTx">
   <p:cSld name="TITLE_AND_TWO_COLUMNS">
     <p:spTree>
       <p:nvGrpSpPr>
-        <p:cNvPr id="48" name="Shape 48"/>
+        <p:cNvPr id="1" name="Shape 48"/>
         <p:cNvGrpSpPr/>
         <p:nvPr/>
       </p:nvGrpSpPr>
@@ -4826,7 +4778,7 @@
             </a:xfrm>
             <a:prstGeom prst="diagStripe">
               <a:avLst>
-                <a:gd fmla="val 50000" name="adj"/>
+                <a:gd name="adj" fmla="val 50000"/>
               </a:avLst>
             </a:prstGeom>
             <a:solidFill>
@@ -4837,12 +4789,12 @@
             </a:ln>
           </p:spPr>
           <p:txBody>
-            <a:bodyPr anchorCtr="0" anchor="ctr" bIns="91425" lIns="91425" spcFirstLastPara="1" rIns="91425" wrap="square" tIns="91425">
+            <a:bodyPr spcFirstLastPara="1" wrap="square" lIns="91425" tIns="91425" rIns="91425" bIns="91425" anchor="ctr" anchorCtr="0">
               <a:noAutofit/>
             </a:bodyPr>
             <a:lstStyle/>
             <a:p>
-              <a:pPr indent="0" lvl="0" marL="0" rtl="0" algn="l">
+              <a:pPr marL="0" lvl="0" indent="0" algn="l" rtl="0">
                 <a:spcBef>
                   <a:spcPts val="0"/>
                 </a:spcBef>
@@ -4851,9 +4803,6 @@
                 </a:spcAft>
                 <a:buNone/>
               </a:pPr>
-              <a:r>
-                <a:t/>
-              </a:r>
               <a:endParaRPr/>
             </a:p>
           </p:txBody>
@@ -4871,7 +4820,7 @@
             </a:xfrm>
             <a:prstGeom prst="diagStripe">
               <a:avLst>
-                <a:gd fmla="val 50000" name="adj"/>
+                <a:gd name="adj" fmla="val 50000"/>
               </a:avLst>
             </a:prstGeom>
             <a:solidFill>
@@ -4882,12 +4831,12 @@
             </a:ln>
           </p:spPr>
           <p:txBody>
-            <a:bodyPr anchorCtr="0" anchor="ctr" bIns="91425" lIns="91425" spcFirstLastPara="1" rIns="91425" wrap="square" tIns="91425">
+            <a:bodyPr spcFirstLastPara="1" wrap="square" lIns="91425" tIns="91425" rIns="91425" bIns="91425" anchor="ctr" anchorCtr="0">
               <a:noAutofit/>
             </a:bodyPr>
             <a:lstStyle/>
             <a:p>
-              <a:pPr indent="0" lvl="0" marL="0" rtl="0" algn="l">
+              <a:pPr marL="0" lvl="0" indent="0" algn="l" rtl="0">
                 <a:spcBef>
                   <a:spcPts val="0"/>
                 </a:spcBef>
@@ -4896,9 +4845,6 @@
                 </a:spcAft>
                 <a:buNone/>
               </a:pPr>
-              <a:r>
-                <a:t/>
-              </a:r>
               <a:endParaRPr/>
             </a:p>
           </p:txBody>
@@ -4907,7 +4853,9 @@
       <p:sp>
         <p:nvSpPr>
           <p:cNvPr id="52" name="Google Shape;52;p5"/>
-          <p:cNvSpPr txBox="1"/>
+          <p:cNvSpPr txBox="1">
+            <a:spLocks noGrp="1"/>
+          </p:cNvSpPr>
           <p:nvPr>
             <p:ph type="title"/>
           </p:nvPr>
@@ -4922,7 +4870,7 @@
           </a:prstGeom>
         </p:spPr>
         <p:txBody>
-          <a:bodyPr anchorCtr="0" anchor="t" bIns="91425" lIns="91425" spcFirstLastPara="1" rIns="91425" wrap="square" tIns="91425">
+          <a:bodyPr spcFirstLastPara="1" wrap="square" lIns="91425" tIns="91425" rIns="91425" bIns="91425" anchor="t" anchorCtr="0">
             <a:noAutofit/>
           </a:bodyPr>
           <a:lstStyle>
@@ -5026,15 +4974,19 @@
               <a:defRPr sz="2400"/>
             </a:lvl9pPr>
           </a:lstStyle>
-          <a:p/>
+          <a:p>
+            <a:endParaRPr/>
+          </a:p>
         </p:txBody>
       </p:sp>
       <p:sp>
         <p:nvSpPr>
           <p:cNvPr id="53" name="Google Shape;53;p5"/>
-          <p:cNvSpPr txBox="1"/>
+          <p:cNvSpPr txBox="1">
+            <a:spLocks noGrp="1"/>
+          </p:cNvSpPr>
           <p:nvPr>
-            <p:ph idx="1" type="body"/>
+            <p:ph type="body" idx="1"/>
           </p:nvPr>
         </p:nvSpPr>
         <p:spPr>
@@ -5047,11 +4999,11 @@
           </a:prstGeom>
         </p:spPr>
         <p:txBody>
-          <a:bodyPr anchorCtr="0" anchor="t" bIns="91425" lIns="91425" spcFirstLastPara="1" rIns="91425" wrap="square" tIns="91425">
+          <a:bodyPr spcFirstLastPara="1" wrap="square" lIns="91425" tIns="91425" rIns="91425" bIns="91425" anchor="t" anchorCtr="0">
             <a:noAutofit/>
           </a:bodyPr>
           <a:lstStyle>
-            <a:lvl1pPr indent="-311150" lvl="0" marL="457200">
+            <a:lvl1pPr marL="457200" lvl="0" indent="-311150">
               <a:spcBef>
                 <a:spcPts val="0"/>
               </a:spcBef>
@@ -5062,7 +5014,7 @@
               <a:buChar char="●"/>
               <a:defRPr/>
             </a:lvl1pPr>
-            <a:lvl2pPr indent="-298450" lvl="1" marL="914400">
+            <a:lvl2pPr marL="914400" lvl="1" indent="-298450">
               <a:spcBef>
                 <a:spcPts val="1600"/>
               </a:spcBef>
@@ -5073,7 +5025,7 @@
               <a:buChar char="○"/>
               <a:defRPr/>
             </a:lvl2pPr>
-            <a:lvl3pPr indent="-298450" lvl="2" marL="1371600">
+            <a:lvl3pPr marL="1371600" lvl="2" indent="-298450">
               <a:spcBef>
                 <a:spcPts val="1600"/>
               </a:spcBef>
@@ -5084,7 +5036,7 @@
               <a:buChar char="■"/>
               <a:defRPr/>
             </a:lvl3pPr>
-            <a:lvl4pPr indent="-298450" lvl="3" marL="1828800">
+            <a:lvl4pPr marL="1828800" lvl="3" indent="-298450">
               <a:spcBef>
                 <a:spcPts val="1600"/>
               </a:spcBef>
@@ -5095,7 +5047,7 @@
               <a:buChar char="●"/>
               <a:defRPr/>
             </a:lvl4pPr>
-            <a:lvl5pPr indent="-298450" lvl="4" marL="2286000">
+            <a:lvl5pPr marL="2286000" lvl="4" indent="-298450">
               <a:spcBef>
                 <a:spcPts val="1600"/>
               </a:spcBef>
@@ -5106,7 +5058,7 @@
               <a:buChar char="○"/>
               <a:defRPr/>
             </a:lvl5pPr>
-            <a:lvl6pPr indent="-298450" lvl="5" marL="2743200">
+            <a:lvl6pPr marL="2743200" lvl="5" indent="-298450">
               <a:spcBef>
                 <a:spcPts val="1600"/>
               </a:spcBef>
@@ -5117,7 +5069,7 @@
               <a:buChar char="■"/>
               <a:defRPr/>
             </a:lvl6pPr>
-            <a:lvl7pPr indent="-298450" lvl="6" marL="3200400">
+            <a:lvl7pPr marL="3200400" lvl="6" indent="-298450">
               <a:spcBef>
                 <a:spcPts val="1600"/>
               </a:spcBef>
@@ -5128,7 +5080,7 @@
               <a:buChar char="●"/>
               <a:defRPr/>
             </a:lvl7pPr>
-            <a:lvl8pPr indent="-298450" lvl="7" marL="3657600">
+            <a:lvl8pPr marL="3657600" lvl="7" indent="-298450">
               <a:spcBef>
                 <a:spcPts val="1600"/>
               </a:spcBef>
@@ -5139,7 +5091,7 @@
               <a:buChar char="○"/>
               <a:defRPr/>
             </a:lvl8pPr>
-            <a:lvl9pPr indent="-298450" lvl="8" marL="4114800">
+            <a:lvl9pPr marL="4114800" lvl="8" indent="-298450">
               <a:spcBef>
                 <a:spcPts val="1600"/>
               </a:spcBef>
@@ -5151,15 +5103,19 @@
               <a:defRPr/>
             </a:lvl9pPr>
           </a:lstStyle>
-          <a:p/>
+          <a:p>
+            <a:endParaRPr/>
+          </a:p>
         </p:txBody>
       </p:sp>
       <p:sp>
         <p:nvSpPr>
           <p:cNvPr id="54" name="Google Shape;54;p5"/>
-          <p:cNvSpPr txBox="1"/>
+          <p:cNvSpPr txBox="1">
+            <a:spLocks noGrp="1"/>
+          </p:cNvSpPr>
           <p:nvPr>
-            <p:ph idx="2" type="body"/>
+            <p:ph type="body" idx="2"/>
           </p:nvPr>
         </p:nvSpPr>
         <p:spPr>
@@ -5172,11 +5128,11 @@
           </a:prstGeom>
         </p:spPr>
         <p:txBody>
-          <a:bodyPr anchorCtr="0" anchor="t" bIns="91425" lIns="91425" spcFirstLastPara="1" rIns="91425" wrap="square" tIns="91425">
+          <a:bodyPr spcFirstLastPara="1" wrap="square" lIns="91425" tIns="91425" rIns="91425" bIns="91425" anchor="t" anchorCtr="0">
             <a:noAutofit/>
           </a:bodyPr>
           <a:lstStyle>
-            <a:lvl1pPr indent="-311150" lvl="0" marL="457200">
+            <a:lvl1pPr marL="457200" lvl="0" indent="-311150">
               <a:spcBef>
                 <a:spcPts val="0"/>
               </a:spcBef>
@@ -5187,7 +5143,7 @@
               <a:buChar char="●"/>
               <a:defRPr/>
             </a:lvl1pPr>
-            <a:lvl2pPr indent="-298450" lvl="1" marL="914400">
+            <a:lvl2pPr marL="914400" lvl="1" indent="-298450">
               <a:spcBef>
                 <a:spcPts val="1600"/>
               </a:spcBef>
@@ -5198,7 +5154,7 @@
               <a:buChar char="○"/>
               <a:defRPr/>
             </a:lvl2pPr>
-            <a:lvl3pPr indent="-298450" lvl="2" marL="1371600">
+            <a:lvl3pPr marL="1371600" lvl="2" indent="-298450">
               <a:spcBef>
                 <a:spcPts val="1600"/>
               </a:spcBef>
@@ -5209,7 +5165,7 @@
               <a:buChar char="■"/>
               <a:defRPr/>
             </a:lvl3pPr>
-            <a:lvl4pPr indent="-298450" lvl="3" marL="1828800">
+            <a:lvl4pPr marL="1828800" lvl="3" indent="-298450">
               <a:spcBef>
                 <a:spcPts val="1600"/>
               </a:spcBef>
@@ -5220,7 +5176,7 @@
               <a:buChar char="●"/>
               <a:defRPr/>
             </a:lvl4pPr>
-            <a:lvl5pPr indent="-298450" lvl="4" marL="2286000">
+            <a:lvl5pPr marL="2286000" lvl="4" indent="-298450">
               <a:spcBef>
                 <a:spcPts val="1600"/>
               </a:spcBef>
@@ -5231,7 +5187,7 @@
               <a:buChar char="○"/>
               <a:defRPr/>
             </a:lvl5pPr>
-            <a:lvl6pPr indent="-298450" lvl="5" marL="2743200">
+            <a:lvl6pPr marL="2743200" lvl="5" indent="-298450">
               <a:spcBef>
                 <a:spcPts val="1600"/>
               </a:spcBef>
@@ -5242,7 +5198,7 @@
               <a:buChar char="■"/>
               <a:defRPr/>
             </a:lvl6pPr>
-            <a:lvl7pPr indent="-298450" lvl="6" marL="3200400">
+            <a:lvl7pPr marL="3200400" lvl="6" indent="-298450">
               <a:spcBef>
                 <a:spcPts val="1600"/>
               </a:spcBef>
@@ -5253,7 +5209,7 @@
               <a:buChar char="●"/>
               <a:defRPr/>
             </a:lvl7pPr>
-            <a:lvl8pPr indent="-298450" lvl="7" marL="3657600">
+            <a:lvl8pPr marL="3657600" lvl="7" indent="-298450">
               <a:spcBef>
                 <a:spcPts val="1600"/>
               </a:spcBef>
@@ -5264,7 +5220,7 @@
               <a:buChar char="○"/>
               <a:defRPr/>
             </a:lvl8pPr>
-            <a:lvl9pPr indent="-298450" lvl="8" marL="4114800">
+            <a:lvl9pPr marL="4114800" lvl="8" indent="-298450">
               <a:spcBef>
                 <a:spcPts val="1600"/>
               </a:spcBef>
@@ -5276,15 +5232,19 @@
               <a:defRPr/>
             </a:lvl9pPr>
           </a:lstStyle>
-          <a:p/>
+          <a:p>
+            <a:endParaRPr/>
+          </a:p>
         </p:txBody>
       </p:sp>
       <p:sp>
         <p:nvSpPr>
           <p:cNvPr id="55" name="Google Shape;55;p5"/>
-          <p:cNvSpPr txBox="1"/>
+          <p:cNvSpPr txBox="1">
+            <a:spLocks noGrp="1"/>
+          </p:cNvSpPr>
           <p:nvPr>
-            <p:ph idx="12" type="sldNum"/>
+            <p:ph type="sldNum" idx="12"/>
           </p:nvPr>
         </p:nvSpPr>
         <p:spPr>
@@ -5297,7 +5257,7 @@
           </a:prstGeom>
         </p:spPr>
         <p:txBody>
-          <a:bodyPr anchorCtr="0" anchor="ctr" bIns="91425" lIns="91425" spcFirstLastPara="1" rIns="91425" wrap="square" tIns="91425">
+          <a:bodyPr spcFirstLastPara="1" wrap="square" lIns="91425" tIns="91425" rIns="91425" bIns="91425" anchor="ctr" anchorCtr="0">
             <a:noAutofit/>
           </a:bodyPr>
           <a:lstStyle>
@@ -5339,7 +5299,7 @@
             </a:lvl9pPr>
           </a:lstStyle>
           <a:p>
-            <a:pPr indent="0" lvl="0" marL="0" rtl="0" algn="r">
+            <a:pPr marL="0" lvl="0" indent="0" algn="r" rtl="0">
               <a:spcBef>
                 <a:spcPts val="0"/>
               </a:spcBef>
@@ -5365,11 +5325,11 @@
 </file>
 
 <file path=ppt/slideLayouts/slideLayout5.xml><?xml version="1.0" encoding="utf-8"?>
-<p:sldLayout xmlns:a="http://schemas.openxmlformats.org/drawingml/2006/main" xmlns:r="http://schemas.openxmlformats.org/officeDocument/2006/relationships" xmlns:mc="http://schemas.openxmlformats.org/markup-compatibility/2006" xmlns:mv="urn:schemas-microsoft-com:mac:vml" xmlns:p="http://schemas.openxmlformats.org/presentationml/2006/main" xmlns:c="http://schemas.openxmlformats.org/drawingml/2006/chart" xmlns:dgm="http://schemas.openxmlformats.org/drawingml/2006/diagram" xmlns:o="urn:schemas-microsoft-com:office:office" xmlns:v="urn:schemas-microsoft-com:vml" xmlns:pvml="urn:schemas-microsoft-com:office:powerpoint" xmlns:com="http://schemas.openxmlformats.org/drawingml/2006/compatibility" xmlns:p14="http://schemas.microsoft.com/office/powerpoint/2010/main" xmlns:p15="http://schemas.microsoft.com/office/powerpoint/2012/main" xmlns:ahyp="http://schemas.microsoft.com/office/drawing/2018/hyperlinkcolor" matchingName="Title only" type="titleOnly">
+<p:sldLayout xmlns:a="http://schemas.openxmlformats.org/drawingml/2006/main" xmlns:r="http://schemas.openxmlformats.org/officeDocument/2006/relationships" xmlns:p="http://schemas.openxmlformats.org/presentationml/2006/main" matchingName="Title only" type="titleOnly">
   <p:cSld name="TITLE_ONLY">
     <p:spTree>
       <p:nvGrpSpPr>
-        <p:cNvPr id="56" name="Shape 56"/>
+        <p:cNvPr id="1" name="Shape 56"/>
         <p:cNvGrpSpPr/>
         <p:nvPr/>
       </p:nvGrpSpPr>
@@ -5408,7 +5368,7 @@
             </a:xfrm>
             <a:prstGeom prst="diagStripe">
               <a:avLst>
-                <a:gd fmla="val 50000" name="adj"/>
+                <a:gd name="adj" fmla="val 50000"/>
               </a:avLst>
             </a:prstGeom>
             <a:solidFill>
@@ -5419,12 +5379,12 @@
             </a:ln>
           </p:spPr>
           <p:txBody>
-            <a:bodyPr anchorCtr="0" anchor="ctr" bIns="91425" lIns="91425" spcFirstLastPara="1" rIns="91425" wrap="square" tIns="91425">
+            <a:bodyPr spcFirstLastPara="1" wrap="square" lIns="91425" tIns="91425" rIns="91425" bIns="91425" anchor="ctr" anchorCtr="0">
               <a:noAutofit/>
             </a:bodyPr>
             <a:lstStyle/>
             <a:p>
-              <a:pPr indent="0" lvl="0" marL="0" rtl="0" algn="l">
+              <a:pPr marL="0" lvl="0" indent="0" algn="l" rtl="0">
                 <a:spcBef>
                   <a:spcPts val="0"/>
                 </a:spcBef>
@@ -5433,9 +5393,6 @@
                 </a:spcAft>
                 <a:buNone/>
               </a:pPr>
-              <a:r>
-                <a:t/>
-              </a:r>
               <a:endParaRPr/>
             </a:p>
           </p:txBody>
@@ -5453,7 +5410,7 @@
             </a:xfrm>
             <a:prstGeom prst="diagStripe">
               <a:avLst>
-                <a:gd fmla="val 50000" name="adj"/>
+                <a:gd name="adj" fmla="val 50000"/>
               </a:avLst>
             </a:prstGeom>
             <a:solidFill>
@@ -5464,12 +5421,12 @@
             </a:ln>
           </p:spPr>
           <p:txBody>
-            <a:bodyPr anchorCtr="0" anchor="ctr" bIns="91425" lIns="91425" spcFirstLastPara="1" rIns="91425" wrap="square" tIns="91425">
+            <a:bodyPr spcFirstLastPara="1" wrap="square" lIns="91425" tIns="91425" rIns="91425" bIns="91425" anchor="ctr" anchorCtr="0">
               <a:noAutofit/>
             </a:bodyPr>
             <a:lstStyle/>
             <a:p>
-              <a:pPr indent="0" lvl="0" marL="0" rtl="0" algn="l">
+              <a:pPr marL="0" lvl="0" indent="0" algn="l" rtl="0">
                 <a:spcBef>
                   <a:spcPts val="0"/>
                 </a:spcBef>
@@ -5478,9 +5435,6 @@
                 </a:spcAft>
                 <a:buNone/>
               </a:pPr>
-              <a:r>
-                <a:t/>
-              </a:r>
               <a:endParaRPr/>
             </a:p>
           </p:txBody>
@@ -5489,7 +5443,9 @@
       <p:sp>
         <p:nvSpPr>
           <p:cNvPr id="60" name="Google Shape;60;p6"/>
-          <p:cNvSpPr txBox="1"/>
+          <p:cNvSpPr txBox="1">
+            <a:spLocks noGrp="1"/>
+          </p:cNvSpPr>
           <p:nvPr>
             <p:ph type="title"/>
           </p:nvPr>
@@ -5504,7 +5460,7 @@
           </a:prstGeom>
         </p:spPr>
         <p:txBody>
-          <a:bodyPr anchorCtr="0" anchor="t" bIns="91425" lIns="91425" spcFirstLastPara="1" rIns="91425" wrap="square" tIns="91425">
+          <a:bodyPr spcFirstLastPara="1" wrap="square" lIns="91425" tIns="91425" rIns="91425" bIns="91425" anchor="t" anchorCtr="0">
             <a:noAutofit/>
           </a:bodyPr>
           <a:lstStyle>
@@ -5608,15 +5564,19 @@
               <a:defRPr sz="2400"/>
             </a:lvl9pPr>
           </a:lstStyle>
-          <a:p/>
+          <a:p>
+            <a:endParaRPr/>
+          </a:p>
         </p:txBody>
       </p:sp>
       <p:sp>
         <p:nvSpPr>
           <p:cNvPr id="61" name="Google Shape;61;p6"/>
-          <p:cNvSpPr txBox="1"/>
+          <p:cNvSpPr txBox="1">
+            <a:spLocks noGrp="1"/>
+          </p:cNvSpPr>
           <p:nvPr>
-            <p:ph idx="12" type="sldNum"/>
+            <p:ph type="sldNum" idx="12"/>
           </p:nvPr>
         </p:nvSpPr>
         <p:spPr>
@@ -5629,7 +5589,7 @@
           </a:prstGeom>
         </p:spPr>
         <p:txBody>
-          <a:bodyPr anchorCtr="0" anchor="ctr" bIns="91425" lIns="91425" spcFirstLastPara="1" rIns="91425" wrap="square" tIns="91425">
+          <a:bodyPr spcFirstLastPara="1" wrap="square" lIns="91425" tIns="91425" rIns="91425" bIns="91425" anchor="ctr" anchorCtr="0">
             <a:noAutofit/>
           </a:bodyPr>
           <a:lstStyle>
@@ -5671,7 +5631,7 @@
             </a:lvl9pPr>
           </a:lstStyle>
           <a:p>
-            <a:pPr indent="0" lvl="0" marL="0" rtl="0" algn="r">
+            <a:pPr marL="0" lvl="0" indent="0" algn="r" rtl="0">
               <a:spcBef>
                 <a:spcPts val="0"/>
               </a:spcBef>
@@ -5697,11 +5657,11 @@
 </file>
 
 <file path=ppt/slideLayouts/slideLayout6.xml><?xml version="1.0" encoding="utf-8"?>
-<p:sldLayout xmlns:a="http://schemas.openxmlformats.org/drawingml/2006/main" xmlns:r="http://schemas.openxmlformats.org/officeDocument/2006/relationships" xmlns:mc="http://schemas.openxmlformats.org/markup-compatibility/2006" xmlns:mv="urn:schemas-microsoft-com:mac:vml" xmlns:p="http://schemas.openxmlformats.org/presentationml/2006/main" xmlns:c="http://schemas.openxmlformats.org/drawingml/2006/chart" xmlns:dgm="http://schemas.openxmlformats.org/drawingml/2006/diagram" xmlns:o="urn:schemas-microsoft-com:office:office" xmlns:v="urn:schemas-microsoft-com:vml" xmlns:pvml="urn:schemas-microsoft-com:office:powerpoint" xmlns:com="http://schemas.openxmlformats.org/drawingml/2006/compatibility" xmlns:p14="http://schemas.microsoft.com/office/powerpoint/2010/main" xmlns:p15="http://schemas.microsoft.com/office/powerpoint/2012/main" xmlns:ahyp="http://schemas.microsoft.com/office/drawing/2018/hyperlinkcolor" matchingName="One column text">
+<p:sldLayout xmlns:a="http://schemas.openxmlformats.org/drawingml/2006/main" xmlns:r="http://schemas.openxmlformats.org/officeDocument/2006/relationships" xmlns:p="http://schemas.openxmlformats.org/presentationml/2006/main" matchingName="One column text">
   <p:cSld name="ONE_COLUMN_TEXT">
     <p:spTree>
       <p:nvGrpSpPr>
-        <p:cNvPr id="62" name="Shape 62"/>
+        <p:cNvPr id="1" name="Shape 62"/>
         <p:cNvGrpSpPr/>
         <p:nvPr/>
       </p:nvGrpSpPr>
@@ -5740,7 +5700,7 @@
             </a:xfrm>
             <a:prstGeom prst="diagStripe">
               <a:avLst>
-                <a:gd fmla="val 50000" name="adj"/>
+                <a:gd name="adj" fmla="val 50000"/>
               </a:avLst>
             </a:prstGeom>
             <a:solidFill>
@@ -5751,12 +5711,12 @@
             </a:ln>
           </p:spPr>
           <p:txBody>
-            <a:bodyPr anchorCtr="0" anchor="ctr" bIns="91425" lIns="91425" spcFirstLastPara="1" rIns="91425" wrap="square" tIns="91425">
+            <a:bodyPr spcFirstLastPara="1" wrap="square" lIns="91425" tIns="91425" rIns="91425" bIns="91425" anchor="ctr" anchorCtr="0">
               <a:noAutofit/>
             </a:bodyPr>
             <a:lstStyle/>
             <a:p>
-              <a:pPr indent="0" lvl="0" marL="0" rtl="0" algn="l">
+              <a:pPr marL="0" lvl="0" indent="0" algn="l" rtl="0">
                 <a:spcBef>
                   <a:spcPts val="0"/>
                 </a:spcBef>
@@ -5765,9 +5725,6 @@
                 </a:spcAft>
                 <a:buNone/>
               </a:pPr>
-              <a:r>
-                <a:t/>
-              </a:r>
               <a:endParaRPr/>
             </a:p>
           </p:txBody>
@@ -5785,7 +5742,7 @@
             </a:xfrm>
             <a:prstGeom prst="diagStripe">
               <a:avLst>
-                <a:gd fmla="val 50000" name="adj"/>
+                <a:gd name="adj" fmla="val 50000"/>
               </a:avLst>
             </a:prstGeom>
             <a:solidFill>
@@ -5796,12 +5753,12 @@
             </a:ln>
           </p:spPr>
           <p:txBody>
-            <a:bodyPr anchorCtr="0" anchor="ctr" bIns="91425" lIns="91425" spcFirstLastPara="1" rIns="91425" wrap="square" tIns="91425">
+            <a:bodyPr spcFirstLastPara="1" wrap="square" lIns="91425" tIns="91425" rIns="91425" bIns="91425" anchor="ctr" anchorCtr="0">
               <a:noAutofit/>
             </a:bodyPr>
             <a:lstStyle/>
             <a:p>
-              <a:pPr indent="0" lvl="0" marL="0" rtl="0" algn="l">
+              <a:pPr marL="0" lvl="0" indent="0" algn="l" rtl="0">
                 <a:spcBef>
                   <a:spcPts val="0"/>
                 </a:spcBef>
@@ -5810,9 +5767,6 @@
                 </a:spcAft>
                 <a:buNone/>
               </a:pPr>
-              <a:r>
-                <a:t/>
-              </a:r>
               <a:endParaRPr/>
             </a:p>
           </p:txBody>
@@ -5821,7 +5775,9 @@
       <p:sp>
         <p:nvSpPr>
           <p:cNvPr id="66" name="Google Shape;66;p7"/>
-          <p:cNvSpPr txBox="1"/>
+          <p:cNvSpPr txBox="1">
+            <a:spLocks noGrp="1"/>
+          </p:cNvSpPr>
           <p:nvPr>
             <p:ph type="title"/>
           </p:nvPr>
@@ -5836,7 +5792,7 @@
           </a:prstGeom>
         </p:spPr>
         <p:txBody>
-          <a:bodyPr anchorCtr="0" anchor="t" bIns="91425" lIns="91425" spcFirstLastPara="1" rIns="91425" wrap="square" tIns="91425">
+          <a:bodyPr spcFirstLastPara="1" wrap="square" lIns="91425" tIns="91425" rIns="91425" bIns="91425" anchor="t" anchorCtr="0">
             <a:noAutofit/>
           </a:bodyPr>
           <a:lstStyle>
@@ -5940,15 +5896,19 @@
               <a:defRPr sz="2400"/>
             </a:lvl9pPr>
           </a:lstStyle>
-          <a:p/>
+          <a:p>
+            <a:endParaRPr/>
+          </a:p>
         </p:txBody>
       </p:sp>
       <p:sp>
         <p:nvSpPr>
           <p:cNvPr id="67" name="Google Shape;67;p7"/>
-          <p:cNvSpPr txBox="1"/>
+          <p:cNvSpPr txBox="1">
+            <a:spLocks noGrp="1"/>
+          </p:cNvSpPr>
           <p:nvPr>
-            <p:ph idx="1" type="body"/>
+            <p:ph type="body" idx="1"/>
           </p:nvPr>
         </p:nvSpPr>
         <p:spPr>
@@ -5961,11 +5921,11 @@
           </a:prstGeom>
         </p:spPr>
         <p:txBody>
-          <a:bodyPr anchorCtr="0" anchor="t" bIns="91425" lIns="91425" spcFirstLastPara="1" rIns="91425" wrap="square" tIns="91425">
+          <a:bodyPr spcFirstLastPara="1" wrap="square" lIns="91425" tIns="91425" rIns="91425" bIns="91425" anchor="t" anchorCtr="0">
             <a:noAutofit/>
           </a:bodyPr>
           <a:lstStyle>
-            <a:lvl1pPr indent="-311150" lvl="0" marL="457200">
+            <a:lvl1pPr marL="457200" lvl="0" indent="-311150">
               <a:spcBef>
                 <a:spcPts val="0"/>
               </a:spcBef>
@@ -5976,7 +5936,7 @@
               <a:buChar char="●"/>
               <a:defRPr/>
             </a:lvl1pPr>
-            <a:lvl2pPr indent="-298450" lvl="1" marL="914400">
+            <a:lvl2pPr marL="914400" lvl="1" indent="-298450">
               <a:spcBef>
                 <a:spcPts val="1600"/>
               </a:spcBef>
@@ -5987,7 +5947,7 @@
               <a:buChar char="○"/>
               <a:defRPr/>
             </a:lvl2pPr>
-            <a:lvl3pPr indent="-298450" lvl="2" marL="1371600">
+            <a:lvl3pPr marL="1371600" lvl="2" indent="-298450">
               <a:spcBef>
                 <a:spcPts val="1600"/>
               </a:spcBef>
@@ -5998,7 +5958,7 @@
               <a:buChar char="■"/>
               <a:defRPr/>
             </a:lvl3pPr>
-            <a:lvl4pPr indent="-298450" lvl="3" marL="1828800">
+            <a:lvl4pPr marL="1828800" lvl="3" indent="-298450">
               <a:spcBef>
                 <a:spcPts val="1600"/>
               </a:spcBef>
@@ -6009,7 +5969,7 @@
               <a:buChar char="●"/>
               <a:defRPr/>
             </a:lvl4pPr>
-            <a:lvl5pPr indent="-298450" lvl="4" marL="2286000">
+            <a:lvl5pPr marL="2286000" lvl="4" indent="-298450">
               <a:spcBef>
                 <a:spcPts val="1600"/>
               </a:spcBef>
@@ -6020,7 +5980,7 @@
               <a:buChar char="○"/>
               <a:defRPr/>
             </a:lvl5pPr>
-            <a:lvl6pPr indent="-298450" lvl="5" marL="2743200">
+            <a:lvl6pPr marL="2743200" lvl="5" indent="-298450">
               <a:spcBef>
                 <a:spcPts val="1600"/>
               </a:spcBef>
@@ -6031,7 +5991,7 @@
               <a:buChar char="■"/>
               <a:defRPr/>
             </a:lvl6pPr>
-            <a:lvl7pPr indent="-298450" lvl="6" marL="3200400">
+            <a:lvl7pPr marL="3200400" lvl="6" indent="-298450">
               <a:spcBef>
                 <a:spcPts val="1600"/>
               </a:spcBef>
@@ -6042,7 +6002,7 @@
               <a:buChar char="●"/>
               <a:defRPr/>
             </a:lvl7pPr>
-            <a:lvl8pPr indent="-298450" lvl="7" marL="3657600">
+            <a:lvl8pPr marL="3657600" lvl="7" indent="-298450">
               <a:spcBef>
                 <a:spcPts val="1600"/>
               </a:spcBef>
@@ -6053,7 +6013,7 @@
               <a:buChar char="○"/>
               <a:defRPr/>
             </a:lvl8pPr>
-            <a:lvl9pPr indent="-298450" lvl="8" marL="4114800">
+            <a:lvl9pPr marL="4114800" lvl="8" indent="-298450">
               <a:spcBef>
                 <a:spcPts val="1600"/>
               </a:spcBef>
@@ -6065,15 +6025,19 @@
               <a:defRPr/>
             </a:lvl9pPr>
           </a:lstStyle>
-          <a:p/>
+          <a:p>
+            <a:endParaRPr/>
+          </a:p>
         </p:txBody>
       </p:sp>
       <p:sp>
         <p:nvSpPr>
           <p:cNvPr id="68" name="Google Shape;68;p7"/>
-          <p:cNvSpPr txBox="1"/>
+          <p:cNvSpPr txBox="1">
+            <a:spLocks noGrp="1"/>
+          </p:cNvSpPr>
           <p:nvPr>
-            <p:ph idx="12" type="sldNum"/>
+            <p:ph type="sldNum" idx="12"/>
           </p:nvPr>
         </p:nvSpPr>
         <p:spPr>
@@ -6086,7 +6050,7 @@
           </a:prstGeom>
         </p:spPr>
         <p:txBody>
-          <a:bodyPr anchorCtr="0" anchor="ctr" bIns="91425" lIns="91425" spcFirstLastPara="1" rIns="91425" wrap="square" tIns="91425">
+          <a:bodyPr spcFirstLastPara="1" wrap="square" lIns="91425" tIns="91425" rIns="91425" bIns="91425" anchor="ctr" anchorCtr="0">
             <a:noAutofit/>
           </a:bodyPr>
           <a:lstStyle>
@@ -6128,7 +6092,7 @@
             </a:lvl9pPr>
           </a:lstStyle>
           <a:p>
-            <a:pPr indent="0" lvl="0" marL="0" rtl="0" algn="r">
+            <a:pPr marL="0" lvl="0" indent="0" algn="r" rtl="0">
               <a:spcBef>
                 <a:spcPts val="0"/>
               </a:spcBef>
@@ -6154,11 +6118,11 @@
 </file>
 
 <file path=ppt/slideLayouts/slideLayout7.xml><?xml version="1.0" encoding="utf-8"?>
-<p:sldLayout xmlns:a="http://schemas.openxmlformats.org/drawingml/2006/main" xmlns:r="http://schemas.openxmlformats.org/officeDocument/2006/relationships" xmlns:mc="http://schemas.openxmlformats.org/markup-compatibility/2006" xmlns:mv="urn:schemas-microsoft-com:mac:vml" xmlns:p="http://schemas.openxmlformats.org/presentationml/2006/main" xmlns:c="http://schemas.openxmlformats.org/drawingml/2006/chart" xmlns:dgm="http://schemas.openxmlformats.org/drawingml/2006/diagram" xmlns:o="urn:schemas-microsoft-com:office:office" xmlns:v="urn:schemas-microsoft-com:vml" xmlns:pvml="urn:schemas-microsoft-com:office:powerpoint" xmlns:com="http://schemas.openxmlformats.org/drawingml/2006/compatibility" xmlns:p14="http://schemas.microsoft.com/office/powerpoint/2010/main" xmlns:p15="http://schemas.microsoft.com/office/powerpoint/2012/main" xmlns:ahyp="http://schemas.microsoft.com/office/drawing/2018/hyperlinkcolor" matchingName="Main point">
+<p:sldLayout xmlns:a="http://schemas.openxmlformats.org/drawingml/2006/main" xmlns:r="http://schemas.openxmlformats.org/officeDocument/2006/relationships" xmlns:p="http://schemas.openxmlformats.org/presentationml/2006/main" matchingName="Main point">
   <p:cSld name="MAIN_POINT">
     <p:spTree>
       <p:nvGrpSpPr>
-        <p:cNvPr id="69" name="Shape 69"/>
+        <p:cNvPr id="1" name="Shape 69"/>
         <p:cNvGrpSpPr/>
         <p:nvPr/>
       </p:nvGrpSpPr>
@@ -6197,7 +6161,7 @@
             </a:xfrm>
             <a:prstGeom prst="diagStripe">
               <a:avLst>
-                <a:gd fmla="val 49469" name="adj"/>
+                <a:gd name="adj" fmla="val 49469"/>
               </a:avLst>
             </a:prstGeom>
             <a:solidFill>
@@ -6210,12 +6174,12 @@
             </a:ln>
           </p:spPr>
           <p:txBody>
-            <a:bodyPr anchorCtr="0" anchor="ctr" bIns="91425" lIns="91425" spcFirstLastPara="1" rIns="91425" wrap="square" tIns="91425">
+            <a:bodyPr spcFirstLastPara="1" wrap="square" lIns="91425" tIns="91425" rIns="91425" bIns="91425" anchor="ctr" anchorCtr="0">
               <a:noAutofit/>
             </a:bodyPr>
             <a:lstStyle/>
             <a:p>
-              <a:pPr indent="0" lvl="0" marL="0" rtl="0" algn="l">
+              <a:pPr marL="0" lvl="0" indent="0" algn="l" rtl="0">
                 <a:spcBef>
                   <a:spcPts val="0"/>
                 </a:spcBef>
@@ -6224,9 +6188,6 @@
                 </a:spcAft>
                 <a:buNone/>
               </a:pPr>
-              <a:r>
-                <a:t/>
-              </a:r>
               <a:endParaRPr/>
             </a:p>
           </p:txBody>
@@ -6244,7 +6205,7 @@
             </a:xfrm>
             <a:prstGeom prst="diagStripe">
               <a:avLst>
-                <a:gd fmla="val 0" name="adj"/>
+                <a:gd name="adj" fmla="val 0"/>
               </a:avLst>
             </a:prstGeom>
             <a:solidFill>
@@ -6257,12 +6218,12 @@
             </a:ln>
           </p:spPr>
           <p:txBody>
-            <a:bodyPr anchorCtr="0" anchor="ctr" bIns="91425" lIns="91425" spcFirstLastPara="1" rIns="91425" wrap="square" tIns="91425">
+            <a:bodyPr spcFirstLastPara="1" wrap="square" lIns="91425" tIns="91425" rIns="91425" bIns="91425" anchor="ctr" anchorCtr="0">
               <a:noAutofit/>
             </a:bodyPr>
             <a:lstStyle/>
             <a:p>
-              <a:pPr indent="0" lvl="0" marL="0" rtl="0" algn="l">
+              <a:pPr marL="0" lvl="0" indent="0" algn="l" rtl="0">
                 <a:spcBef>
                   <a:spcPts val="0"/>
                 </a:spcBef>
@@ -6271,9 +6232,6 @@
                 </a:spcAft>
                 <a:buNone/>
               </a:pPr>
-              <a:r>
-                <a:t/>
-              </a:r>
               <a:endParaRPr/>
             </a:p>
           </p:txBody>
@@ -6291,7 +6249,7 @@
             </a:xfrm>
             <a:prstGeom prst="diagStripe">
               <a:avLst>
-                <a:gd fmla="val 50000" name="adj"/>
+                <a:gd name="adj" fmla="val 50000"/>
               </a:avLst>
             </a:prstGeom>
             <a:solidFill>
@@ -6304,12 +6262,12 @@
             </a:ln>
           </p:spPr>
           <p:txBody>
-            <a:bodyPr anchorCtr="0" anchor="ctr" bIns="91425" lIns="91425" spcFirstLastPara="1" rIns="91425" wrap="square" tIns="91425">
+            <a:bodyPr spcFirstLastPara="1" wrap="square" lIns="91425" tIns="91425" rIns="91425" bIns="91425" anchor="ctr" anchorCtr="0">
               <a:noAutofit/>
             </a:bodyPr>
             <a:lstStyle/>
             <a:p>
-              <a:pPr indent="0" lvl="0" marL="0" rtl="0" algn="l">
+              <a:pPr marL="0" lvl="0" indent="0" algn="l" rtl="0">
                 <a:spcBef>
                   <a:spcPts val="0"/>
                 </a:spcBef>
@@ -6318,9 +6276,6 @@
                 </a:spcAft>
                 <a:buNone/>
               </a:pPr>
-              <a:r>
-                <a:t/>
-              </a:r>
               <a:endParaRPr/>
             </a:p>
           </p:txBody>
@@ -6338,7 +6293,7 @@
             </a:xfrm>
             <a:prstGeom prst="diagStripe">
               <a:avLst>
-                <a:gd fmla="val 50000" name="adj"/>
+                <a:gd name="adj" fmla="val 50000"/>
               </a:avLst>
             </a:prstGeom>
             <a:solidFill>
@@ -6351,12 +6306,12 @@
             </a:ln>
           </p:spPr>
           <p:txBody>
-            <a:bodyPr anchorCtr="0" anchor="ctr" bIns="91425" lIns="91425" spcFirstLastPara="1" rIns="91425" wrap="square" tIns="91425">
+            <a:bodyPr spcFirstLastPara="1" wrap="square" lIns="91425" tIns="91425" rIns="91425" bIns="91425" anchor="ctr" anchorCtr="0">
               <a:noAutofit/>
             </a:bodyPr>
             <a:lstStyle/>
             <a:p>
-              <a:pPr indent="0" lvl="0" marL="0" rtl="0" algn="l">
+              <a:pPr marL="0" lvl="0" indent="0" algn="l" rtl="0">
                 <a:spcBef>
                   <a:spcPts val="0"/>
                 </a:spcBef>
@@ -6365,9 +6320,6 @@
                 </a:spcAft>
                 <a:buNone/>
               </a:pPr>
-              <a:r>
-                <a:t/>
-              </a:r>
               <a:endParaRPr/>
             </a:p>
           </p:txBody>
@@ -6385,7 +6337,7 @@
             </a:xfrm>
             <a:prstGeom prst="diagStripe">
               <a:avLst>
-                <a:gd fmla="val 50000" name="adj"/>
+                <a:gd name="adj" fmla="val 50000"/>
               </a:avLst>
             </a:prstGeom>
             <a:solidFill>
@@ -6398,12 +6350,12 @@
             </a:ln>
           </p:spPr>
           <p:txBody>
-            <a:bodyPr anchorCtr="0" anchor="ctr" bIns="91425" lIns="91425" spcFirstLastPara="1" rIns="91425" wrap="square" tIns="91425">
+            <a:bodyPr spcFirstLastPara="1" wrap="square" lIns="91425" tIns="91425" rIns="91425" bIns="91425" anchor="ctr" anchorCtr="0">
               <a:noAutofit/>
             </a:bodyPr>
             <a:lstStyle/>
             <a:p>
-              <a:pPr indent="0" lvl="0" marL="0" rtl="0" algn="l">
+              <a:pPr marL="0" lvl="0" indent="0" algn="l" rtl="0">
                 <a:spcBef>
                   <a:spcPts val="0"/>
                 </a:spcBef>
@@ -6412,9 +6364,6 @@
                 </a:spcAft>
                 <a:buNone/>
               </a:pPr>
-              <a:r>
-                <a:t/>
-              </a:r>
               <a:endParaRPr/>
             </a:p>
           </p:txBody>
@@ -6432,7 +6381,7 @@
             </a:xfrm>
             <a:prstGeom prst="diagStripe">
               <a:avLst>
-                <a:gd fmla="val 50000" name="adj"/>
+                <a:gd name="adj" fmla="val 50000"/>
               </a:avLst>
             </a:prstGeom>
             <a:solidFill>
@@ -6445,12 +6394,12 @@
             </a:ln>
           </p:spPr>
           <p:txBody>
-            <a:bodyPr anchorCtr="0" anchor="ctr" bIns="91425" lIns="91425" spcFirstLastPara="1" rIns="91425" wrap="square" tIns="91425">
+            <a:bodyPr spcFirstLastPara="1" wrap="square" lIns="91425" tIns="91425" rIns="91425" bIns="91425" anchor="ctr" anchorCtr="0">
               <a:noAutofit/>
             </a:bodyPr>
             <a:lstStyle/>
             <a:p>
-              <a:pPr indent="0" lvl="0" marL="0" rtl="0" algn="l">
+              <a:pPr marL="0" lvl="0" indent="0" algn="l" rtl="0">
                 <a:spcBef>
                   <a:spcPts val="0"/>
                 </a:spcBef>
@@ -6459,9 +6408,6 @@
                 </a:spcAft>
                 <a:buNone/>
               </a:pPr>
-              <a:r>
-                <a:t/>
-              </a:r>
               <a:endParaRPr/>
             </a:p>
           </p:txBody>
@@ -6479,7 +6425,7 @@
             </a:xfrm>
             <a:prstGeom prst="diagStripe">
               <a:avLst>
-                <a:gd fmla="val 50000" name="adj"/>
+                <a:gd name="adj" fmla="val 50000"/>
               </a:avLst>
             </a:prstGeom>
             <a:solidFill>
@@ -6492,12 +6438,12 @@
             </a:ln>
           </p:spPr>
           <p:txBody>
-            <a:bodyPr anchorCtr="0" anchor="ctr" bIns="91425" lIns="91425" spcFirstLastPara="1" rIns="91425" wrap="square" tIns="91425">
+            <a:bodyPr spcFirstLastPara="1" wrap="square" lIns="91425" tIns="91425" rIns="91425" bIns="91425" anchor="ctr" anchorCtr="0">
               <a:noAutofit/>
             </a:bodyPr>
             <a:lstStyle/>
             <a:p>
-              <a:pPr indent="0" lvl="0" marL="0" rtl="0" algn="l">
+              <a:pPr marL="0" lvl="0" indent="0" algn="l" rtl="0">
                 <a:spcBef>
                   <a:spcPts val="0"/>
                 </a:spcBef>
@@ -6506,9 +6452,6 @@
                 </a:spcAft>
                 <a:buNone/>
               </a:pPr>
-              <a:r>
-                <a:t/>
-              </a:r>
               <a:endParaRPr/>
             </a:p>
           </p:txBody>
@@ -6526,7 +6469,7 @@
             </a:xfrm>
             <a:prstGeom prst="diagStripe">
               <a:avLst>
-                <a:gd fmla="val 50000" name="adj"/>
+                <a:gd name="adj" fmla="val 50000"/>
               </a:avLst>
             </a:prstGeom>
             <a:solidFill>
@@ -6537,12 +6480,12 @@
             </a:ln>
           </p:spPr>
           <p:txBody>
-            <a:bodyPr anchorCtr="0" anchor="ctr" bIns="91425" lIns="91425" spcFirstLastPara="1" rIns="91425" wrap="square" tIns="91425">
+            <a:bodyPr spcFirstLastPara="1" wrap="square" lIns="91425" tIns="91425" rIns="91425" bIns="91425" anchor="ctr" anchorCtr="0">
               <a:noAutofit/>
             </a:bodyPr>
             <a:lstStyle/>
             <a:p>
-              <a:pPr indent="0" lvl="0" marL="0" rtl="0" algn="l">
+              <a:pPr marL="0" lvl="0" indent="0" algn="l" rtl="0">
                 <a:spcBef>
                   <a:spcPts val="0"/>
                 </a:spcBef>
@@ -6551,9 +6494,6 @@
                 </a:spcAft>
                 <a:buNone/>
               </a:pPr>
-              <a:r>
-                <a:t/>
-              </a:r>
               <a:endParaRPr/>
             </a:p>
           </p:txBody>
@@ -6571,7 +6511,7 @@
             </a:xfrm>
             <a:prstGeom prst="diagStripe">
               <a:avLst>
-                <a:gd fmla="val 50000" name="adj"/>
+                <a:gd name="adj" fmla="val 50000"/>
               </a:avLst>
             </a:prstGeom>
             <a:solidFill>
@@ -6584,12 +6524,12 @@
             </a:ln>
           </p:spPr>
           <p:txBody>
-            <a:bodyPr anchorCtr="0" anchor="ctr" bIns="91425" lIns="91425" spcFirstLastPara="1" rIns="91425" wrap="square" tIns="91425">
+            <a:bodyPr spcFirstLastPara="1" wrap="square" lIns="91425" tIns="91425" rIns="91425" bIns="91425" anchor="ctr" anchorCtr="0">
               <a:noAutofit/>
             </a:bodyPr>
             <a:lstStyle/>
             <a:p>
-              <a:pPr indent="0" lvl="0" marL="0" rtl="0" algn="l">
+              <a:pPr marL="0" lvl="0" indent="0" algn="l" rtl="0">
                 <a:spcBef>
                   <a:spcPts val="0"/>
                 </a:spcBef>
@@ -6598,9 +6538,6 @@
                 </a:spcAft>
                 <a:buNone/>
               </a:pPr>
-              <a:r>
-                <a:t/>
-              </a:r>
               <a:endParaRPr/>
             </a:p>
           </p:txBody>
@@ -6618,7 +6555,7 @@
             </a:xfrm>
             <a:prstGeom prst="diagStripe">
               <a:avLst>
-                <a:gd fmla="val 50000" name="adj"/>
+                <a:gd name="adj" fmla="val 50000"/>
               </a:avLst>
             </a:prstGeom>
             <a:solidFill>
@@ -6631,12 +6568,12 @@
             </a:ln>
           </p:spPr>
           <p:txBody>
-            <a:bodyPr anchorCtr="0" anchor="ctr" bIns="91425" lIns="91425" spcFirstLastPara="1" rIns="91425" wrap="square" tIns="91425">
+            <a:bodyPr spcFirstLastPara="1" wrap="square" lIns="91425" tIns="91425" rIns="91425" bIns="91425" anchor="ctr" anchorCtr="0">
               <a:noAutofit/>
             </a:bodyPr>
             <a:lstStyle/>
             <a:p>
-              <a:pPr indent="0" lvl="0" marL="0" rtl="0" algn="l">
+              <a:pPr marL="0" lvl="0" indent="0" algn="l" rtl="0">
                 <a:spcBef>
                   <a:spcPts val="0"/>
                 </a:spcBef>
@@ -6645,9 +6582,6 @@
                 </a:spcAft>
                 <a:buNone/>
               </a:pPr>
-              <a:r>
-                <a:t/>
-              </a:r>
               <a:endParaRPr/>
             </a:p>
           </p:txBody>
@@ -6665,7 +6599,7 @@
             </a:xfrm>
             <a:prstGeom prst="diagStripe">
               <a:avLst>
-                <a:gd fmla="val 50000" name="adj"/>
+                <a:gd name="adj" fmla="val 50000"/>
               </a:avLst>
             </a:prstGeom>
             <a:solidFill>
@@ -6678,12 +6612,12 @@
             </a:ln>
           </p:spPr>
           <p:txBody>
-            <a:bodyPr anchorCtr="0" anchor="ctr" bIns="91425" lIns="91425" spcFirstLastPara="1" rIns="91425" wrap="square" tIns="91425">
+            <a:bodyPr spcFirstLastPara="1" wrap="square" lIns="91425" tIns="91425" rIns="91425" bIns="91425" anchor="ctr" anchorCtr="0">
               <a:noAutofit/>
             </a:bodyPr>
             <a:lstStyle/>
             <a:p>
-              <a:pPr indent="0" lvl="0" marL="0" rtl="0" algn="l">
+              <a:pPr marL="0" lvl="0" indent="0" algn="l" rtl="0">
                 <a:spcBef>
                   <a:spcPts val="0"/>
                 </a:spcBef>
@@ -6692,9 +6626,6 @@
                 </a:spcAft>
                 <a:buNone/>
               </a:pPr>
-              <a:r>
-                <a:t/>
-              </a:r>
               <a:endParaRPr/>
             </a:p>
           </p:txBody>
@@ -6712,7 +6643,7 @@
             </a:xfrm>
             <a:prstGeom prst="diagStripe">
               <a:avLst>
-                <a:gd fmla="val 50000" name="adj"/>
+                <a:gd name="adj" fmla="val 50000"/>
               </a:avLst>
             </a:prstGeom>
             <a:solidFill>
@@ -6725,12 +6656,12 @@
             </a:ln>
           </p:spPr>
           <p:txBody>
-            <a:bodyPr anchorCtr="0" anchor="ctr" bIns="91425" lIns="91425" spcFirstLastPara="1" rIns="91425" wrap="square" tIns="91425">
+            <a:bodyPr spcFirstLastPara="1" wrap="square" lIns="91425" tIns="91425" rIns="91425" bIns="91425" anchor="ctr" anchorCtr="0">
               <a:noAutofit/>
             </a:bodyPr>
             <a:lstStyle/>
             <a:p>
-              <a:pPr indent="0" lvl="0" marL="0" rtl="0" algn="l">
+              <a:pPr marL="0" lvl="0" indent="0" algn="l" rtl="0">
                 <a:spcBef>
                   <a:spcPts val="0"/>
                 </a:spcBef>
@@ -6739,9 +6670,6 @@
                 </a:spcAft>
                 <a:buNone/>
               </a:pPr>
-              <a:r>
-                <a:t/>
-              </a:r>
               <a:endParaRPr/>
             </a:p>
           </p:txBody>
@@ -6759,7 +6687,7 @@
             </a:xfrm>
             <a:prstGeom prst="diagStripe">
               <a:avLst>
-                <a:gd fmla="val 50000" name="adj"/>
+                <a:gd name="adj" fmla="val 50000"/>
               </a:avLst>
             </a:prstGeom>
             <a:solidFill>
@@ -6772,12 +6700,12 @@
             </a:ln>
           </p:spPr>
           <p:txBody>
-            <a:bodyPr anchorCtr="0" anchor="ctr" bIns="91425" lIns="91425" spcFirstLastPara="1" rIns="91425" wrap="square" tIns="91425">
+            <a:bodyPr spcFirstLastPara="1" wrap="square" lIns="91425" tIns="91425" rIns="91425" bIns="91425" anchor="ctr" anchorCtr="0">
               <a:noAutofit/>
             </a:bodyPr>
             <a:lstStyle/>
             <a:p>
-              <a:pPr indent="0" lvl="0" marL="0" rtl="0" algn="l">
+              <a:pPr marL="0" lvl="0" indent="0" algn="l" rtl="0">
                 <a:spcBef>
                   <a:spcPts val="0"/>
                 </a:spcBef>
@@ -6786,9 +6714,6 @@
                 </a:spcAft>
                 <a:buNone/>
               </a:pPr>
-              <a:r>
-                <a:t/>
-              </a:r>
               <a:endParaRPr/>
             </a:p>
           </p:txBody>
@@ -6806,7 +6731,7 @@
             </a:xfrm>
             <a:prstGeom prst="diagStripe">
               <a:avLst>
-                <a:gd fmla="val 50000" name="adj"/>
+                <a:gd name="adj" fmla="val 50000"/>
               </a:avLst>
             </a:prstGeom>
             <a:solidFill>
@@ -6817,12 +6742,12 @@
             </a:ln>
           </p:spPr>
           <p:txBody>
-            <a:bodyPr anchorCtr="0" anchor="ctr" bIns="91425" lIns="91425" spcFirstLastPara="1" rIns="91425" wrap="square" tIns="91425">
+            <a:bodyPr spcFirstLastPara="1" wrap="square" lIns="91425" tIns="91425" rIns="91425" bIns="91425" anchor="ctr" anchorCtr="0">
               <a:noAutofit/>
             </a:bodyPr>
             <a:lstStyle/>
             <a:p>
-              <a:pPr indent="0" lvl="0" marL="0" rtl="0" algn="l">
+              <a:pPr marL="0" lvl="0" indent="0" algn="l" rtl="0">
                 <a:spcBef>
                   <a:spcPts val="0"/>
                 </a:spcBef>
@@ -6831,9 +6756,6 @@
                 </a:spcAft>
                 <a:buNone/>
               </a:pPr>
-              <a:r>
-                <a:t/>
-              </a:r>
               <a:endParaRPr/>
             </a:p>
           </p:txBody>
@@ -6851,7 +6773,7 @@
             </a:xfrm>
             <a:prstGeom prst="diagStripe">
               <a:avLst>
-                <a:gd fmla="val 50000" name="adj"/>
+                <a:gd name="adj" fmla="val 50000"/>
               </a:avLst>
             </a:prstGeom>
             <a:solidFill>
@@ -6864,12 +6786,12 @@
             </a:ln>
           </p:spPr>
           <p:txBody>
-            <a:bodyPr anchorCtr="0" anchor="ctr" bIns="91425" lIns="91425" spcFirstLastPara="1" rIns="91425" wrap="square" tIns="91425">
+            <a:bodyPr spcFirstLastPara="1" wrap="square" lIns="91425" tIns="91425" rIns="91425" bIns="91425" anchor="ctr" anchorCtr="0">
               <a:noAutofit/>
             </a:bodyPr>
             <a:lstStyle/>
             <a:p>
-              <a:pPr indent="0" lvl="0" marL="0" rtl="0" algn="l">
+              <a:pPr marL="0" lvl="0" indent="0" algn="l" rtl="0">
                 <a:spcBef>
                   <a:spcPts val="0"/>
                 </a:spcBef>
@@ -6878,9 +6800,6 @@
                 </a:spcAft>
                 <a:buNone/>
               </a:pPr>
-              <a:r>
-                <a:t/>
-              </a:r>
               <a:endParaRPr/>
             </a:p>
           </p:txBody>
@@ -6898,7 +6817,7 @@
             </a:xfrm>
             <a:prstGeom prst="diagStripe">
               <a:avLst>
-                <a:gd fmla="val 50000" name="adj"/>
+                <a:gd name="adj" fmla="val 50000"/>
               </a:avLst>
             </a:prstGeom>
             <a:solidFill>
@@ -6911,12 +6830,12 @@
             </a:ln>
           </p:spPr>
           <p:txBody>
-            <a:bodyPr anchorCtr="0" anchor="ctr" bIns="91425" lIns="91425" spcFirstLastPara="1" rIns="91425" wrap="square" tIns="91425">
+            <a:bodyPr spcFirstLastPara="1" wrap="square" lIns="91425" tIns="91425" rIns="91425" bIns="91425" anchor="ctr" anchorCtr="0">
               <a:noAutofit/>
             </a:bodyPr>
             <a:lstStyle/>
             <a:p>
-              <a:pPr indent="0" lvl="0" marL="0" rtl="0" algn="l">
+              <a:pPr marL="0" lvl="0" indent="0" algn="l" rtl="0">
                 <a:spcBef>
                   <a:spcPts val="0"/>
                 </a:spcBef>
@@ -6925,9 +6844,6 @@
                 </a:spcAft>
                 <a:buNone/>
               </a:pPr>
-              <a:r>
-                <a:t/>
-              </a:r>
               <a:endParaRPr/>
             </a:p>
           </p:txBody>
@@ -6945,7 +6861,7 @@
             </a:xfrm>
             <a:prstGeom prst="diagStripe">
               <a:avLst>
-                <a:gd fmla="val 50000" name="adj"/>
+                <a:gd name="adj" fmla="val 50000"/>
               </a:avLst>
             </a:prstGeom>
             <a:solidFill>
@@ -6958,12 +6874,12 @@
             </a:ln>
           </p:spPr>
           <p:txBody>
-            <a:bodyPr anchorCtr="0" anchor="ctr" bIns="91425" lIns="91425" spcFirstLastPara="1" rIns="91425" wrap="square" tIns="91425">
+            <a:bodyPr spcFirstLastPara="1" wrap="square" lIns="91425" tIns="91425" rIns="91425" bIns="91425" anchor="ctr" anchorCtr="0">
               <a:noAutofit/>
             </a:bodyPr>
             <a:lstStyle/>
             <a:p>
-              <a:pPr indent="0" lvl="0" marL="0" rtl="0" algn="l">
+              <a:pPr marL="0" lvl="0" indent="0" algn="l" rtl="0">
                 <a:spcBef>
                   <a:spcPts val="0"/>
                 </a:spcBef>
@@ -6972,9 +6888,6 @@
                 </a:spcAft>
                 <a:buNone/>
               </a:pPr>
-              <a:r>
-                <a:t/>
-              </a:r>
               <a:endParaRPr/>
             </a:p>
           </p:txBody>
@@ -6992,7 +6905,7 @@
             </a:xfrm>
             <a:prstGeom prst="diagStripe">
               <a:avLst>
-                <a:gd fmla="val 50000" name="adj"/>
+                <a:gd name="adj" fmla="val 50000"/>
               </a:avLst>
             </a:prstGeom>
             <a:solidFill>
@@ -7005,12 +6918,12 @@
             </a:ln>
           </p:spPr>
           <p:txBody>
-            <a:bodyPr anchorCtr="0" anchor="ctr" bIns="91425" lIns="91425" spcFirstLastPara="1" rIns="91425" wrap="square" tIns="91425">
+            <a:bodyPr spcFirstLastPara="1" wrap="square" lIns="91425" tIns="91425" rIns="91425" bIns="91425" anchor="ctr" anchorCtr="0">
               <a:noAutofit/>
             </a:bodyPr>
             <a:lstStyle/>
             <a:p>
-              <a:pPr indent="0" lvl="0" marL="0" rtl="0" algn="l">
+              <a:pPr marL="0" lvl="0" indent="0" algn="l" rtl="0">
                 <a:spcBef>
                   <a:spcPts val="0"/>
                 </a:spcBef>
@@ -7019,9 +6932,6 @@
                 </a:spcAft>
                 <a:buNone/>
               </a:pPr>
-              <a:r>
-                <a:t/>
-              </a:r>
               <a:endParaRPr/>
             </a:p>
           </p:txBody>
@@ -7030,7 +6940,9 @@
       <p:sp>
         <p:nvSpPr>
           <p:cNvPr id="89" name="Google Shape;89;p8"/>
-          <p:cNvSpPr txBox="1"/>
+          <p:cNvSpPr txBox="1">
+            <a:spLocks noGrp="1"/>
+          </p:cNvSpPr>
           <p:nvPr>
             <p:ph type="title"/>
           </p:nvPr>
@@ -7045,7 +6957,7 @@
           </a:prstGeom>
         </p:spPr>
         <p:txBody>
-          <a:bodyPr anchorCtr="0" anchor="ctr" bIns="91425" lIns="91425" spcFirstLastPara="1" rIns="91425" wrap="square" tIns="91425">
+          <a:bodyPr spcFirstLastPara="1" wrap="square" lIns="91425" tIns="91425" rIns="91425" bIns="91425" anchor="ctr" anchorCtr="0">
             <a:noAutofit/>
           </a:bodyPr>
           <a:lstStyle>
@@ -7149,15 +7061,19 @@
               <a:defRPr/>
             </a:lvl9pPr>
           </a:lstStyle>
-          <a:p/>
+          <a:p>
+            <a:endParaRPr/>
+          </a:p>
         </p:txBody>
       </p:sp>
       <p:sp>
         <p:nvSpPr>
           <p:cNvPr id="90" name="Google Shape;90;p8"/>
-          <p:cNvSpPr txBox="1"/>
+          <p:cNvSpPr txBox="1">
+            <a:spLocks noGrp="1"/>
+          </p:cNvSpPr>
           <p:nvPr>
-            <p:ph idx="12" type="sldNum"/>
+            <p:ph type="sldNum" idx="12"/>
           </p:nvPr>
         </p:nvSpPr>
         <p:spPr>
@@ -7170,7 +7086,7 @@
           </a:prstGeom>
         </p:spPr>
         <p:txBody>
-          <a:bodyPr anchorCtr="0" anchor="ctr" bIns="91425" lIns="91425" spcFirstLastPara="1" rIns="91425" wrap="square" tIns="91425">
+          <a:bodyPr spcFirstLastPara="1" wrap="square" lIns="91425" tIns="91425" rIns="91425" bIns="91425" anchor="ctr" anchorCtr="0">
             <a:noAutofit/>
           </a:bodyPr>
           <a:lstStyle>
@@ -7212,7 +7128,7 @@
             </a:lvl9pPr>
           </a:lstStyle>
           <a:p>
-            <a:pPr indent="0" lvl="0" marL="0" rtl="0" algn="r">
+            <a:pPr marL="0" lvl="0" indent="0" algn="r" rtl="0">
               <a:spcBef>
                 <a:spcPts val="0"/>
               </a:spcBef>
@@ -7238,11 +7154,11 @@
 </file>
 
 <file path=ppt/slideLayouts/slideLayout8.xml><?xml version="1.0" encoding="utf-8"?>
-<p:sldLayout xmlns:a="http://schemas.openxmlformats.org/drawingml/2006/main" xmlns:r="http://schemas.openxmlformats.org/officeDocument/2006/relationships" xmlns:mc="http://schemas.openxmlformats.org/markup-compatibility/2006" xmlns:mv="urn:schemas-microsoft-com:mac:vml" xmlns:p="http://schemas.openxmlformats.org/presentationml/2006/main" xmlns:c="http://schemas.openxmlformats.org/drawingml/2006/chart" xmlns:dgm="http://schemas.openxmlformats.org/drawingml/2006/diagram" xmlns:o="urn:schemas-microsoft-com:office:office" xmlns:v="urn:schemas-microsoft-com:vml" xmlns:pvml="urn:schemas-microsoft-com:office:powerpoint" xmlns:com="http://schemas.openxmlformats.org/drawingml/2006/compatibility" xmlns:p14="http://schemas.microsoft.com/office/powerpoint/2010/main" xmlns:p15="http://schemas.microsoft.com/office/powerpoint/2012/main" xmlns:ahyp="http://schemas.microsoft.com/office/drawing/2018/hyperlinkcolor" matchingName="Section title and description">
+<p:sldLayout xmlns:a="http://schemas.openxmlformats.org/drawingml/2006/main" xmlns:r="http://schemas.openxmlformats.org/officeDocument/2006/relationships" xmlns:p="http://schemas.openxmlformats.org/presentationml/2006/main" matchingName="Section title and description">
   <p:cSld name="SECTION_TITLE_AND_DESCRIPTION">
     <p:spTree>
       <p:nvGrpSpPr>
-        <p:cNvPr id="91" name="Shape 91"/>
+        <p:cNvPr id="1" name="Shape 91"/>
         <p:cNvGrpSpPr/>
         <p:nvPr/>
       </p:nvGrpSpPr>
@@ -7281,7 +7197,7 @@
             </a:xfrm>
             <a:prstGeom prst="diagStripe">
               <a:avLst>
-                <a:gd fmla="val 50000" name="adj"/>
+                <a:gd name="adj" fmla="val 50000"/>
               </a:avLst>
             </a:prstGeom>
             <a:solidFill>
@@ -7292,12 +7208,12 @@
             </a:ln>
           </p:spPr>
           <p:txBody>
-            <a:bodyPr anchorCtr="0" anchor="ctr" bIns="91425" lIns="91425" spcFirstLastPara="1" rIns="91425" wrap="square" tIns="91425">
+            <a:bodyPr spcFirstLastPara="1" wrap="square" lIns="91425" tIns="91425" rIns="91425" bIns="91425" anchor="ctr" anchorCtr="0">
               <a:noAutofit/>
             </a:bodyPr>
             <a:lstStyle/>
             <a:p>
-              <a:pPr indent="0" lvl="0" marL="0" rtl="0" algn="l">
+              <a:pPr marL="0" lvl="0" indent="0" algn="l" rtl="0">
                 <a:spcBef>
                   <a:spcPts val="0"/>
                 </a:spcBef>
@@ -7306,9 +7222,6 @@
                 </a:spcAft>
                 <a:buNone/>
               </a:pPr>
-              <a:r>
-                <a:t/>
-              </a:r>
               <a:endParaRPr/>
             </a:p>
           </p:txBody>
@@ -7326,7 +7239,7 @@
             </a:xfrm>
             <a:prstGeom prst="diagStripe">
               <a:avLst>
-                <a:gd fmla="val 50000" name="adj"/>
+                <a:gd name="adj" fmla="val 50000"/>
               </a:avLst>
             </a:prstGeom>
             <a:solidFill>
@@ -7337,12 +7250,12 @@
             </a:ln>
           </p:spPr>
           <p:txBody>
-            <a:bodyPr anchorCtr="0" anchor="ctr" bIns="91425" lIns="91425" spcFirstLastPara="1" rIns="91425" wrap="square" tIns="91425">
+            <a:bodyPr spcFirstLastPara="1" wrap="square" lIns="91425" tIns="91425" rIns="91425" bIns="91425" anchor="ctr" anchorCtr="0">
               <a:noAutofit/>
             </a:bodyPr>
             <a:lstStyle/>
             <a:p>
-              <a:pPr indent="0" lvl="0" marL="0" rtl="0" algn="l">
+              <a:pPr marL="0" lvl="0" indent="0" algn="l" rtl="0">
                 <a:spcBef>
                   <a:spcPts val="0"/>
                 </a:spcBef>
@@ -7351,9 +7264,6 @@
                 </a:spcAft>
                 <a:buNone/>
               </a:pPr>
-              <a:r>
-                <a:t/>
-              </a:r>
               <a:endParaRPr/>
             </a:p>
           </p:txBody>
@@ -7362,7 +7272,9 @@
       <p:sp>
         <p:nvSpPr>
           <p:cNvPr id="95" name="Google Shape;95;p9"/>
-          <p:cNvSpPr txBox="1"/>
+          <p:cNvSpPr txBox="1">
+            <a:spLocks noGrp="1"/>
+          </p:cNvSpPr>
           <p:nvPr>
             <p:ph type="title"/>
           </p:nvPr>
@@ -7377,7 +7289,7 @@
           </a:prstGeom>
         </p:spPr>
         <p:txBody>
-          <a:bodyPr anchorCtr="0" anchor="t" bIns="91425" lIns="91425" spcFirstLastPara="1" rIns="91425" wrap="square" tIns="91425">
+          <a:bodyPr spcFirstLastPara="1" wrap="square" lIns="91425" tIns="91425" rIns="91425" bIns="91425" anchor="t" anchorCtr="0">
             <a:noAutofit/>
           </a:bodyPr>
           <a:lstStyle>
@@ -7481,15 +7393,19 @@
               <a:defRPr sz="2400"/>
             </a:lvl9pPr>
           </a:lstStyle>
-          <a:p/>
+          <a:p>
+            <a:endParaRPr/>
+          </a:p>
         </p:txBody>
       </p:sp>
       <p:sp>
         <p:nvSpPr>
           <p:cNvPr id="96" name="Google Shape;96;p9"/>
-          <p:cNvSpPr txBox="1"/>
+          <p:cNvSpPr txBox="1">
+            <a:spLocks noGrp="1"/>
+          </p:cNvSpPr>
           <p:nvPr>
-            <p:ph idx="1" type="subTitle"/>
+            <p:ph type="subTitle" idx="1"/>
           </p:nvPr>
         </p:nvSpPr>
         <p:spPr>
@@ -7502,7 +7418,7 @@
           </a:prstGeom>
         </p:spPr>
         <p:txBody>
-          <a:bodyPr anchorCtr="0" anchor="t" bIns="91425" lIns="91425" spcFirstLastPara="1" rIns="91425" wrap="square" tIns="91425">
+          <a:bodyPr spcFirstLastPara="1" wrap="square" lIns="91425" tIns="91425" rIns="91425" bIns="91425" anchor="t" anchorCtr="0">
             <a:noAutofit/>
           </a:bodyPr>
           <a:lstStyle>
@@ -7633,15 +7549,19 @@
               <a:defRPr sz="1300"/>
             </a:lvl9pPr>
           </a:lstStyle>
-          <a:p/>
+          <a:p>
+            <a:endParaRPr/>
+          </a:p>
         </p:txBody>
       </p:sp>
       <p:sp>
         <p:nvSpPr>
           <p:cNvPr id="97" name="Google Shape;97;p9"/>
-          <p:cNvSpPr txBox="1"/>
+          <p:cNvSpPr txBox="1">
+            <a:spLocks noGrp="1"/>
+          </p:cNvSpPr>
           <p:nvPr>
-            <p:ph idx="2" type="body"/>
+            <p:ph type="body" idx="2"/>
           </p:nvPr>
         </p:nvSpPr>
         <p:spPr>
@@ -7654,11 +7574,11 @@
           </a:prstGeom>
         </p:spPr>
         <p:txBody>
-          <a:bodyPr anchorCtr="0" anchor="t" bIns="91425" lIns="91425" spcFirstLastPara="1" rIns="91425" wrap="square" tIns="91425">
+          <a:bodyPr spcFirstLastPara="1" wrap="square" lIns="91425" tIns="91425" rIns="91425" bIns="91425" anchor="t" anchorCtr="0">
             <a:noAutofit/>
           </a:bodyPr>
           <a:lstStyle>
-            <a:lvl1pPr indent="-311150" lvl="0" marL="457200">
+            <a:lvl1pPr marL="457200" lvl="0" indent="-311150">
               <a:spcBef>
                 <a:spcPts val="0"/>
               </a:spcBef>
@@ -7669,7 +7589,7 @@
               <a:buChar char="●"/>
               <a:defRPr/>
             </a:lvl1pPr>
-            <a:lvl2pPr indent="-298450" lvl="1" marL="914400">
+            <a:lvl2pPr marL="914400" lvl="1" indent="-298450">
               <a:spcBef>
                 <a:spcPts val="1600"/>
               </a:spcBef>
@@ -7680,7 +7600,7 @@
               <a:buChar char="○"/>
               <a:defRPr/>
             </a:lvl2pPr>
-            <a:lvl3pPr indent="-298450" lvl="2" marL="1371600">
+            <a:lvl3pPr marL="1371600" lvl="2" indent="-298450">
               <a:spcBef>
                 <a:spcPts val="1600"/>
               </a:spcBef>
@@ -7691,7 +7611,7 @@
               <a:buChar char="■"/>
               <a:defRPr/>
             </a:lvl3pPr>
-            <a:lvl4pPr indent="-298450" lvl="3" marL="1828800">
+            <a:lvl4pPr marL="1828800" lvl="3" indent="-298450">
               <a:spcBef>
                 <a:spcPts val="1600"/>
               </a:spcBef>
@@ -7702,7 +7622,7 @@
               <a:buChar char="●"/>
               <a:defRPr/>
             </a:lvl4pPr>
-            <a:lvl5pPr indent="-298450" lvl="4" marL="2286000">
+            <a:lvl5pPr marL="2286000" lvl="4" indent="-298450">
               <a:spcBef>
                 <a:spcPts val="1600"/>
               </a:spcBef>
@@ -7713,7 +7633,7 @@
               <a:buChar char="○"/>
               <a:defRPr/>
             </a:lvl5pPr>
-            <a:lvl6pPr indent="-298450" lvl="5" marL="2743200">
+            <a:lvl6pPr marL="2743200" lvl="5" indent="-298450">
               <a:spcBef>
                 <a:spcPts val="1600"/>
               </a:spcBef>
@@ -7724,7 +7644,7 @@
               <a:buChar char="■"/>
               <a:defRPr/>
             </a:lvl6pPr>
-            <a:lvl7pPr indent="-298450" lvl="6" marL="3200400">
+            <a:lvl7pPr marL="3200400" lvl="6" indent="-298450">
               <a:spcBef>
                 <a:spcPts val="1600"/>
               </a:spcBef>
@@ -7735,7 +7655,7 @@
               <a:buChar char="●"/>
               <a:defRPr/>
             </a:lvl7pPr>
-            <a:lvl8pPr indent="-298450" lvl="7" marL="3657600">
+            <a:lvl8pPr marL="3657600" lvl="7" indent="-298450">
               <a:spcBef>
                 <a:spcPts val="1600"/>
               </a:spcBef>
@@ -7746,7 +7666,7 @@
               <a:buChar char="○"/>
               <a:defRPr/>
             </a:lvl8pPr>
-            <a:lvl9pPr indent="-298450" lvl="8" marL="4114800">
+            <a:lvl9pPr marL="4114800" lvl="8" indent="-298450">
               <a:spcBef>
                 <a:spcPts val="1600"/>
               </a:spcBef>
@@ -7758,15 +7678,19 @@
               <a:defRPr/>
             </a:lvl9pPr>
           </a:lstStyle>
-          <a:p/>
+          <a:p>
+            <a:endParaRPr/>
+          </a:p>
         </p:txBody>
       </p:sp>
       <p:sp>
         <p:nvSpPr>
           <p:cNvPr id="98" name="Google Shape;98;p9"/>
-          <p:cNvSpPr txBox="1"/>
+          <p:cNvSpPr txBox="1">
+            <a:spLocks noGrp="1"/>
+          </p:cNvSpPr>
           <p:nvPr>
-            <p:ph idx="12" type="sldNum"/>
+            <p:ph type="sldNum" idx="12"/>
           </p:nvPr>
         </p:nvSpPr>
         <p:spPr>
@@ -7779,7 +7703,7 @@
           </a:prstGeom>
         </p:spPr>
         <p:txBody>
-          <a:bodyPr anchorCtr="0" anchor="ctr" bIns="91425" lIns="91425" spcFirstLastPara="1" rIns="91425" wrap="square" tIns="91425">
+          <a:bodyPr spcFirstLastPara="1" wrap="square" lIns="91425" tIns="91425" rIns="91425" bIns="91425" anchor="ctr" anchorCtr="0">
             <a:noAutofit/>
           </a:bodyPr>
           <a:lstStyle>
@@ -7821,7 +7745,7 @@
             </a:lvl9pPr>
           </a:lstStyle>
           <a:p>
-            <a:pPr indent="0" lvl="0" marL="0" rtl="0" algn="r">
+            <a:pPr marL="0" lvl="0" indent="0" algn="r" rtl="0">
               <a:spcBef>
                 <a:spcPts val="0"/>
               </a:spcBef>
@@ -7847,11 +7771,11 @@
 </file>
 
 <file path=ppt/slideLayouts/slideLayout9.xml><?xml version="1.0" encoding="utf-8"?>
-<p:sldLayout xmlns:a="http://schemas.openxmlformats.org/drawingml/2006/main" xmlns:r="http://schemas.openxmlformats.org/officeDocument/2006/relationships" xmlns:mc="http://schemas.openxmlformats.org/markup-compatibility/2006" xmlns:mv="urn:schemas-microsoft-com:mac:vml" xmlns:p="http://schemas.openxmlformats.org/presentationml/2006/main" xmlns:c="http://schemas.openxmlformats.org/drawingml/2006/chart" xmlns:dgm="http://schemas.openxmlformats.org/drawingml/2006/diagram" xmlns:o="urn:schemas-microsoft-com:office:office" xmlns:v="urn:schemas-microsoft-com:vml" xmlns:pvml="urn:schemas-microsoft-com:office:powerpoint" xmlns:com="http://schemas.openxmlformats.org/drawingml/2006/compatibility" xmlns:p14="http://schemas.microsoft.com/office/powerpoint/2010/main" xmlns:p15="http://schemas.microsoft.com/office/powerpoint/2012/main" xmlns:ahyp="http://schemas.microsoft.com/office/drawing/2018/hyperlinkcolor" matchingName="Caption">
+<p:sldLayout xmlns:a="http://schemas.openxmlformats.org/drawingml/2006/main" xmlns:r="http://schemas.openxmlformats.org/officeDocument/2006/relationships" xmlns:p="http://schemas.openxmlformats.org/presentationml/2006/main" matchingName="Caption">
   <p:cSld name="CAPTION_ONLY">
     <p:spTree>
       <p:nvGrpSpPr>
-        <p:cNvPr id="99" name="Shape 99"/>
+        <p:cNvPr id="1" name="Shape 99"/>
         <p:cNvGrpSpPr/>
         <p:nvPr/>
       </p:nvGrpSpPr>
@@ -7890,7 +7814,7 @@
             </a:xfrm>
             <a:prstGeom prst="diagStripe">
               <a:avLst>
-                <a:gd fmla="val 50000" name="adj"/>
+                <a:gd name="adj" fmla="val 50000"/>
               </a:avLst>
             </a:prstGeom>
             <a:solidFill>
@@ -7903,12 +7827,12 @@
             </a:ln>
           </p:spPr>
           <p:txBody>
-            <a:bodyPr anchorCtr="0" anchor="ctr" bIns="91425" lIns="91425" spcFirstLastPara="1" rIns="91425" wrap="square" tIns="91425">
+            <a:bodyPr spcFirstLastPara="1" wrap="square" lIns="91425" tIns="91425" rIns="91425" bIns="91425" anchor="ctr" anchorCtr="0">
               <a:noAutofit/>
             </a:bodyPr>
             <a:lstStyle/>
             <a:p>
-              <a:pPr indent="0" lvl="0" marL="0" rtl="0" algn="l">
+              <a:pPr marL="0" lvl="0" indent="0" algn="l" rtl="0">
                 <a:spcBef>
                   <a:spcPts val="0"/>
                 </a:spcBef>
@@ -7917,9 +7841,6 @@
                 </a:spcAft>
                 <a:buNone/>
               </a:pPr>
-              <a:r>
-                <a:t/>
-              </a:r>
               <a:endParaRPr/>
             </a:p>
           </p:txBody>
@@ -7937,7 +7858,7 @@
             </a:xfrm>
             <a:prstGeom prst="diagStripe">
               <a:avLst>
-                <a:gd fmla="val 50000" name="adj"/>
+                <a:gd name="adj" fmla="val 50000"/>
               </a:avLst>
             </a:prstGeom>
             <a:solidFill>
@@ -7950,12 +7871,12 @@
             </a:ln>
           </p:spPr>
           <p:txBody>
-            <a:bodyPr anchorCtr="0" anchor="ctr" bIns="91425" lIns="91425" spcFirstLastPara="1" rIns="91425" wrap="square" tIns="91425">
+            <a:bodyPr spcFirstLastPara="1" wrap="square" lIns="91425" tIns="91425" rIns="91425" bIns="91425" anchor="ctr" anchorCtr="0">
               <a:noAutofit/>
             </a:bodyPr>
             <a:lstStyle/>
             <a:p>
-              <a:pPr indent="0" lvl="0" marL="0" rtl="0" algn="l">
+              <a:pPr marL="0" lvl="0" indent="0" algn="l" rtl="0">
                 <a:spcBef>
                   <a:spcPts val="0"/>
                 </a:spcBef>
@@ -7964,9 +7885,6 @@
                 </a:spcAft>
                 <a:buNone/>
               </a:pPr>
-              <a:r>
-                <a:t/>
-              </a:r>
               <a:endParaRPr/>
             </a:p>
           </p:txBody>
@@ -7975,9 +7893,11 @@
       <p:sp>
         <p:nvSpPr>
           <p:cNvPr id="103" name="Google Shape;103;p10"/>
-          <p:cNvSpPr txBox="1"/>
+          <p:cNvSpPr txBox="1">
+            <a:spLocks noGrp="1"/>
+          </p:cNvSpPr>
           <p:nvPr>
-            <p:ph idx="1" type="body"/>
+            <p:ph type="body" idx="1"/>
           </p:nvPr>
         </p:nvSpPr>
         <p:spPr>
@@ -7990,11 +7910,11 @@
           </a:prstGeom>
         </p:spPr>
         <p:txBody>
-          <a:bodyPr anchorCtr="0" anchor="ctr" bIns="91425" lIns="91425" spcFirstLastPara="1" rIns="91425" wrap="square" tIns="91425">
+          <a:bodyPr spcFirstLastPara="1" wrap="square" lIns="91425" tIns="91425" rIns="91425" bIns="91425" anchor="ctr" anchorCtr="0">
             <a:noAutofit/>
           </a:bodyPr>
           <a:lstStyle>
-            <a:lvl1pPr indent="-228600" lvl="0" marL="457200">
+            <a:lvl1pPr marL="457200" lvl="0" indent="-228600">
               <a:lnSpc>
                 <a:spcPct val="100000"/>
               </a:lnSpc>
@@ -8009,15 +7929,19 @@
               <a:defRPr/>
             </a:lvl1pPr>
           </a:lstStyle>
-          <a:p/>
+          <a:p>
+            <a:endParaRPr/>
+          </a:p>
         </p:txBody>
       </p:sp>
       <p:sp>
         <p:nvSpPr>
           <p:cNvPr id="104" name="Google Shape;104;p10"/>
-          <p:cNvSpPr txBox="1"/>
+          <p:cNvSpPr txBox="1">
+            <a:spLocks noGrp="1"/>
+          </p:cNvSpPr>
           <p:nvPr>
-            <p:ph idx="12" type="sldNum"/>
+            <p:ph type="sldNum" idx="12"/>
           </p:nvPr>
         </p:nvSpPr>
         <p:spPr>
@@ -8030,7 +7954,7 @@
           </a:prstGeom>
         </p:spPr>
         <p:txBody>
-          <a:bodyPr anchorCtr="0" anchor="ctr" bIns="91425" lIns="91425" spcFirstLastPara="1" rIns="91425" wrap="square" tIns="91425">
+          <a:bodyPr spcFirstLastPara="1" wrap="square" lIns="91425" tIns="91425" rIns="91425" bIns="91425" anchor="ctr" anchorCtr="0">
             <a:noAutofit/>
           </a:bodyPr>
           <a:lstStyle>
@@ -8072,7 +7996,7 @@
             </a:lvl9pPr>
           </a:lstStyle>
           <a:p>
-            <a:pPr indent="0" lvl="0" marL="0" rtl="0" algn="r">
+            <a:pPr marL="0" lvl="0" indent="0" algn="r" rtl="0">
               <a:spcBef>
                 <a:spcPts val="0"/>
               </a:spcBef>
@@ -8098,18 +8022,19 @@
 </file>
 
 <file path=ppt/slideMasters/slideMaster1.xml><?xml version="1.0" encoding="utf-8"?>
-<p:sldMaster xmlns:a="http://schemas.openxmlformats.org/drawingml/2006/main" xmlns:r="http://schemas.openxmlformats.org/officeDocument/2006/relationships" xmlns:mc="http://schemas.openxmlformats.org/markup-compatibility/2006" xmlns:mv="urn:schemas-microsoft-com:mac:vml" xmlns:p="http://schemas.openxmlformats.org/presentationml/2006/main" xmlns:c="http://schemas.openxmlformats.org/drawingml/2006/chart" xmlns:dgm="http://schemas.openxmlformats.org/drawingml/2006/diagram" xmlns:o="urn:schemas-microsoft-com:office:office" xmlns:v="urn:schemas-microsoft-com:vml" xmlns:pvml="urn:schemas-microsoft-com:office:powerpoint" xmlns:com="http://schemas.openxmlformats.org/drawingml/2006/compatibility" xmlns:p14="http://schemas.microsoft.com/office/powerpoint/2010/main" xmlns:p15="http://schemas.microsoft.com/office/powerpoint/2012/main" xmlns:ahyp="http://schemas.microsoft.com/office/drawing/2018/hyperlinkcolor">
+<p:sldMaster xmlns:a="http://schemas.openxmlformats.org/drawingml/2006/main" xmlns:r="http://schemas.openxmlformats.org/officeDocument/2006/relationships" xmlns:p="http://schemas.openxmlformats.org/presentationml/2006/main">
   <p:cSld name="focus">
     <p:bg>
       <p:bgPr>
         <a:solidFill>
           <a:schemeClr val="dk1"/>
         </a:solidFill>
+        <a:effectLst/>
       </p:bgPr>
     </p:bg>
     <p:spTree>
       <p:nvGrpSpPr>
-        <p:cNvPr id="5" name="Shape 5"/>
+        <p:cNvPr id="1" name="Shape 5"/>
         <p:cNvGrpSpPr/>
         <p:nvPr/>
       </p:nvGrpSpPr>
@@ -8124,7 +8049,9 @@
       <p:sp>
         <p:nvSpPr>
           <p:cNvPr id="6" name="Google Shape;6;p1"/>
-          <p:cNvSpPr txBox="1"/>
+          <p:cNvSpPr txBox="1">
+            <a:spLocks noGrp="1"/>
+          </p:cNvSpPr>
           <p:nvPr>
             <p:ph type="title"/>
           </p:nvPr>
@@ -8143,7 +8070,7 @@
           </a:ln>
         </p:spPr>
         <p:txBody>
-          <a:bodyPr anchorCtr="0" anchor="t" bIns="91425" lIns="91425" spcFirstLastPara="1" rIns="91425" wrap="square" tIns="91425">
+          <a:bodyPr spcFirstLastPara="1" wrap="square" lIns="91425" tIns="91425" rIns="91425" bIns="91425" anchor="t" anchorCtr="0">
             <a:noAutofit/>
           </a:bodyPr>
           <a:lstStyle>
@@ -8355,15 +8282,19 @@
               </a:defRPr>
             </a:lvl9pPr>
           </a:lstStyle>
-          <a:p/>
+          <a:p>
+            <a:endParaRPr/>
+          </a:p>
         </p:txBody>
       </p:sp>
       <p:sp>
         <p:nvSpPr>
           <p:cNvPr id="7" name="Google Shape;7;p1"/>
-          <p:cNvSpPr txBox="1"/>
+          <p:cNvSpPr txBox="1">
+            <a:spLocks noGrp="1"/>
+          </p:cNvSpPr>
           <p:nvPr>
-            <p:ph idx="1" type="body"/>
+            <p:ph type="body" idx="1"/>
           </p:nvPr>
         </p:nvSpPr>
         <p:spPr>
@@ -8380,11 +8311,11 @@
           </a:ln>
         </p:spPr>
         <p:txBody>
-          <a:bodyPr anchorCtr="0" anchor="t" bIns="91425" lIns="91425" spcFirstLastPara="1" rIns="91425" wrap="square" tIns="91425">
+          <a:bodyPr spcFirstLastPara="1" wrap="square" lIns="91425" tIns="91425" rIns="91425" bIns="91425" anchor="t" anchorCtr="0">
             <a:noAutofit/>
           </a:bodyPr>
           <a:lstStyle>
-            <a:lvl1pPr indent="-311150" lvl="0" marL="457200">
+            <a:lvl1pPr marL="457200" lvl="0" indent="-311150">
               <a:lnSpc>
                 <a:spcPct val="115000"/>
               </a:lnSpc>
@@ -8410,7 +8341,7 @@
                 <a:sym typeface="Lato"/>
               </a:defRPr>
             </a:lvl1pPr>
-            <a:lvl2pPr indent="-298450" lvl="1" marL="914400">
+            <a:lvl2pPr marL="914400" lvl="1" indent="-298450">
               <a:lnSpc>
                 <a:spcPct val="115000"/>
               </a:lnSpc>
@@ -8436,7 +8367,7 @@
                 <a:sym typeface="Lato"/>
               </a:defRPr>
             </a:lvl2pPr>
-            <a:lvl3pPr indent="-298450" lvl="2" marL="1371600">
+            <a:lvl3pPr marL="1371600" lvl="2" indent="-298450">
               <a:lnSpc>
                 <a:spcPct val="115000"/>
               </a:lnSpc>
@@ -8462,7 +8393,7 @@
                 <a:sym typeface="Lato"/>
               </a:defRPr>
             </a:lvl3pPr>
-            <a:lvl4pPr indent="-298450" lvl="3" marL="1828800">
+            <a:lvl4pPr marL="1828800" lvl="3" indent="-298450">
               <a:lnSpc>
                 <a:spcPct val="115000"/>
               </a:lnSpc>
@@ -8488,7 +8419,7 @@
                 <a:sym typeface="Lato"/>
               </a:defRPr>
             </a:lvl4pPr>
-            <a:lvl5pPr indent="-298450" lvl="4" marL="2286000">
+            <a:lvl5pPr marL="2286000" lvl="4" indent="-298450">
               <a:lnSpc>
                 <a:spcPct val="115000"/>
               </a:lnSpc>
@@ -8514,7 +8445,7 @@
                 <a:sym typeface="Lato"/>
               </a:defRPr>
             </a:lvl5pPr>
-            <a:lvl6pPr indent="-298450" lvl="5" marL="2743200">
+            <a:lvl6pPr marL="2743200" lvl="5" indent="-298450">
               <a:lnSpc>
                 <a:spcPct val="115000"/>
               </a:lnSpc>
@@ -8540,7 +8471,7 @@
                 <a:sym typeface="Lato"/>
               </a:defRPr>
             </a:lvl6pPr>
-            <a:lvl7pPr indent="-298450" lvl="6" marL="3200400">
+            <a:lvl7pPr marL="3200400" lvl="6" indent="-298450">
               <a:lnSpc>
                 <a:spcPct val="115000"/>
               </a:lnSpc>
@@ -8566,7 +8497,7 @@
                 <a:sym typeface="Lato"/>
               </a:defRPr>
             </a:lvl7pPr>
-            <a:lvl8pPr indent="-298450" lvl="7" marL="3657600">
+            <a:lvl8pPr marL="3657600" lvl="7" indent="-298450">
               <a:lnSpc>
                 <a:spcPct val="115000"/>
               </a:lnSpc>
@@ -8592,7 +8523,7 @@
                 <a:sym typeface="Lato"/>
               </a:defRPr>
             </a:lvl8pPr>
-            <a:lvl9pPr indent="-298450" lvl="8" marL="4114800">
+            <a:lvl9pPr marL="4114800" lvl="8" indent="-298450">
               <a:lnSpc>
                 <a:spcPct val="115000"/>
               </a:lnSpc>
@@ -8619,15 +8550,19 @@
               </a:defRPr>
             </a:lvl9pPr>
           </a:lstStyle>
-          <a:p/>
+          <a:p>
+            <a:endParaRPr/>
+          </a:p>
         </p:txBody>
       </p:sp>
       <p:sp>
         <p:nvSpPr>
           <p:cNvPr id="8" name="Google Shape;8;p1"/>
-          <p:cNvSpPr txBox="1"/>
+          <p:cNvSpPr txBox="1">
+            <a:spLocks noGrp="1"/>
+          </p:cNvSpPr>
           <p:nvPr>
-            <p:ph idx="12" type="sldNum"/>
+            <p:ph type="sldNum" idx="12"/>
           </p:nvPr>
         </p:nvSpPr>
         <p:spPr>
@@ -8644,7 +8579,7 @@
           </a:ln>
         </p:spPr>
         <p:txBody>
-          <a:bodyPr anchorCtr="0" anchor="ctr" bIns="91425" lIns="91425" spcFirstLastPara="1" rIns="91425" wrap="square" tIns="91425">
+          <a:bodyPr spcFirstLastPara="1" wrap="square" lIns="91425" tIns="91425" rIns="91425" bIns="91425" anchor="ctr" anchorCtr="0">
             <a:noAutofit/>
           </a:bodyPr>
           <a:lstStyle>
@@ -8758,7 +8693,7 @@
             </a:lvl9pPr>
           </a:lstStyle>
           <a:p>
-            <a:pPr indent="0" lvl="0" marL="0" rtl="0" algn="r">
+            <a:pPr marL="0" lvl="0" indent="0" algn="r" rtl="0">
               <a:spcBef>
                 <a:spcPts val="0"/>
               </a:spcBef>
@@ -8777,7 +8712,7 @@
       </p:sp>
     </p:spTree>
   </p:cSld>
-  <p:clrMap accent1="accent1" accent2="accent2" accent3="accent3" accent4="accent4" accent5="accent5" accent6="accent6" bg1="lt1" bg2="dk2" tx1="dk1" tx2="lt2" folHlink="folHlink" hlink="hlink"/>
+  <p:clrMap bg1="lt1" tx1="dk1" bg2="dk2" tx2="lt2" accent1="accent1" accent2="accent2" accent3="accent3" accent4="accent4" accent5="accent5" accent6="accent6" hlink="hlink" folHlink="folHlink"/>
   <p:sldLayoutIdLst>
     <p:sldLayoutId id="2147483648" r:id="rId1"/>
     <p:sldLayoutId id="2147483649" r:id="rId2"/>
@@ -8791,10 +8726,10 @@
     <p:sldLayoutId id="2147483657" r:id="rId10"/>
     <p:sldLayoutId id="2147483658" r:id="rId11"/>
   </p:sldLayoutIdLst>
-  <p:hf dt="0" ftr="0" hdr="0" sldNum="0"/>
+  <p:hf sldNum="0" hdr="0" ftr="0" dt="0"/>
   <p:txStyles>
     <p:titleStyle>
-      <a:defPPr lvl="0" marR="0" rtl="0" algn="l">
+      <a:defPPr marR="0" lvl="0" algn="l" rtl="0">
         <a:lnSpc>
           <a:spcPct val="100000"/>
         </a:lnSpc>
@@ -8805,7 +8740,7 @@
           <a:spcPts val="0"/>
         </a:spcAft>
       </a:defPPr>
-      <a:lvl1pPr lvl="0" marR="0" rtl="0" algn="l">
+      <a:lvl1pPr marR="0" lvl="0" algn="l" rtl="0">
         <a:lnSpc>
           <a:spcPct val="100000"/>
         </a:lnSpc>
@@ -8819,7 +8754,7 @@
           <a:srgbClr val="000000"/>
         </a:buClr>
         <a:buFont typeface="Arial"/>
-        <a:defRPr b="0" i="0" sz="1400" u="none" cap="none" strike="noStrike">
+        <a:defRPr sz="1400" b="0" i="0" u="none" strike="noStrike" cap="none">
           <a:solidFill>
             <a:srgbClr val="000000"/>
           </a:solidFill>
@@ -8829,7 +8764,7 @@
           <a:sym typeface="Arial"/>
         </a:defRPr>
       </a:lvl1pPr>
-      <a:lvl2pPr lvl="1" marR="0" rtl="0" algn="l">
+      <a:lvl2pPr marR="0" lvl="1" algn="l" rtl="0">
         <a:lnSpc>
           <a:spcPct val="100000"/>
         </a:lnSpc>
@@ -8843,7 +8778,7 @@
           <a:srgbClr val="000000"/>
         </a:buClr>
         <a:buFont typeface="Arial"/>
-        <a:defRPr b="0" i="0" sz="1400" u="none" cap="none" strike="noStrike">
+        <a:defRPr sz="1400" b="0" i="0" u="none" strike="noStrike" cap="none">
           <a:solidFill>
             <a:srgbClr val="000000"/>
           </a:solidFill>
@@ -8853,7 +8788,7 @@
           <a:sym typeface="Arial"/>
         </a:defRPr>
       </a:lvl2pPr>
-      <a:lvl3pPr lvl="2" marR="0" rtl="0" algn="l">
+      <a:lvl3pPr marR="0" lvl="2" algn="l" rtl="0">
         <a:lnSpc>
           <a:spcPct val="100000"/>
         </a:lnSpc>
@@ -8867,7 +8802,7 @@
           <a:srgbClr val="000000"/>
         </a:buClr>
         <a:buFont typeface="Arial"/>
-        <a:defRPr b="0" i="0" sz="1400" u="none" cap="none" strike="noStrike">
+        <a:defRPr sz="1400" b="0" i="0" u="none" strike="noStrike" cap="none">
           <a:solidFill>
             <a:srgbClr val="000000"/>
           </a:solidFill>
@@ -8877,7 +8812,7 @@
           <a:sym typeface="Arial"/>
         </a:defRPr>
       </a:lvl3pPr>
-      <a:lvl4pPr lvl="3" marR="0" rtl="0" algn="l">
+      <a:lvl4pPr marR="0" lvl="3" algn="l" rtl="0">
         <a:lnSpc>
           <a:spcPct val="100000"/>
         </a:lnSpc>
@@ -8891,7 +8826,7 @@
           <a:srgbClr val="000000"/>
         </a:buClr>
         <a:buFont typeface="Arial"/>
-        <a:defRPr b="0" i="0" sz="1400" u="none" cap="none" strike="noStrike">
+        <a:defRPr sz="1400" b="0" i="0" u="none" strike="noStrike" cap="none">
           <a:solidFill>
             <a:srgbClr val="000000"/>
           </a:solidFill>
@@ -8901,7 +8836,7 @@
           <a:sym typeface="Arial"/>
         </a:defRPr>
       </a:lvl4pPr>
-      <a:lvl5pPr lvl="4" marR="0" rtl="0" algn="l">
+      <a:lvl5pPr marR="0" lvl="4" algn="l" rtl="0">
         <a:lnSpc>
           <a:spcPct val="100000"/>
         </a:lnSpc>
@@ -8915,7 +8850,7 @@
           <a:srgbClr val="000000"/>
         </a:buClr>
         <a:buFont typeface="Arial"/>
-        <a:defRPr b="0" i="0" sz="1400" u="none" cap="none" strike="noStrike">
+        <a:defRPr sz="1400" b="0" i="0" u="none" strike="noStrike" cap="none">
           <a:solidFill>
             <a:srgbClr val="000000"/>
           </a:solidFill>
@@ -8925,7 +8860,7 @@
           <a:sym typeface="Arial"/>
         </a:defRPr>
       </a:lvl5pPr>
-      <a:lvl6pPr lvl="5" marR="0" rtl="0" algn="l">
+      <a:lvl6pPr marR="0" lvl="5" algn="l" rtl="0">
         <a:lnSpc>
           <a:spcPct val="100000"/>
         </a:lnSpc>
@@ -8939,7 +8874,7 @@
           <a:srgbClr val="000000"/>
         </a:buClr>
         <a:buFont typeface="Arial"/>
-        <a:defRPr b="0" i="0" sz="1400" u="none" cap="none" strike="noStrike">
+        <a:defRPr sz="1400" b="0" i="0" u="none" strike="noStrike" cap="none">
           <a:solidFill>
             <a:srgbClr val="000000"/>
           </a:solidFill>
@@ -8949,7 +8884,7 @@
           <a:sym typeface="Arial"/>
         </a:defRPr>
       </a:lvl6pPr>
-      <a:lvl7pPr lvl="6" marR="0" rtl="0" algn="l">
+      <a:lvl7pPr marR="0" lvl="6" algn="l" rtl="0">
         <a:lnSpc>
           <a:spcPct val="100000"/>
         </a:lnSpc>
@@ -8963,7 +8898,7 @@
           <a:srgbClr val="000000"/>
         </a:buClr>
         <a:buFont typeface="Arial"/>
-        <a:defRPr b="0" i="0" sz="1400" u="none" cap="none" strike="noStrike">
+        <a:defRPr sz="1400" b="0" i="0" u="none" strike="noStrike" cap="none">
           <a:solidFill>
             <a:srgbClr val="000000"/>
           </a:solidFill>
@@ -8973,7 +8908,7 @@
           <a:sym typeface="Arial"/>
         </a:defRPr>
       </a:lvl7pPr>
-      <a:lvl8pPr lvl="7" marR="0" rtl="0" algn="l">
+      <a:lvl8pPr marR="0" lvl="7" algn="l" rtl="0">
         <a:lnSpc>
           <a:spcPct val="100000"/>
         </a:lnSpc>
@@ -8987,7 +8922,7 @@
           <a:srgbClr val="000000"/>
         </a:buClr>
         <a:buFont typeface="Arial"/>
-        <a:defRPr b="0" i="0" sz="1400" u="none" cap="none" strike="noStrike">
+        <a:defRPr sz="1400" b="0" i="0" u="none" strike="noStrike" cap="none">
           <a:solidFill>
             <a:srgbClr val="000000"/>
           </a:solidFill>
@@ -8997,7 +8932,7 @@
           <a:sym typeface="Arial"/>
         </a:defRPr>
       </a:lvl8pPr>
-      <a:lvl9pPr lvl="8" marR="0" rtl="0" algn="l">
+      <a:lvl9pPr marR="0" lvl="8" algn="l" rtl="0">
         <a:lnSpc>
           <a:spcPct val="100000"/>
         </a:lnSpc>
@@ -9011,7 +8946,7 @@
           <a:srgbClr val="000000"/>
         </a:buClr>
         <a:buFont typeface="Arial"/>
-        <a:defRPr b="0" i="0" sz="1400" u="none" cap="none" strike="noStrike">
+        <a:defRPr sz="1400" b="0" i="0" u="none" strike="noStrike" cap="none">
           <a:solidFill>
             <a:srgbClr val="000000"/>
           </a:solidFill>
@@ -9023,7 +8958,7 @@
       </a:lvl9pPr>
     </p:titleStyle>
     <p:bodyStyle>
-      <a:defPPr lvl="0" marR="0" rtl="0" algn="l">
+      <a:defPPr marR="0" lvl="0" algn="l" rtl="0">
         <a:lnSpc>
           <a:spcPct val="100000"/>
         </a:lnSpc>
@@ -9034,7 +8969,7 @@
           <a:spcPts val="0"/>
         </a:spcAft>
       </a:defPPr>
-      <a:lvl1pPr lvl="0" marR="0" rtl="0" algn="l">
+      <a:lvl1pPr marR="0" lvl="0" algn="l" rtl="0">
         <a:lnSpc>
           <a:spcPct val="100000"/>
         </a:lnSpc>
@@ -9048,7 +8983,7 @@
           <a:srgbClr val="000000"/>
         </a:buClr>
         <a:buFont typeface="Arial"/>
-        <a:defRPr b="0" i="0" sz="1400" u="none" cap="none" strike="noStrike">
+        <a:defRPr sz="1400" b="0" i="0" u="none" strike="noStrike" cap="none">
           <a:solidFill>
             <a:srgbClr val="000000"/>
           </a:solidFill>
@@ -9058,7 +8993,7 @@
           <a:sym typeface="Arial"/>
         </a:defRPr>
       </a:lvl1pPr>
-      <a:lvl2pPr lvl="1" marR="0" rtl="0" algn="l">
+      <a:lvl2pPr marR="0" lvl="1" algn="l" rtl="0">
         <a:lnSpc>
           <a:spcPct val="100000"/>
         </a:lnSpc>
@@ -9072,7 +9007,7 @@
           <a:srgbClr val="000000"/>
         </a:buClr>
         <a:buFont typeface="Arial"/>
-        <a:defRPr b="0" i="0" sz="1400" u="none" cap="none" strike="noStrike">
+        <a:defRPr sz="1400" b="0" i="0" u="none" strike="noStrike" cap="none">
           <a:solidFill>
             <a:srgbClr val="000000"/>
           </a:solidFill>
@@ -9082,7 +9017,7 @@
           <a:sym typeface="Arial"/>
         </a:defRPr>
       </a:lvl2pPr>
-      <a:lvl3pPr lvl="2" marR="0" rtl="0" algn="l">
+      <a:lvl3pPr marR="0" lvl="2" algn="l" rtl="0">
         <a:lnSpc>
           <a:spcPct val="100000"/>
         </a:lnSpc>
@@ -9096,7 +9031,7 @@
           <a:srgbClr val="000000"/>
         </a:buClr>
         <a:buFont typeface="Arial"/>
-        <a:defRPr b="0" i="0" sz="1400" u="none" cap="none" strike="noStrike">
+        <a:defRPr sz="1400" b="0" i="0" u="none" strike="noStrike" cap="none">
           <a:solidFill>
             <a:srgbClr val="000000"/>
           </a:solidFill>
@@ -9106,7 +9041,7 @@
           <a:sym typeface="Arial"/>
         </a:defRPr>
       </a:lvl3pPr>
-      <a:lvl4pPr lvl="3" marR="0" rtl="0" algn="l">
+      <a:lvl4pPr marR="0" lvl="3" algn="l" rtl="0">
         <a:lnSpc>
           <a:spcPct val="100000"/>
         </a:lnSpc>
@@ -9120,7 +9055,7 @@
           <a:srgbClr val="000000"/>
         </a:buClr>
         <a:buFont typeface="Arial"/>
-        <a:defRPr b="0" i="0" sz="1400" u="none" cap="none" strike="noStrike">
+        <a:defRPr sz="1400" b="0" i="0" u="none" strike="noStrike" cap="none">
           <a:solidFill>
             <a:srgbClr val="000000"/>
           </a:solidFill>
@@ -9130,7 +9065,7 @@
           <a:sym typeface="Arial"/>
         </a:defRPr>
       </a:lvl4pPr>
-      <a:lvl5pPr lvl="4" marR="0" rtl="0" algn="l">
+      <a:lvl5pPr marR="0" lvl="4" algn="l" rtl="0">
         <a:lnSpc>
           <a:spcPct val="100000"/>
         </a:lnSpc>
@@ -9144,7 +9079,7 @@
           <a:srgbClr val="000000"/>
         </a:buClr>
         <a:buFont typeface="Arial"/>
-        <a:defRPr b="0" i="0" sz="1400" u="none" cap="none" strike="noStrike">
+        <a:defRPr sz="1400" b="0" i="0" u="none" strike="noStrike" cap="none">
           <a:solidFill>
             <a:srgbClr val="000000"/>
           </a:solidFill>
@@ -9154,7 +9089,7 @@
           <a:sym typeface="Arial"/>
         </a:defRPr>
       </a:lvl5pPr>
-      <a:lvl6pPr lvl="5" marR="0" rtl="0" algn="l">
+      <a:lvl6pPr marR="0" lvl="5" algn="l" rtl="0">
         <a:lnSpc>
           <a:spcPct val="100000"/>
         </a:lnSpc>
@@ -9168,7 +9103,7 @@
           <a:srgbClr val="000000"/>
         </a:buClr>
         <a:buFont typeface="Arial"/>
-        <a:defRPr b="0" i="0" sz="1400" u="none" cap="none" strike="noStrike">
+        <a:defRPr sz="1400" b="0" i="0" u="none" strike="noStrike" cap="none">
           <a:solidFill>
             <a:srgbClr val="000000"/>
           </a:solidFill>
@@ -9178,7 +9113,7 @@
           <a:sym typeface="Arial"/>
         </a:defRPr>
       </a:lvl6pPr>
-      <a:lvl7pPr lvl="6" marR="0" rtl="0" algn="l">
+      <a:lvl7pPr marR="0" lvl="6" algn="l" rtl="0">
         <a:lnSpc>
           <a:spcPct val="100000"/>
         </a:lnSpc>
@@ -9192,7 +9127,7 @@
           <a:srgbClr val="000000"/>
         </a:buClr>
         <a:buFont typeface="Arial"/>
-        <a:defRPr b="0" i="0" sz="1400" u="none" cap="none" strike="noStrike">
+        <a:defRPr sz="1400" b="0" i="0" u="none" strike="noStrike" cap="none">
           <a:solidFill>
             <a:srgbClr val="000000"/>
           </a:solidFill>
@@ -9202,7 +9137,7 @@
           <a:sym typeface="Arial"/>
         </a:defRPr>
       </a:lvl7pPr>
-      <a:lvl8pPr lvl="7" marR="0" rtl="0" algn="l">
+      <a:lvl8pPr marR="0" lvl="7" algn="l" rtl="0">
         <a:lnSpc>
           <a:spcPct val="100000"/>
         </a:lnSpc>
@@ -9216,7 +9151,7 @@
           <a:srgbClr val="000000"/>
         </a:buClr>
         <a:buFont typeface="Arial"/>
-        <a:defRPr b="0" i="0" sz="1400" u="none" cap="none" strike="noStrike">
+        <a:defRPr sz="1400" b="0" i="0" u="none" strike="noStrike" cap="none">
           <a:solidFill>
             <a:srgbClr val="000000"/>
           </a:solidFill>
@@ -9226,7 +9161,7 @@
           <a:sym typeface="Arial"/>
         </a:defRPr>
       </a:lvl8pPr>
-      <a:lvl9pPr lvl="8" marR="0" rtl="0" algn="l">
+      <a:lvl9pPr marR="0" lvl="8" algn="l" rtl="0">
         <a:lnSpc>
           <a:spcPct val="100000"/>
         </a:lnSpc>
@@ -9240,7 +9175,7 @@
           <a:srgbClr val="000000"/>
         </a:buClr>
         <a:buFont typeface="Arial"/>
-        <a:defRPr b="0" i="0" sz="1400" u="none" cap="none" strike="noStrike">
+        <a:defRPr sz="1400" b="0" i="0" u="none" strike="noStrike" cap="none">
           <a:solidFill>
             <a:srgbClr val="000000"/>
           </a:solidFill>
@@ -9252,7 +9187,7 @@
       </a:lvl9pPr>
     </p:bodyStyle>
     <p:otherStyle>
-      <a:defPPr lvl="0" marR="0" rtl="0" algn="l">
+      <a:defPPr marR="0" lvl="0" algn="l" rtl="0">
         <a:lnSpc>
           <a:spcPct val="100000"/>
         </a:lnSpc>
@@ -9263,7 +9198,7 @@
           <a:spcPts val="0"/>
         </a:spcAft>
       </a:defPPr>
-      <a:lvl1pPr lvl="0" marR="0" rtl="0" algn="l">
+      <a:lvl1pPr marR="0" lvl="0" algn="l" rtl="0">
         <a:lnSpc>
           <a:spcPct val="100000"/>
         </a:lnSpc>
@@ -9277,7 +9212,7 @@
           <a:srgbClr val="000000"/>
         </a:buClr>
         <a:buFont typeface="Arial"/>
-        <a:defRPr b="0" i="0" sz="1400" u="none" cap="none" strike="noStrike">
+        <a:defRPr sz="1400" b="0" i="0" u="none" strike="noStrike" cap="none">
           <a:solidFill>
             <a:srgbClr val="000000"/>
           </a:solidFill>
@@ -9287,7 +9222,7 @@
           <a:sym typeface="Arial"/>
         </a:defRPr>
       </a:lvl1pPr>
-      <a:lvl2pPr lvl="1" marR="0" rtl="0" algn="l">
+      <a:lvl2pPr marR="0" lvl="1" algn="l" rtl="0">
         <a:lnSpc>
           <a:spcPct val="100000"/>
         </a:lnSpc>
@@ -9301,7 +9236,7 @@
           <a:srgbClr val="000000"/>
         </a:buClr>
         <a:buFont typeface="Arial"/>
-        <a:defRPr b="0" i="0" sz="1400" u="none" cap="none" strike="noStrike">
+        <a:defRPr sz="1400" b="0" i="0" u="none" strike="noStrike" cap="none">
           <a:solidFill>
             <a:srgbClr val="000000"/>
           </a:solidFill>
@@ -9311,7 +9246,7 @@
           <a:sym typeface="Arial"/>
         </a:defRPr>
       </a:lvl2pPr>
-      <a:lvl3pPr lvl="2" marR="0" rtl="0" algn="l">
+      <a:lvl3pPr marR="0" lvl="2" algn="l" rtl="0">
         <a:lnSpc>
           <a:spcPct val="100000"/>
         </a:lnSpc>
@@ -9325,7 +9260,7 @@
           <a:srgbClr val="000000"/>
         </a:buClr>
         <a:buFont typeface="Arial"/>
-        <a:defRPr b="0" i="0" sz="1400" u="none" cap="none" strike="noStrike">
+        <a:defRPr sz="1400" b="0" i="0" u="none" strike="noStrike" cap="none">
           <a:solidFill>
             <a:srgbClr val="000000"/>
           </a:solidFill>
@@ -9335,7 +9270,7 @@
           <a:sym typeface="Arial"/>
         </a:defRPr>
       </a:lvl3pPr>
-      <a:lvl4pPr lvl="3" marR="0" rtl="0" algn="l">
+      <a:lvl4pPr marR="0" lvl="3" algn="l" rtl="0">
         <a:lnSpc>
           <a:spcPct val="100000"/>
         </a:lnSpc>
@@ -9349,7 +9284,7 @@
           <a:srgbClr val="000000"/>
         </a:buClr>
         <a:buFont typeface="Arial"/>
-        <a:defRPr b="0" i="0" sz="1400" u="none" cap="none" strike="noStrike">
+        <a:defRPr sz="1400" b="0" i="0" u="none" strike="noStrike" cap="none">
           <a:solidFill>
             <a:srgbClr val="000000"/>
           </a:solidFill>
@@ -9359,7 +9294,7 @@
           <a:sym typeface="Arial"/>
         </a:defRPr>
       </a:lvl4pPr>
-      <a:lvl5pPr lvl="4" marR="0" rtl="0" algn="l">
+      <a:lvl5pPr marR="0" lvl="4" algn="l" rtl="0">
         <a:lnSpc>
           <a:spcPct val="100000"/>
         </a:lnSpc>
@@ -9373,7 +9308,7 @@
           <a:srgbClr val="000000"/>
         </a:buClr>
         <a:buFont typeface="Arial"/>
-        <a:defRPr b="0" i="0" sz="1400" u="none" cap="none" strike="noStrike">
+        <a:defRPr sz="1400" b="0" i="0" u="none" strike="noStrike" cap="none">
           <a:solidFill>
             <a:srgbClr val="000000"/>
           </a:solidFill>
@@ -9383,7 +9318,7 @@
           <a:sym typeface="Arial"/>
         </a:defRPr>
       </a:lvl5pPr>
-      <a:lvl6pPr lvl="5" marR="0" rtl="0" algn="l">
+      <a:lvl6pPr marR="0" lvl="5" algn="l" rtl="0">
         <a:lnSpc>
           <a:spcPct val="100000"/>
         </a:lnSpc>
@@ -9397,7 +9332,7 @@
           <a:srgbClr val="000000"/>
         </a:buClr>
         <a:buFont typeface="Arial"/>
-        <a:defRPr b="0" i="0" sz="1400" u="none" cap="none" strike="noStrike">
+        <a:defRPr sz="1400" b="0" i="0" u="none" strike="noStrike" cap="none">
           <a:solidFill>
             <a:srgbClr val="000000"/>
           </a:solidFill>
@@ -9407,7 +9342,7 @@
           <a:sym typeface="Arial"/>
         </a:defRPr>
       </a:lvl6pPr>
-      <a:lvl7pPr lvl="6" marR="0" rtl="0" algn="l">
+      <a:lvl7pPr marR="0" lvl="6" algn="l" rtl="0">
         <a:lnSpc>
           <a:spcPct val="100000"/>
         </a:lnSpc>
@@ -9421,7 +9356,7 @@
           <a:srgbClr val="000000"/>
         </a:buClr>
         <a:buFont typeface="Arial"/>
-        <a:defRPr b="0" i="0" sz="1400" u="none" cap="none" strike="noStrike">
+        <a:defRPr sz="1400" b="0" i="0" u="none" strike="noStrike" cap="none">
           <a:solidFill>
             <a:srgbClr val="000000"/>
           </a:solidFill>
@@ -9431,7 +9366,7 @@
           <a:sym typeface="Arial"/>
         </a:defRPr>
       </a:lvl7pPr>
-      <a:lvl8pPr lvl="7" marR="0" rtl="0" algn="l">
+      <a:lvl8pPr marR="0" lvl="7" algn="l" rtl="0">
         <a:lnSpc>
           <a:spcPct val="100000"/>
         </a:lnSpc>
@@ -9445,7 +9380,7 @@
           <a:srgbClr val="000000"/>
         </a:buClr>
         <a:buFont typeface="Arial"/>
-        <a:defRPr b="0" i="0" sz="1400" u="none" cap="none" strike="noStrike">
+        <a:defRPr sz="1400" b="0" i="0" u="none" strike="noStrike" cap="none">
           <a:solidFill>
             <a:srgbClr val="000000"/>
           </a:solidFill>
@@ -9455,7 +9390,7 @@
           <a:sym typeface="Arial"/>
         </a:defRPr>
       </a:lvl8pPr>
-      <a:lvl9pPr lvl="8" marR="0" rtl="0" algn="l">
+      <a:lvl9pPr marR="0" lvl="8" algn="l" rtl="0">
         <a:lnSpc>
           <a:spcPct val="100000"/>
         </a:lnSpc>
@@ -9469,7 +9404,7 @@
           <a:srgbClr val="000000"/>
         </a:buClr>
         <a:buFont typeface="Arial"/>
-        <a:defRPr b="0" i="0" sz="1400" u="none" cap="none" strike="noStrike">
+        <a:defRPr sz="1400" b="0" i="0" u="none" strike="noStrike" cap="none">
           <a:solidFill>
             <a:srgbClr val="000000"/>
           </a:solidFill>
@@ -9485,11 +9420,11 @@
 </file>
 
 <file path=ppt/slides/slide1.xml><?xml version="1.0" encoding="utf-8"?>
-<p:sld xmlns:a="http://schemas.openxmlformats.org/drawingml/2006/main" xmlns:r="http://schemas.openxmlformats.org/officeDocument/2006/relationships" xmlns:mc="http://schemas.openxmlformats.org/markup-compatibility/2006" xmlns:mv="urn:schemas-microsoft-com:mac:vml" xmlns:p="http://schemas.openxmlformats.org/presentationml/2006/main" xmlns:c="http://schemas.openxmlformats.org/drawingml/2006/chart" xmlns:dgm="http://schemas.openxmlformats.org/drawingml/2006/diagram" xmlns:o="urn:schemas-microsoft-com:office:office" xmlns:v="urn:schemas-microsoft-com:vml" xmlns:pvml="urn:schemas-microsoft-com:office:powerpoint" xmlns:com="http://schemas.openxmlformats.org/drawingml/2006/compatibility" xmlns:p14="http://schemas.microsoft.com/office/powerpoint/2010/main" xmlns:p15="http://schemas.microsoft.com/office/powerpoint/2012/main" xmlns:ahyp="http://schemas.microsoft.com/office/drawing/2018/hyperlinkcolor">
+<p:sld xmlns:a="http://schemas.openxmlformats.org/drawingml/2006/main" xmlns:r="http://schemas.openxmlformats.org/officeDocument/2006/relationships" xmlns:p="http://schemas.openxmlformats.org/presentationml/2006/main">
   <p:cSld>
     <p:spTree>
       <p:nvGrpSpPr>
-        <p:cNvPr id="133" name="Shape 133"/>
+        <p:cNvPr id="1" name="Shape 133"/>
         <p:cNvGrpSpPr/>
         <p:nvPr/>
       </p:nvGrpSpPr>
@@ -9504,7 +9439,9 @@
       <p:sp>
         <p:nvSpPr>
           <p:cNvPr id="134" name="Google Shape;134;p13"/>
-          <p:cNvSpPr txBox="1"/>
+          <p:cNvSpPr txBox="1">
+            <a:spLocks noGrp="1"/>
+          </p:cNvSpPr>
           <p:nvPr>
             <p:ph type="ctrTitle"/>
           </p:nvPr>
@@ -9519,12 +9456,12 @@
           </a:prstGeom>
         </p:spPr>
         <p:txBody>
-          <a:bodyPr anchorCtr="0" anchor="t" bIns="91425" lIns="91425" spcFirstLastPara="1" rIns="91425" wrap="square" tIns="91425">
+          <a:bodyPr spcFirstLastPara="1" wrap="square" lIns="91425" tIns="91425" rIns="91425" bIns="91425" anchor="t" anchorCtr="0">
             <a:noAutofit/>
           </a:bodyPr>
           <a:lstStyle/>
           <a:p>
-            <a:pPr indent="0" lvl="0" marL="0" rtl="0" algn="ctr">
+            <a:pPr marL="0" lvl="0" indent="0" algn="ctr" rtl="0">
               <a:spcBef>
                 <a:spcPts val="0"/>
               </a:spcBef>
@@ -9534,19 +9471,21 @@
               <a:buNone/>
             </a:pPr>
             <a:r>
-              <a:rPr b="1" lang="en" sz="3500"/>
+              <a:rPr lang="en" sz="3500" b="1"/>
               <a:t>Infrastructure walkthrough on Machine Learning project.</a:t>
             </a:r>
-            <a:endParaRPr b="1" sz="3500"/>
+            <a:endParaRPr sz="3500" b="1"/>
           </a:p>
         </p:txBody>
       </p:sp>
       <p:sp>
         <p:nvSpPr>
           <p:cNvPr id="135" name="Google Shape;135;p13"/>
-          <p:cNvSpPr txBox="1"/>
+          <p:cNvSpPr txBox="1">
+            <a:spLocks noGrp="1"/>
+          </p:cNvSpPr>
           <p:nvPr>
-            <p:ph idx="1" type="subTitle"/>
+            <p:ph type="subTitle" idx="1"/>
           </p:nvPr>
         </p:nvSpPr>
         <p:spPr>
@@ -9559,12 +9498,12 @@
           </a:prstGeom>
         </p:spPr>
         <p:txBody>
-          <a:bodyPr anchorCtr="0" anchor="t" bIns="91425" lIns="91425" spcFirstLastPara="1" rIns="91425" wrap="square" tIns="91425">
+          <a:bodyPr spcFirstLastPara="1" wrap="square" lIns="91425" tIns="91425" rIns="91425" bIns="91425" anchor="t" anchorCtr="0">
             <a:noAutofit/>
           </a:bodyPr>
           <a:lstStyle/>
           <a:p>
-            <a:pPr indent="0" lvl="0" marL="0" rtl="0" algn="ctr">
+            <a:pPr marL="0" lvl="0" indent="0" algn="ctr" rtl="0">
               <a:spcBef>
                 <a:spcPts val="0"/>
               </a:spcBef>
@@ -9580,7 +9519,7 @@
             <a:endParaRPr/>
           </a:p>
           <a:p>
-            <a:pPr indent="0" lvl="0" marL="0" rtl="0" algn="ctr">
+            <a:pPr marL="0" lvl="0" indent="0" algn="ctr" rtl="0">
               <a:spcBef>
                 <a:spcPts val="0"/>
               </a:spcBef>
@@ -9590,21 +9529,13 @@
               <a:buNone/>
             </a:pPr>
             <a:r>
-              <a:rPr b="1" lang="en" sz="1600"/>
-              <a:t>Credit Card Fraud </a:t>
+              <a:rPr lang="en" sz="1600" b="1"/>
+              <a:t>Credit Card Fraud detection/Prediction </a:t>
             </a:r>
-            <a:r>
-              <a:rPr b="1" lang="en" sz="1600"/>
-              <a:t>detection</a:t>
-            </a:r>
-            <a:r>
-              <a:rPr b="1" lang="en" sz="1600"/>
-              <a:t>/Prediction </a:t>
-            </a:r>
-            <a:endParaRPr b="1" sz="1600"/>
+            <a:endParaRPr sz="1600" b="1"/>
           </a:p>
           <a:p>
-            <a:pPr indent="0" lvl="0" marL="0" rtl="0" algn="ctr">
+            <a:pPr marL="0" lvl="0" indent="0" algn="ctr" rtl="0">
               <a:spcBef>
                 <a:spcPts val="0"/>
               </a:spcBef>
@@ -9614,19 +9545,21 @@
               <a:buNone/>
             </a:pPr>
             <a:r>
-              <a:rPr b="1" lang="en" sz="1600"/>
+              <a:rPr lang="en" sz="1600" b="1"/>
               <a:t>WebApp Using Machine Learning</a:t>
             </a:r>
-            <a:endParaRPr b="1" sz="1600"/>
+            <a:endParaRPr sz="1600" b="1"/>
           </a:p>
         </p:txBody>
       </p:sp>
       <p:sp>
         <p:nvSpPr>
           <p:cNvPr id="136" name="Google Shape;136;p13"/>
-          <p:cNvSpPr txBox="1"/>
+          <p:cNvSpPr txBox="1">
+            <a:spLocks noGrp="1"/>
+          </p:cNvSpPr>
           <p:nvPr>
-            <p:ph idx="1" type="subTitle"/>
+            <p:ph type="subTitle" idx="1"/>
           </p:nvPr>
         </p:nvSpPr>
         <p:spPr>
@@ -9639,12 +9572,12 @@
           </a:prstGeom>
         </p:spPr>
         <p:txBody>
-          <a:bodyPr anchorCtr="0" anchor="t" bIns="91425" lIns="91425" spcFirstLastPara="1" rIns="91425" wrap="square" tIns="91425">
+          <a:bodyPr spcFirstLastPara="1" wrap="square" lIns="91425" tIns="91425" rIns="91425" bIns="91425" anchor="t" anchorCtr="0">
             <a:noAutofit/>
           </a:bodyPr>
           <a:lstStyle/>
           <a:p>
-            <a:pPr indent="0" lvl="0" marL="0" rtl="0" algn="l">
+            <a:pPr marL="0" lvl="0" indent="0" algn="l" rtl="0">
               <a:spcBef>
                 <a:spcPts val="0"/>
               </a:spcBef>
@@ -9670,11 +9603,11 @@
 </file>
 
 <file path=ppt/slides/slide2.xml><?xml version="1.0" encoding="utf-8"?>
-<p:sld xmlns:a="http://schemas.openxmlformats.org/drawingml/2006/main" xmlns:r="http://schemas.openxmlformats.org/officeDocument/2006/relationships" xmlns:mc="http://schemas.openxmlformats.org/markup-compatibility/2006" xmlns:mv="urn:schemas-microsoft-com:mac:vml" xmlns:p="http://schemas.openxmlformats.org/presentationml/2006/main" xmlns:c="http://schemas.openxmlformats.org/drawingml/2006/chart" xmlns:dgm="http://schemas.openxmlformats.org/drawingml/2006/diagram" xmlns:o="urn:schemas-microsoft-com:office:office" xmlns:v="urn:schemas-microsoft-com:vml" xmlns:pvml="urn:schemas-microsoft-com:office:powerpoint" xmlns:com="http://schemas.openxmlformats.org/drawingml/2006/compatibility" xmlns:p14="http://schemas.microsoft.com/office/powerpoint/2010/main" xmlns:p15="http://schemas.microsoft.com/office/powerpoint/2012/main" xmlns:ahyp="http://schemas.microsoft.com/office/drawing/2018/hyperlinkcolor">
+<p:sld xmlns:a="http://schemas.openxmlformats.org/drawingml/2006/main" xmlns:r="http://schemas.openxmlformats.org/officeDocument/2006/relationships" xmlns:p="http://schemas.openxmlformats.org/presentationml/2006/main">
   <p:cSld>
     <p:spTree>
       <p:nvGrpSpPr>
-        <p:cNvPr id="140" name="Shape 140"/>
+        <p:cNvPr id="1" name="Shape 140"/>
         <p:cNvGrpSpPr/>
         <p:nvPr/>
       </p:nvGrpSpPr>
@@ -9689,7 +9622,9 @@
       <p:sp>
         <p:nvSpPr>
           <p:cNvPr id="141" name="Google Shape;141;p14"/>
-          <p:cNvSpPr txBox="1"/>
+          <p:cNvSpPr txBox="1">
+            <a:spLocks noGrp="1"/>
+          </p:cNvSpPr>
           <p:nvPr>
             <p:ph type="title"/>
           </p:nvPr>
@@ -9704,12 +9639,12 @@
           </a:prstGeom>
         </p:spPr>
         <p:txBody>
-          <a:bodyPr anchorCtr="0" anchor="t" bIns="91425" lIns="91425" spcFirstLastPara="1" rIns="91425" wrap="square" tIns="91425">
+          <a:bodyPr spcFirstLastPara="1" wrap="square" lIns="91425" tIns="91425" rIns="91425" bIns="91425" anchor="t" anchorCtr="0">
             <a:noAutofit/>
           </a:bodyPr>
           <a:lstStyle/>
           <a:p>
-            <a:pPr indent="0" lvl="0" marL="0" rtl="0" algn="l">
+            <a:pPr marL="0" lvl="0" indent="0" algn="l" rtl="0">
               <a:spcBef>
                 <a:spcPts val="0"/>
               </a:spcBef>
@@ -9719,7 +9654,7 @@
               <a:buNone/>
             </a:pPr>
             <a:r>
-              <a:rPr b="1" lang="en"/>
+              <a:rPr lang="en" b="1"/>
               <a:t>Project Summary:</a:t>
             </a:r>
             <a:endParaRPr b="1"/>
@@ -9729,9 +9664,11 @@
       <p:sp>
         <p:nvSpPr>
           <p:cNvPr id="142" name="Google Shape;142;p14"/>
-          <p:cNvSpPr txBox="1"/>
+          <p:cNvSpPr txBox="1">
+            <a:spLocks noGrp="1"/>
+          </p:cNvSpPr>
           <p:nvPr>
-            <p:ph idx="1" type="body"/>
+            <p:ph type="body" idx="1"/>
           </p:nvPr>
         </p:nvSpPr>
         <p:spPr>
@@ -9744,12 +9681,12 @@
           </a:prstGeom>
         </p:spPr>
         <p:txBody>
-          <a:bodyPr anchorCtr="0" anchor="t" bIns="91425" lIns="91425" spcFirstLastPara="1" rIns="91425" wrap="square" tIns="91425">
+          <a:bodyPr spcFirstLastPara="1" wrap="square" lIns="91425" tIns="91425" rIns="91425" bIns="91425" anchor="t" anchorCtr="0">
             <a:noAutofit/>
           </a:bodyPr>
           <a:lstStyle/>
           <a:p>
-            <a:pPr indent="0" lvl="0" marL="0" rtl="0" algn="l">
+            <a:pPr marL="0" lvl="0" indent="0" algn="l" rtl="0">
               <a:spcBef>
                 <a:spcPts val="0"/>
               </a:spcBef>
@@ -9758,13 +9695,10 @@
               </a:spcAft>
               <a:buNone/>
             </a:pPr>
-            <a:r>
-              <a:t/>
-            </a:r>
             <a:endParaRPr/>
           </a:p>
           <a:p>
-            <a:pPr indent="0" lvl="0" marL="0" rtl="0" algn="l">
+            <a:pPr marL="0" lvl="0" indent="0" algn="l" rtl="0">
               <a:spcBef>
                 <a:spcPts val="1600"/>
               </a:spcBef>
@@ -9773,13 +9707,10 @@
               </a:spcAft>
               <a:buNone/>
             </a:pPr>
-            <a:r>
-              <a:t/>
-            </a:r>
             <a:endParaRPr/>
           </a:p>
           <a:p>
-            <a:pPr indent="0" lvl="0" marL="0" rtl="0" algn="l">
+            <a:pPr marL="0" lvl="0" indent="0" algn="l" rtl="0">
               <a:spcBef>
                 <a:spcPts val="1600"/>
               </a:spcBef>
@@ -9795,7 +9726,7 @@
             <a:endParaRPr/>
           </a:p>
           <a:p>
-            <a:pPr indent="0" lvl="0" marL="0" rtl="0" algn="l">
+            <a:pPr marL="0" lvl="0" indent="0" algn="l" rtl="0">
               <a:spcBef>
                 <a:spcPts val="1600"/>
               </a:spcBef>
@@ -9806,16 +9737,12 @@
             </a:pPr>
             <a:r>
               <a:rPr lang="en"/>
-              <a:t>According to Forbes: </a:t>
-            </a:r>
-            <a:r>
-              <a:rPr lang="en"/>
-              <a:t>Approximately 3.7 percent of individuals—or 8.3 million Americans—were victims of some sort of identity fraud within the past year. The average amount stolen is somewhere in the neighborhood of $1,882 per victim, not including time and money spent trying to remedy the identity fraud. In other words, identity thieves are stealing more than $15.5 billion each year.</a:t>
+              <a:t>According to Forbes: Approximately 3.7 percent of individuals—or 8.3 million Americans—were victims of some sort of identity fraud within the past year. The average amount stolen is somewhere in the neighborhood of $1,882 per victim, not including time and money spent trying to remedy the identity fraud. In other words, identity thieves are stealing more than $15.5 billion each year.</a:t>
             </a:r>
             <a:endParaRPr/>
           </a:p>
           <a:p>
-            <a:pPr indent="0" lvl="0" marL="0" rtl="0" algn="l">
+            <a:pPr marL="0" lvl="0" indent="0" algn="l" rtl="0">
               <a:spcBef>
                 <a:spcPts val="1600"/>
               </a:spcBef>
@@ -9826,15 +9753,7 @@
             </a:pPr>
             <a:r>
               <a:rPr lang="en"/>
-              <a:t>This project will be focusing on credit card fraud detection using Machine Learning  algorithm. The project will use different </a:t>
-            </a:r>
-            <a:r>
-              <a:rPr lang="en"/>
-              <a:t>infrastructure</a:t>
-            </a:r>
-            <a:r>
-              <a:rPr lang="en"/>
-              <a:t> within the context of technologies that has been learned. </a:t>
+              <a:t>This project will be focusing on credit card fraud detection using Machine Learning  algorithm. The project will use different infrastructure within the context of technologies that has been learned. </a:t>
             </a:r>
             <a:endParaRPr/>
           </a:p>
@@ -9849,11 +9768,11 @@
 </file>
 
 <file path=ppt/slides/slide3.xml><?xml version="1.0" encoding="utf-8"?>
-<p:sld xmlns:a="http://schemas.openxmlformats.org/drawingml/2006/main" xmlns:r="http://schemas.openxmlformats.org/officeDocument/2006/relationships" xmlns:mc="http://schemas.openxmlformats.org/markup-compatibility/2006" xmlns:mv="urn:schemas-microsoft-com:mac:vml" xmlns:p="http://schemas.openxmlformats.org/presentationml/2006/main" xmlns:c="http://schemas.openxmlformats.org/drawingml/2006/chart" xmlns:dgm="http://schemas.openxmlformats.org/drawingml/2006/diagram" xmlns:o="urn:schemas-microsoft-com:office:office" xmlns:v="urn:schemas-microsoft-com:vml" xmlns:pvml="urn:schemas-microsoft-com:office:powerpoint" xmlns:com="http://schemas.openxmlformats.org/drawingml/2006/compatibility" xmlns:p14="http://schemas.microsoft.com/office/powerpoint/2010/main" xmlns:p15="http://schemas.microsoft.com/office/powerpoint/2012/main" xmlns:ahyp="http://schemas.microsoft.com/office/drawing/2018/hyperlinkcolor">
+<p:sld xmlns:a="http://schemas.openxmlformats.org/drawingml/2006/main" xmlns:r="http://schemas.openxmlformats.org/officeDocument/2006/relationships" xmlns:p="http://schemas.openxmlformats.org/presentationml/2006/main">
   <p:cSld>
     <p:spTree>
       <p:nvGrpSpPr>
-        <p:cNvPr id="146" name="Shape 146"/>
+        <p:cNvPr id="1" name="Shape 146"/>
         <p:cNvGrpSpPr/>
         <p:nvPr/>
       </p:nvGrpSpPr>
@@ -9868,7 +9787,9 @@
       <p:sp>
         <p:nvSpPr>
           <p:cNvPr id="147" name="Google Shape;147;p15"/>
-          <p:cNvSpPr txBox="1"/>
+          <p:cNvSpPr txBox="1">
+            <a:spLocks noGrp="1"/>
+          </p:cNvSpPr>
           <p:nvPr>
             <p:ph type="title"/>
           </p:nvPr>
@@ -9883,12 +9804,12 @@
           </a:prstGeom>
         </p:spPr>
         <p:txBody>
-          <a:bodyPr anchorCtr="0" anchor="t" bIns="91425" lIns="91425" spcFirstLastPara="1" rIns="91425" wrap="square" tIns="91425">
+          <a:bodyPr spcFirstLastPara="1" wrap="square" lIns="91425" tIns="91425" rIns="91425" bIns="91425" anchor="t" anchorCtr="0">
             <a:noAutofit/>
           </a:bodyPr>
           <a:lstStyle/>
           <a:p>
-            <a:pPr indent="0" lvl="0" marL="0" rtl="0" algn="l">
+            <a:pPr marL="0" lvl="0" indent="0" algn="l" rtl="0">
               <a:spcBef>
                 <a:spcPts val="0"/>
               </a:spcBef>
@@ -9898,7 +9819,7 @@
               <a:buNone/>
             </a:pPr>
             <a:r>
-              <a:rPr b="1" lang="en"/>
+              <a:rPr lang="en" b="1"/>
               <a:t>About the Project</a:t>
             </a:r>
             <a:endParaRPr b="1"/>
@@ -9908,9 +9829,11 @@
       <p:sp>
         <p:nvSpPr>
           <p:cNvPr id="148" name="Google Shape;148;p15"/>
-          <p:cNvSpPr txBox="1"/>
+          <p:cNvSpPr txBox="1">
+            <a:spLocks noGrp="1"/>
+          </p:cNvSpPr>
           <p:nvPr>
-            <p:ph idx="1" type="body"/>
+            <p:ph type="body" idx="1"/>
           </p:nvPr>
         </p:nvSpPr>
         <p:spPr>
@@ -9923,12 +9846,12 @@
           </a:prstGeom>
         </p:spPr>
         <p:txBody>
-          <a:bodyPr anchorCtr="0" anchor="t" bIns="91425" lIns="91425" spcFirstLastPara="1" rIns="91425" wrap="square" tIns="91425">
+          <a:bodyPr spcFirstLastPara="1" wrap="square" lIns="91425" tIns="91425" rIns="91425" bIns="91425" anchor="t" anchorCtr="0">
             <a:noAutofit/>
           </a:bodyPr>
           <a:lstStyle/>
           <a:p>
-            <a:pPr indent="0" lvl="0" marL="0" rtl="0" algn="l">
+            <a:pPr marL="0" lvl="0" indent="0" algn="l" rtl="0">
               <a:spcBef>
                 <a:spcPts val="0"/>
               </a:spcBef>
@@ -9939,36 +9862,12 @@
             </a:pPr>
             <a:r>
               <a:rPr lang="en"/>
-              <a:t>Machine Learning and </a:t>
-            </a:r>
-            <a:r>
-              <a:rPr lang="en"/>
-              <a:t>its</a:t>
-            </a:r>
-            <a:r>
-              <a:rPr lang="en"/>
-              <a:t> importance can never be </a:t>
-            </a:r>
-            <a:r>
-              <a:rPr lang="en"/>
-              <a:t>referred</a:t>
-            </a:r>
-            <a:r>
-              <a:rPr lang="en"/>
-              <a:t> to as being overrated. In this project, our target is to look into the </a:t>
-            </a:r>
-            <a:r>
-              <a:rPr lang="en"/>
-              <a:t>past trends in our dataset</a:t>
-            </a:r>
-            <a:r>
-              <a:rPr lang="en"/>
-              <a:t> and ensure that we train our data based on this to be able to help us detect/predict a fraudulent transaction when fed with another dataset. I will be studying the data, model it by using the  Logistic Regression and Random Forest Algorithm. Since the Data set is highly unbalanced from the source (kaggle.com), I have done some data exploratory analysis to keep balanced and to improve model prediction accuracy level. Hence, the web application is more efficient in solving the problem.</a:t>
+              <a:t>Machine Learning and its importance can never be referred to as being overrated. In this project, our target is to look into the past trends in our dataset and ensure that we train our data based on this to be able to help us detect/predict a fraudulent transaction when fed with another dataset. I will be studying the data, model it by using the  Logistic Regression and Random Forest Algorithm. Since the Data set is highly unbalanced from the source (kaggle.com), I have done some data exploratory analysis to keep balanced and to improve model prediction accuracy level. Hence, the web application is more efficient in solving the problem.</a:t>
             </a:r>
             <a:endParaRPr/>
           </a:p>
           <a:p>
-            <a:pPr indent="0" lvl="0" marL="0" rtl="0" algn="l">
+            <a:pPr marL="0" lvl="0" indent="0" algn="l" rtl="0">
               <a:spcBef>
                 <a:spcPts val="1100"/>
               </a:spcBef>
@@ -9979,20 +9878,12 @@
             </a:pPr>
             <a:r>
               <a:rPr lang="en"/>
-              <a:t>In this project, I have tried to exemplify the moulding of the dataset making use of a machine learning classification, and </a:t>
-            </a:r>
-            <a:r>
-              <a:rPr lang="en"/>
-              <a:t>my focus being </a:t>
-            </a:r>
-            <a:r>
-              <a:rPr lang="en"/>
-              <a:t>the fraud detection in credit card transactions. </a:t>
+              <a:t>In this project, I have tried to exemplify the moulding of the dataset making use of a machine learning classification, and my focus being the fraud detection in credit card transactions. </a:t>
             </a:r>
             <a:endParaRPr/>
           </a:p>
           <a:p>
-            <a:pPr indent="0" lvl="0" marL="0" rtl="0" algn="l">
+            <a:pPr marL="0" lvl="0" indent="0" algn="l" rtl="0">
               <a:spcBef>
                 <a:spcPts val="1100"/>
               </a:spcBef>
@@ -10021,7 +9912,7 @@
             <a:endParaRPr/>
           </a:p>
           <a:p>
-            <a:pPr indent="0" lvl="0" marL="0" rtl="0" algn="l">
+            <a:pPr marL="0" lvl="0" indent="0" algn="l" rtl="0">
               <a:spcBef>
                 <a:spcPts val="1100"/>
               </a:spcBef>
@@ -10037,7 +9928,7 @@
             <a:endParaRPr/>
           </a:p>
           <a:p>
-            <a:pPr indent="0" lvl="0" marL="0" rtl="0" algn="l">
+            <a:pPr marL="0" lvl="0" indent="0" algn="l" rtl="0">
               <a:spcBef>
                 <a:spcPts val="1100"/>
               </a:spcBef>
@@ -10046,9 +9937,6 @@
               </a:spcAft>
               <a:buNone/>
             </a:pPr>
-            <a:r>
-              <a:t/>
-            </a:r>
             <a:endParaRPr/>
           </a:p>
         </p:txBody>
@@ -10062,11 +9950,11 @@
 </file>
 
 <file path=ppt/slides/slide4.xml><?xml version="1.0" encoding="utf-8"?>
-<p:sld xmlns:a="http://schemas.openxmlformats.org/drawingml/2006/main" xmlns:r="http://schemas.openxmlformats.org/officeDocument/2006/relationships" xmlns:mc="http://schemas.openxmlformats.org/markup-compatibility/2006" xmlns:mv="urn:schemas-microsoft-com:mac:vml" xmlns:p="http://schemas.openxmlformats.org/presentationml/2006/main" xmlns:c="http://schemas.openxmlformats.org/drawingml/2006/chart" xmlns:dgm="http://schemas.openxmlformats.org/drawingml/2006/diagram" xmlns:o="urn:schemas-microsoft-com:office:office" xmlns:v="urn:schemas-microsoft-com:vml" xmlns:pvml="urn:schemas-microsoft-com:office:powerpoint" xmlns:com="http://schemas.openxmlformats.org/drawingml/2006/compatibility" xmlns:p14="http://schemas.microsoft.com/office/powerpoint/2010/main" xmlns:p15="http://schemas.microsoft.com/office/powerpoint/2012/main" xmlns:ahyp="http://schemas.microsoft.com/office/drawing/2018/hyperlinkcolor">
+<p:sld xmlns:a="http://schemas.openxmlformats.org/drawingml/2006/main" xmlns:r="http://schemas.openxmlformats.org/officeDocument/2006/relationships" xmlns:p="http://schemas.openxmlformats.org/presentationml/2006/main">
   <p:cSld>
     <p:spTree>
       <p:nvGrpSpPr>
-        <p:cNvPr id="152" name="Shape 152"/>
+        <p:cNvPr id="1" name="Shape 152"/>
         <p:cNvGrpSpPr/>
         <p:nvPr/>
       </p:nvGrpSpPr>
@@ -10081,7 +9969,9 @@
       <p:sp>
         <p:nvSpPr>
           <p:cNvPr id="153" name="Google Shape;153;p16"/>
-          <p:cNvSpPr txBox="1"/>
+          <p:cNvSpPr txBox="1">
+            <a:spLocks noGrp="1"/>
+          </p:cNvSpPr>
           <p:nvPr>
             <p:ph type="title"/>
           </p:nvPr>
@@ -10096,12 +9986,12 @@
           </a:prstGeom>
         </p:spPr>
         <p:txBody>
-          <a:bodyPr anchorCtr="0" anchor="t" bIns="91425" lIns="91425" spcFirstLastPara="1" rIns="91425" wrap="square" tIns="91425">
+          <a:bodyPr spcFirstLastPara="1" wrap="square" lIns="91425" tIns="91425" rIns="91425" bIns="91425" anchor="t" anchorCtr="0">
             <a:noAutofit/>
           </a:bodyPr>
           <a:lstStyle/>
           <a:p>
-            <a:pPr indent="0" lvl="0" marL="0" rtl="0" algn="l">
+            <a:pPr marL="0" lvl="0" indent="0" algn="l" rtl="0">
               <a:spcBef>
                 <a:spcPts val="0"/>
               </a:spcBef>
@@ -10111,7 +10001,7 @@
               <a:buNone/>
             </a:pPr>
             <a:r>
-              <a:rPr b="1" lang="en"/>
+              <a:rPr lang="en" b="1"/>
               <a:t>The Dataset:</a:t>
             </a:r>
             <a:endParaRPr b="1"/>
@@ -10121,9 +10011,11 @@
       <p:sp>
         <p:nvSpPr>
           <p:cNvPr id="154" name="Google Shape;154;p16"/>
-          <p:cNvSpPr txBox="1"/>
+          <p:cNvSpPr txBox="1">
+            <a:spLocks noGrp="1"/>
+          </p:cNvSpPr>
           <p:nvPr>
-            <p:ph idx="1" type="body"/>
+            <p:ph type="body" idx="1"/>
           </p:nvPr>
         </p:nvSpPr>
         <p:spPr>
@@ -10136,12 +10028,12 @@
           </a:prstGeom>
         </p:spPr>
         <p:txBody>
-          <a:bodyPr anchorCtr="0" anchor="t" bIns="91425" lIns="91425" spcFirstLastPara="1" rIns="91425" wrap="square" tIns="91425">
+          <a:bodyPr spcFirstLastPara="1" wrap="square" lIns="91425" tIns="91425" rIns="91425" bIns="91425" anchor="t" anchorCtr="0">
             <a:noAutofit/>
           </a:bodyPr>
           <a:lstStyle/>
           <a:p>
-            <a:pPr indent="0" lvl="0" marL="0" marR="0" rtl="0" algn="l">
+            <a:pPr marL="0" marR="0" lvl="0" indent="0" algn="l" rtl="0">
               <a:lnSpc>
                 <a:spcPct val="115000"/>
               </a:lnSpc>
@@ -10153,13 +10045,10 @@
               </a:spcAft>
               <a:buNone/>
             </a:pPr>
-            <a:r>
-              <a:t/>
-            </a:r>
             <a:endParaRPr/>
           </a:p>
           <a:p>
-            <a:pPr indent="0" lvl="0" marL="0" marR="0" rtl="0" algn="l">
+            <a:pPr marL="0" marR="0" lvl="0" indent="0" algn="l" rtl="0">
               <a:lnSpc>
                 <a:spcPct val="115000"/>
               </a:lnSpc>
@@ -10178,7 +10067,7 @@
             <a:endParaRPr/>
           </a:p>
           <a:p>
-            <a:pPr indent="0" lvl="0" marL="0" marR="0" rtl="0" algn="l">
+            <a:pPr marL="0" marR="0" lvl="0" indent="0" algn="l" rtl="0">
               <a:lnSpc>
                 <a:spcPct val="115000"/>
               </a:lnSpc>
@@ -10197,7 +10086,7 @@
             <a:endParaRPr/>
           </a:p>
           <a:p>
-            <a:pPr indent="0" lvl="0" marL="0" marR="0" rtl="0" algn="l">
+            <a:pPr marL="0" marR="0" lvl="0" indent="0" algn="l" rtl="0">
               <a:lnSpc>
                 <a:spcPct val="115000"/>
               </a:lnSpc>
@@ -10216,7 +10105,7 @@
             <a:endParaRPr/>
           </a:p>
           <a:p>
-            <a:pPr indent="0" lvl="0" marL="0" rtl="0" algn="l">
+            <a:pPr marL="0" lvl="0" indent="0" algn="l" rtl="0">
               <a:spcBef>
                 <a:spcPts val="2400"/>
               </a:spcBef>
@@ -10232,7 +10121,7 @@
             <a:endParaRPr/>
           </a:p>
           <a:p>
-            <a:pPr indent="0" lvl="0" marL="0" rtl="0" algn="l">
+            <a:pPr marL="0" lvl="0" indent="0" algn="l" rtl="0">
               <a:spcBef>
                 <a:spcPts val="1200"/>
               </a:spcBef>
@@ -10248,7 +10137,7 @@
             <a:endParaRPr/>
           </a:p>
           <a:p>
-            <a:pPr indent="0" lvl="0" marL="0" rtl="0" algn="l">
+            <a:pPr marL="0" lvl="0" indent="0" algn="l" rtl="0">
               <a:spcBef>
                 <a:spcPts val="800"/>
               </a:spcBef>
@@ -10264,7 +10153,7 @@
             <a:endParaRPr/>
           </a:p>
           <a:p>
-            <a:pPr indent="0" lvl="0" marL="0" rtl="0" algn="l">
+            <a:pPr marL="0" lvl="0" indent="0" algn="l" rtl="0">
               <a:spcBef>
                 <a:spcPts val="800"/>
               </a:spcBef>
@@ -10280,7 +10169,7 @@
             <a:endParaRPr/>
           </a:p>
           <a:p>
-            <a:pPr indent="0" lvl="0" marL="0" rtl="0" algn="l">
+            <a:pPr marL="0" lvl="0" indent="0" algn="l" rtl="0">
               <a:spcBef>
                 <a:spcPts val="800"/>
               </a:spcBef>
@@ -10289,13 +10178,10 @@
               </a:spcAft>
               <a:buNone/>
             </a:pPr>
-            <a:r>
-              <a:t/>
-            </a:r>
             <a:endParaRPr/>
           </a:p>
           <a:p>
-            <a:pPr indent="0" lvl="0" marL="0" rtl="0" algn="l">
+            <a:pPr marL="0" lvl="0" indent="0" algn="l" rtl="0">
               <a:spcBef>
                 <a:spcPts val="800"/>
               </a:spcBef>
@@ -10304,9 +10190,6 @@
               </a:spcAft>
               <a:buNone/>
             </a:pPr>
-            <a:r>
-              <a:t/>
-            </a:r>
             <a:endParaRPr/>
           </a:p>
         </p:txBody>
@@ -10320,11 +10203,11 @@
 </file>
 
 <file path=ppt/slides/slide5.xml><?xml version="1.0" encoding="utf-8"?>
-<p:sld xmlns:a="http://schemas.openxmlformats.org/drawingml/2006/main" xmlns:r="http://schemas.openxmlformats.org/officeDocument/2006/relationships" xmlns:mc="http://schemas.openxmlformats.org/markup-compatibility/2006" xmlns:mv="urn:schemas-microsoft-com:mac:vml" xmlns:p="http://schemas.openxmlformats.org/presentationml/2006/main" xmlns:c="http://schemas.openxmlformats.org/drawingml/2006/chart" xmlns:dgm="http://schemas.openxmlformats.org/drawingml/2006/diagram" xmlns:o="urn:schemas-microsoft-com:office:office" xmlns:v="urn:schemas-microsoft-com:vml" xmlns:pvml="urn:schemas-microsoft-com:office:powerpoint" xmlns:com="http://schemas.openxmlformats.org/drawingml/2006/compatibility" xmlns:p14="http://schemas.microsoft.com/office/powerpoint/2010/main" xmlns:p15="http://schemas.microsoft.com/office/powerpoint/2012/main" xmlns:ahyp="http://schemas.microsoft.com/office/drawing/2018/hyperlinkcolor">
+<p:sld xmlns:a="http://schemas.openxmlformats.org/drawingml/2006/main" xmlns:r="http://schemas.openxmlformats.org/officeDocument/2006/relationships" xmlns:p="http://schemas.openxmlformats.org/presentationml/2006/main">
   <p:cSld>
     <p:spTree>
       <p:nvGrpSpPr>
-        <p:cNvPr id="158" name="Shape 158"/>
+        <p:cNvPr id="1" name="Shape 158"/>
         <p:cNvGrpSpPr/>
         <p:nvPr/>
       </p:nvGrpSpPr>
@@ -10339,7 +10222,9 @@
       <p:sp>
         <p:nvSpPr>
           <p:cNvPr id="159" name="Google Shape;159;p17"/>
-          <p:cNvSpPr txBox="1"/>
+          <p:cNvSpPr txBox="1">
+            <a:spLocks noGrp="1"/>
+          </p:cNvSpPr>
           <p:nvPr>
             <p:ph type="title"/>
           </p:nvPr>
@@ -10354,12 +10239,12 @@
           </a:prstGeom>
         </p:spPr>
         <p:txBody>
-          <a:bodyPr anchorCtr="0" anchor="t" bIns="91425" lIns="91425" spcFirstLastPara="1" rIns="91425" wrap="square" tIns="91425">
+          <a:bodyPr spcFirstLastPara="1" wrap="square" lIns="91425" tIns="91425" rIns="91425" bIns="91425" anchor="t" anchorCtr="0">
             <a:noAutofit/>
           </a:bodyPr>
           <a:lstStyle/>
           <a:p>
-            <a:pPr indent="0" lvl="0" marL="0" rtl="0" algn="l">
+            <a:pPr marL="0" lvl="0" indent="0" algn="l" rtl="0">
               <a:spcBef>
                 <a:spcPts val="0"/>
               </a:spcBef>
@@ -10369,16 +10254,8 @@
               <a:buNone/>
             </a:pPr>
             <a:r>
-              <a:rPr b="1" lang="en"/>
-              <a:t>P</a:t>
-            </a:r>
-            <a:r>
-              <a:rPr b="1" lang="en"/>
-              <a:t>roject </a:t>
-            </a:r>
-            <a:r>
-              <a:rPr b="1" lang="en"/>
-              <a:t>Infrastructures/ Technologies:</a:t>
+              <a:rPr lang="en" b="1"/>
+              <a:t>Project Infrastructures/ Technologies:</a:t>
             </a:r>
             <a:endParaRPr b="1"/>
           </a:p>
@@ -10387,9 +10264,11 @@
       <p:sp>
         <p:nvSpPr>
           <p:cNvPr id="160" name="Google Shape;160;p17"/>
-          <p:cNvSpPr txBox="1"/>
+          <p:cNvSpPr txBox="1">
+            <a:spLocks noGrp="1"/>
+          </p:cNvSpPr>
           <p:nvPr>
-            <p:ph idx="1" type="body"/>
+            <p:ph type="body" idx="1"/>
           </p:nvPr>
         </p:nvSpPr>
         <p:spPr>
@@ -10402,12 +10281,12 @@
           </a:prstGeom>
         </p:spPr>
         <p:txBody>
-          <a:bodyPr anchorCtr="0" anchor="t" bIns="91425" lIns="91425" spcFirstLastPara="1" rIns="91425" wrap="square" tIns="91425">
+          <a:bodyPr spcFirstLastPara="1" wrap="square" lIns="91425" tIns="91425" rIns="91425" bIns="91425" anchor="t" anchorCtr="0">
             <a:noAutofit/>
           </a:bodyPr>
           <a:lstStyle/>
           <a:p>
-            <a:pPr indent="0" lvl="0" marL="0" rtl="0" algn="l">
+            <a:pPr marL="0" lvl="0" indent="0" algn="l" rtl="0">
               <a:spcBef>
                 <a:spcPts val="0"/>
               </a:spcBef>
@@ -10417,13 +10296,13 @@
               <a:buNone/>
             </a:pPr>
             <a:r>
-              <a:rPr lang="en" sz="1200" u="sng"/>
+              <a:rPr lang="en" sz="1200" u="sng" dirty="0"/>
               <a:t>Data Storage: 		</a:t>
             </a:r>
-            <a:endParaRPr sz="1200" u="sng"/>
+            <a:endParaRPr sz="1200" u="sng" dirty="0"/>
           </a:p>
           <a:p>
-            <a:pPr indent="-304800" lvl="0" marL="457200" rtl="0" algn="l">
+            <a:pPr marL="457200" lvl="0" indent="-304800" algn="l" rtl="0">
               <a:spcBef>
                 <a:spcPts val="1600"/>
               </a:spcBef>
@@ -10434,13 +10313,13 @@
               <a:buChar char="●"/>
             </a:pPr>
             <a:r>
-              <a:rPr lang="en" sz="1200"/>
+              <a:rPr lang="en" sz="1200" dirty="0"/>
               <a:t>MySQL Database</a:t>
             </a:r>
-            <a:endParaRPr sz="1200"/>
+            <a:endParaRPr sz="1200" dirty="0"/>
           </a:p>
           <a:p>
-            <a:pPr indent="0" lvl="0" marL="0" rtl="0" algn="l">
+            <a:pPr marL="0" lvl="0" indent="0" algn="l" rtl="0">
               <a:spcBef>
                 <a:spcPts val="1600"/>
               </a:spcBef>
@@ -10450,13 +10329,13 @@
               <a:buNone/>
             </a:pPr>
             <a:r>
-              <a:rPr lang="en" sz="1200" u="sng"/>
+              <a:rPr lang="en" sz="1200" u="sng" dirty="0"/>
               <a:t>User Interface (UI) Design</a:t>
             </a:r>
-            <a:endParaRPr sz="1200" u="sng"/>
+            <a:endParaRPr sz="1200" u="sng" dirty="0"/>
           </a:p>
           <a:p>
-            <a:pPr indent="-304800" lvl="0" marL="457200" rtl="0" algn="l">
+            <a:pPr marL="457200" lvl="0" indent="-304800" algn="l" rtl="0">
               <a:spcBef>
                 <a:spcPts val="1600"/>
               </a:spcBef>
@@ -10467,13 +10346,13 @@
               <a:buChar char="●"/>
             </a:pPr>
             <a:r>
-              <a:rPr lang="en" sz="1200"/>
+              <a:rPr lang="en" sz="1200" dirty="0"/>
               <a:t>HTML | CSS | Bootstrap</a:t>
             </a:r>
-            <a:endParaRPr sz="1200"/>
+            <a:endParaRPr sz="1200" dirty="0"/>
           </a:p>
           <a:p>
-            <a:pPr indent="-304800" lvl="0" marL="457200" rtl="0" algn="l">
+            <a:pPr marL="457200" lvl="0" indent="-304800" algn="l" rtl="0">
               <a:spcBef>
                 <a:spcPts val="0"/>
               </a:spcBef>
@@ -10484,13 +10363,13 @@
               <a:buChar char="●"/>
             </a:pPr>
             <a:r>
-              <a:rPr lang="en" sz="1200"/>
+              <a:rPr lang="en" sz="1200" dirty="0"/>
               <a:t>Javascript libraries (d3.js)</a:t>
             </a:r>
-            <a:endParaRPr sz="1200"/>
+            <a:endParaRPr sz="1200" dirty="0"/>
           </a:p>
           <a:p>
-            <a:pPr indent="0" lvl="0" marL="0" rtl="0" algn="l">
+            <a:pPr marL="0" lvl="0" indent="0" algn="l" rtl="0">
               <a:spcBef>
                 <a:spcPts val="1600"/>
               </a:spcBef>
@@ -10500,13 +10379,13 @@
               <a:buNone/>
             </a:pPr>
             <a:r>
-              <a:rPr lang="en" sz="1200" u="sng"/>
+              <a:rPr lang="en" sz="1200" u="sng" dirty="0"/>
               <a:t>Web Framework</a:t>
             </a:r>
-            <a:endParaRPr sz="1200" u="sng"/>
+            <a:endParaRPr sz="1200" u="sng" dirty="0"/>
           </a:p>
           <a:p>
-            <a:pPr indent="-304800" lvl="0" marL="457200" rtl="0" algn="l">
+            <a:pPr marL="457200" lvl="0" indent="-304800" algn="l" rtl="0">
               <a:spcBef>
                 <a:spcPts val="1600"/>
               </a:spcBef>
@@ -10517,13 +10396,13 @@
               <a:buChar char="●"/>
             </a:pPr>
             <a:r>
-              <a:rPr lang="en" sz="1200"/>
+              <a:rPr lang="en" sz="1200" dirty="0"/>
               <a:t>Python Flask</a:t>
             </a:r>
-            <a:endParaRPr sz="1200"/>
+            <a:endParaRPr sz="1200" dirty="0"/>
           </a:p>
           <a:p>
-            <a:pPr indent="0" lvl="0" marL="0" rtl="0" algn="l">
+            <a:pPr marL="0" lvl="0" indent="0" algn="l" rtl="0">
               <a:spcBef>
                 <a:spcPts val="1600"/>
               </a:spcBef>
@@ -10533,19 +10412,19 @@
               <a:buNone/>
             </a:pPr>
             <a:r>
-              <a:rPr lang="en" sz="1200" u="sng"/>
+              <a:rPr lang="en" sz="1200" u="sng" dirty="0"/>
               <a:t>Machine Learning</a:t>
             </a:r>
             <a:r>
-              <a:rPr lang="en" sz="1200"/>
+              <a:rPr lang="en" sz="1200" dirty="0"/>
               <a:t> </a:t>
             </a:r>
-            <a:endParaRPr sz="1200"/>
+            <a:endParaRPr sz="1200" dirty="0"/>
           </a:p>
           <a:p>
-            <a:pPr indent="-304800" lvl="0" marL="457200" rtl="0" algn="l">
-              <a:spcBef>
-                <a:spcPts val="1600"/>
+            <a:pPr marL="457200" lvl="0" indent="-304800" algn="l" rtl="0">
+              <a:spcBef>
+                <a:spcPts val="0"/>
               </a:spcBef>
               <a:spcAft>
                 <a:spcPts val="0"/>
@@ -10554,13 +10433,13 @@
               <a:buChar char="●"/>
             </a:pPr>
             <a:r>
-              <a:rPr lang="en" sz="1200"/>
-              <a:t>Tensorflow (CNN)</a:t>
+              <a:rPr lang="en" sz="1200" dirty="0"/>
+              <a:t>Logistic Regression </a:t>
             </a:r>
-            <a:endParaRPr sz="1200"/>
+            <a:endParaRPr sz="1200" dirty="0"/>
           </a:p>
           <a:p>
-            <a:pPr indent="-304800" lvl="0" marL="457200" rtl="0" algn="l">
+            <a:pPr marL="457200" lvl="0" indent="-304800" algn="l" rtl="0">
               <a:spcBef>
                 <a:spcPts val="0"/>
               </a:spcBef>
@@ -10571,68 +10450,33 @@
               <a:buChar char="●"/>
             </a:pPr>
             <a:r>
-              <a:rPr lang="en" sz="1200"/>
-              <a:t>Logistic Regression </a:t>
+              <a:rPr lang="en" sz="1200" dirty="0"/>
+              <a:t>Scikit Learn</a:t>
             </a:r>
-            <a:endParaRPr sz="1200"/>
+            <a:endParaRPr sz="1200" dirty="0"/>
           </a:p>
           <a:p>
-            <a:pPr indent="-304800" lvl="0" marL="457200" rtl="0" algn="l">
-              <a:spcBef>
-                <a:spcPts val="0"/>
-              </a:spcBef>
-              <a:spcAft>
-                <a:spcPts val="0"/>
-              </a:spcAft>
-              <a:buSzPts val="1200"/>
-              <a:buChar char="●"/>
+            <a:pPr marL="0" lvl="0" indent="0" algn="l" rtl="0">
+              <a:spcBef>
+                <a:spcPts val="1600"/>
+              </a:spcBef>
+              <a:spcAft>
+                <a:spcPts val="1600"/>
+              </a:spcAft>
+              <a:buNone/>
             </a:pPr>
-            <a:r>
-              <a:rPr lang="en" sz="1200"/>
-              <a:t>Random Forest</a:t>
-            </a:r>
-            <a:endParaRPr sz="1200"/>
-          </a:p>
-          <a:p>
-            <a:pPr indent="-304800" lvl="0" marL="457200" rtl="0" algn="l">
-              <a:spcBef>
-                <a:spcPts val="0"/>
-              </a:spcBef>
-              <a:spcAft>
-                <a:spcPts val="0"/>
-              </a:spcAft>
-              <a:buSzPts val="1200"/>
-              <a:buChar char="●"/>
-            </a:pPr>
-            <a:r>
-              <a:rPr lang="en" sz="1200"/>
-              <a:t>Scikit Learn</a:t>
-            </a:r>
-            <a:endParaRPr sz="1200"/>
-          </a:p>
-          <a:p>
-            <a:pPr indent="0" lvl="0" marL="0" rtl="0" algn="l">
-              <a:spcBef>
-                <a:spcPts val="1600"/>
-              </a:spcBef>
-              <a:spcAft>
-                <a:spcPts val="1600"/>
-              </a:spcAft>
-              <a:buNone/>
-            </a:pPr>
-            <a:r>
-              <a:t/>
-            </a:r>
-            <a:endParaRPr sz="1200"/>
+            <a:endParaRPr sz="1200" dirty="0"/>
           </a:p>
         </p:txBody>
       </p:sp>
       <p:sp>
         <p:nvSpPr>
           <p:cNvPr id="161" name="Google Shape;161;p17"/>
-          <p:cNvSpPr txBox="1"/>
+          <p:cNvSpPr txBox="1">
+            <a:spLocks noGrp="1"/>
+          </p:cNvSpPr>
           <p:nvPr>
-            <p:ph idx="1" type="body"/>
+            <p:ph type="body" idx="1"/>
           </p:nvPr>
         </p:nvSpPr>
         <p:spPr>
@@ -10645,12 +10489,12 @@
           </a:prstGeom>
         </p:spPr>
         <p:txBody>
-          <a:bodyPr anchorCtr="0" anchor="t" bIns="91425" lIns="91425" spcFirstLastPara="1" rIns="91425" wrap="square" tIns="91425">
+          <a:bodyPr spcFirstLastPara="1" wrap="square" lIns="91425" tIns="91425" rIns="91425" bIns="91425" anchor="t" anchorCtr="0">
             <a:noAutofit/>
           </a:bodyPr>
           <a:lstStyle/>
           <a:p>
-            <a:pPr indent="0" lvl="0" marL="0" rtl="0" algn="l">
+            <a:pPr marL="0" lvl="0" indent="0" algn="l" rtl="0">
               <a:spcBef>
                 <a:spcPts val="0"/>
               </a:spcBef>
@@ -10660,17 +10504,13 @@
               <a:buNone/>
             </a:pPr>
             <a:r>
-              <a:rPr lang="en" sz="1200" u="sng"/>
-              <a:t>Other Python Libraries</a:t>
+              <a:rPr lang="en" sz="1200" u="sng" dirty="0"/>
+              <a:t>Other Python Libraries: 		</a:t>
             </a:r>
-            <a:r>
-              <a:rPr lang="en" sz="1200" u="sng"/>
-              <a:t>: 		</a:t>
-            </a:r>
-            <a:endParaRPr sz="1200" u="sng"/>
+            <a:endParaRPr sz="1200" u="sng" dirty="0"/>
           </a:p>
           <a:p>
-            <a:pPr indent="-304800" lvl="0" marL="457200" rtl="0" algn="l">
+            <a:pPr marL="457200" lvl="0" indent="-304800" algn="l" rtl="0">
               <a:spcBef>
                 <a:spcPts val="1600"/>
               </a:spcBef>
@@ -10681,13 +10521,13 @@
               <a:buChar char="●"/>
             </a:pPr>
             <a:r>
-              <a:rPr lang="en" sz="1200"/>
+              <a:rPr lang="en" sz="1200" dirty="0"/>
               <a:t>Pandas</a:t>
             </a:r>
-            <a:endParaRPr sz="1200"/>
+            <a:endParaRPr sz="1200" dirty="0"/>
           </a:p>
           <a:p>
-            <a:pPr indent="-304800" lvl="0" marL="457200" rtl="0" algn="l">
+            <a:pPr marL="457200" lvl="0" indent="-304800" algn="l" rtl="0">
               <a:spcBef>
                 <a:spcPts val="0"/>
               </a:spcBef>
@@ -10698,15 +10538,35 @@
               <a:buChar char="●"/>
             </a:pPr>
             <a:r>
-              <a:rPr lang="en" sz="1200"/>
+              <a:rPr lang="en" sz="1200" dirty="0"/>
               <a:t>Numpy</a:t>
             </a:r>
-            <a:endParaRPr sz="1200"/>
+            <a:endParaRPr sz="1200" dirty="0"/>
           </a:p>
           <a:p>
-            <a:pPr indent="-304800" lvl="0" marL="457200" rtl="0" algn="l">
-              <a:spcBef>
-                <a:spcPts val="0"/>
+            <a:pPr marL="0" lvl="0" indent="0" algn="l" rtl="0">
+              <a:spcBef>
+                <a:spcPts val="1600"/>
+              </a:spcBef>
+              <a:spcAft>
+                <a:spcPts val="0"/>
+              </a:spcAft>
+              <a:buNone/>
+            </a:pPr>
+            <a:r>
+              <a:rPr lang="en" sz="1200" u="sng" dirty="0"/>
+              <a:t>Cloud Hosting:</a:t>
+            </a:r>
+            <a:r>
+              <a:rPr lang="en" sz="1200" dirty="0"/>
+              <a:t> </a:t>
+            </a:r>
+            <a:endParaRPr sz="1200" dirty="0"/>
+          </a:p>
+          <a:p>
+            <a:pPr marL="457200" lvl="0" indent="-304800" algn="l" rtl="0">
+              <a:spcBef>
+                <a:spcPts val="1600"/>
               </a:spcBef>
               <a:spcAft>
                 <a:spcPts val="0"/>
@@ -10715,33 +10575,12 @@
               <a:buChar char="●"/>
             </a:pPr>
             <a:r>
-              <a:rPr lang="en" sz="1200"/>
-              <a:t>Matplotlib</a:t>
+              <a:rPr lang="en" sz="1200" dirty="0"/>
+              <a:t>AWS</a:t>
             </a:r>
-            <a:endParaRPr sz="1200"/>
           </a:p>
           <a:p>
-            <a:pPr indent="0" lvl="0" marL="0" rtl="0" algn="l">
-              <a:spcBef>
-                <a:spcPts val="1600"/>
-              </a:spcBef>
-              <a:spcAft>
-                <a:spcPts val="0"/>
-              </a:spcAft>
-              <a:buNone/>
-            </a:pPr>
-            <a:r>
-              <a:rPr lang="en" sz="1200" u="sng"/>
-              <a:t>Cloud Hosting:</a:t>
-            </a:r>
-            <a:r>
-              <a:rPr lang="en" sz="1200"/>
-              <a:t> </a:t>
-            </a:r>
-            <a:endParaRPr sz="1200"/>
-          </a:p>
-          <a:p>
-            <a:pPr indent="-304800" lvl="0" marL="457200" rtl="0" algn="l">
+            <a:pPr marL="457200" lvl="0" indent="-304800" algn="l" rtl="0">
               <a:spcBef>
                 <a:spcPts val="1600"/>
               </a:spcBef>
@@ -10752,13 +10591,13 @@
               <a:buChar char="●"/>
             </a:pPr>
             <a:r>
-              <a:rPr lang="en" sz="1200"/>
-              <a:t>AWS</a:t>
+              <a:rPr lang="en" sz="1200" dirty="0"/>
+              <a:t>Heroku</a:t>
             </a:r>
-            <a:endParaRPr sz="1200"/>
+            <a:endParaRPr sz="1200" dirty="0"/>
           </a:p>
           <a:p>
-            <a:pPr indent="0" lvl="0" marL="0" rtl="0" algn="l">
+            <a:pPr marL="0" lvl="0" indent="0" algn="l" rtl="0">
               <a:spcBef>
                 <a:spcPts val="1600"/>
               </a:spcBef>
@@ -10767,10 +10606,7 @@
               </a:spcAft>
               <a:buNone/>
             </a:pPr>
-            <a:r>
-              <a:t/>
-            </a:r>
-            <a:endParaRPr sz="1200"/>
+            <a:endParaRPr sz="1200" dirty="0"/>
           </a:p>
         </p:txBody>
       </p:sp>
@@ -10783,11 +10619,11 @@
 </file>
 
 <file path=ppt/slides/slide6.xml><?xml version="1.0" encoding="utf-8"?>
-<p:sld xmlns:a="http://schemas.openxmlformats.org/drawingml/2006/main" xmlns:r="http://schemas.openxmlformats.org/officeDocument/2006/relationships" xmlns:mc="http://schemas.openxmlformats.org/markup-compatibility/2006" xmlns:mv="urn:schemas-microsoft-com:mac:vml" xmlns:p="http://schemas.openxmlformats.org/presentationml/2006/main" xmlns:c="http://schemas.openxmlformats.org/drawingml/2006/chart" xmlns:dgm="http://schemas.openxmlformats.org/drawingml/2006/diagram" xmlns:o="urn:schemas-microsoft-com:office:office" xmlns:v="urn:schemas-microsoft-com:vml" xmlns:pvml="urn:schemas-microsoft-com:office:powerpoint" xmlns:com="http://schemas.openxmlformats.org/drawingml/2006/compatibility" xmlns:p14="http://schemas.microsoft.com/office/powerpoint/2010/main" xmlns:p15="http://schemas.microsoft.com/office/powerpoint/2012/main" xmlns:ahyp="http://schemas.microsoft.com/office/drawing/2018/hyperlinkcolor">
+<p:sld xmlns:a="http://schemas.openxmlformats.org/drawingml/2006/main" xmlns:r="http://schemas.openxmlformats.org/officeDocument/2006/relationships" xmlns:p="http://schemas.openxmlformats.org/presentationml/2006/main">
   <p:cSld>
     <p:spTree>
       <p:nvGrpSpPr>
-        <p:cNvPr id="165" name="Shape 165"/>
+        <p:cNvPr id="1" name="Shape 165"/>
         <p:cNvGrpSpPr/>
         <p:nvPr/>
       </p:nvGrpSpPr>
@@ -10802,7 +10638,9 @@
       <p:sp>
         <p:nvSpPr>
           <p:cNvPr id="166" name="Google Shape;166;p18"/>
-          <p:cNvSpPr txBox="1"/>
+          <p:cNvSpPr txBox="1">
+            <a:spLocks noGrp="1"/>
+          </p:cNvSpPr>
           <p:nvPr>
             <p:ph type="title"/>
           </p:nvPr>
@@ -10817,12 +10655,12 @@
           </a:prstGeom>
         </p:spPr>
         <p:txBody>
-          <a:bodyPr anchorCtr="0" anchor="t" bIns="91425" lIns="91425" spcFirstLastPara="1" rIns="91425" wrap="square" tIns="91425">
+          <a:bodyPr spcFirstLastPara="1" wrap="square" lIns="91425" tIns="91425" rIns="91425" bIns="91425" anchor="t" anchorCtr="0">
             <a:noAutofit/>
           </a:bodyPr>
           <a:lstStyle/>
           <a:p>
-            <a:pPr indent="0" lvl="0" marL="0" rtl="0" algn="ctr">
+            <a:pPr marL="0" lvl="0" indent="0" algn="ctr" rtl="0">
               <a:spcBef>
                 <a:spcPts val="0"/>
               </a:spcBef>
@@ -10848,7 +10686,288 @@
 </file>
 
 <file path=ppt/theme/theme1.xml><?xml version="1.0" encoding="utf-8"?>
-<a:theme xmlns:a="http://schemas.openxmlformats.org/drawingml/2006/main" xmlns:r="http://schemas.openxmlformats.org/officeDocument/2006/relationships">
+<a:theme xmlns:a="http://schemas.openxmlformats.org/drawingml/2006/main" name="Focus">
+  <a:themeElements>
+    <a:clrScheme name="Focus">
+      <a:dk1>
+        <a:srgbClr val="1B212C"/>
+      </a:dk1>
+      <a:lt1>
+        <a:srgbClr val="FFFFFF"/>
+      </a:lt1>
+      <a:dk2>
+        <a:srgbClr val="D9D9D9"/>
+      </a:dk2>
+      <a:lt2>
+        <a:srgbClr val="82C7A5"/>
+      </a:lt2>
+      <a:accent1>
+        <a:srgbClr val="0145AC"/>
+      </a:accent1>
+      <a:accent2>
+        <a:srgbClr val="EECE1A"/>
+      </a:accent2>
+      <a:accent3>
+        <a:srgbClr val="4E5567"/>
+      </a:accent3>
+      <a:accent4>
+        <a:srgbClr val="F4D6AD"/>
+      </a:accent4>
+      <a:accent5>
+        <a:srgbClr val="7890CD"/>
+      </a:accent5>
+      <a:accent6>
+        <a:srgbClr val="F15E22"/>
+      </a:accent6>
+      <a:hlink>
+        <a:srgbClr val="7890CD"/>
+      </a:hlink>
+      <a:folHlink>
+        <a:srgbClr val="7890CD"/>
+      </a:folHlink>
+    </a:clrScheme>
+    <a:fontScheme name="Office">
+      <a:majorFont>
+        <a:latin typeface="Arial"/>
+        <a:ea typeface=""/>
+        <a:cs typeface=""/>
+        <a:font script="Jpan" typeface="ＭＳ Ｐゴシック"/>
+        <a:font script="Hang" typeface="맑은 고딕"/>
+        <a:font script="Hans" typeface="宋体"/>
+        <a:font script="Hant" typeface="新細明體"/>
+        <a:font script="Arab" typeface="Times New Roman"/>
+        <a:font script="Hebr" typeface="Times New Roman"/>
+        <a:font script="Thai" typeface="Angsana New"/>
+        <a:font script="Ethi" typeface="Nyala"/>
+        <a:font script="Beng" typeface="Vrinda"/>
+        <a:font script="Gujr" typeface="Shruti"/>
+        <a:font script="Khmr" typeface="MoolBoran"/>
+        <a:font script="Knda" typeface="Tunga"/>
+        <a:font script="Guru" typeface="Raavi"/>
+        <a:font script="Cans" typeface="Euphemia"/>
+        <a:font script="Cher" typeface="Plantagenet Cherokee"/>
+        <a:font script="Yiii" typeface="Microsoft Yi Baiti"/>
+        <a:font script="Tibt" typeface="Microsoft Himalaya"/>
+        <a:font script="Thaa" typeface="MV Boli"/>
+        <a:font script="Deva" typeface="Mangal"/>
+        <a:font script="Telu" typeface="Gautami"/>
+        <a:font script="Taml" typeface="Latha"/>
+        <a:font script="Syrc" typeface="Estrangelo Edessa"/>
+        <a:font script="Orya" typeface="Kalinga"/>
+        <a:font script="Mlym" typeface="Kartika"/>
+        <a:font script="Laoo" typeface="DokChampa"/>
+        <a:font script="Sinh" typeface="Iskoola Pota"/>
+        <a:font script="Mong" typeface="Mongolian Baiti"/>
+        <a:font script="Viet" typeface="Times New Roman"/>
+        <a:font script="Uigh" typeface="Microsoft Uighur"/>
+        <a:font script="Geor" typeface="Sylfaen"/>
+      </a:majorFont>
+      <a:minorFont>
+        <a:latin typeface="Arial"/>
+        <a:ea typeface=""/>
+        <a:cs typeface=""/>
+        <a:font script="Jpan" typeface="ＭＳ Ｐゴシック"/>
+        <a:font script="Hang" typeface="맑은 고딕"/>
+        <a:font script="Hans" typeface="宋体"/>
+        <a:font script="Hant" typeface="新細明體"/>
+        <a:font script="Arab" typeface="Arial"/>
+        <a:font script="Hebr" typeface="Arial"/>
+        <a:font script="Thai" typeface="Cordia New"/>
+        <a:font script="Ethi" typeface="Nyala"/>
+        <a:font script="Beng" typeface="Vrinda"/>
+        <a:font script="Gujr" typeface="Shruti"/>
+        <a:font script="Khmr" typeface="DaunPenh"/>
+        <a:font script="Knda" typeface="Tunga"/>
+        <a:font script="Guru" typeface="Raavi"/>
+        <a:font script="Cans" typeface="Euphemia"/>
+        <a:font script="Cher" typeface="Plantagenet Cherokee"/>
+        <a:font script="Yiii" typeface="Microsoft Yi Baiti"/>
+        <a:font script="Tibt" typeface="Microsoft Himalaya"/>
+        <a:font script="Thaa" typeface="MV Boli"/>
+        <a:font script="Deva" typeface="Mangal"/>
+        <a:font script="Telu" typeface="Gautami"/>
+        <a:font script="Taml" typeface="Latha"/>
+        <a:font script="Syrc" typeface="Estrangelo Edessa"/>
+        <a:font script="Orya" typeface="Kalinga"/>
+        <a:font script="Mlym" typeface="Kartika"/>
+        <a:font script="Laoo" typeface="DokChampa"/>
+        <a:font script="Sinh" typeface="Iskoola Pota"/>
+        <a:font script="Mong" typeface="Mongolian Baiti"/>
+        <a:font script="Viet" typeface="Arial"/>
+        <a:font script="Uigh" typeface="Microsoft Uighur"/>
+        <a:font script="Geor" typeface="Sylfaen"/>
+      </a:minorFont>
+    </a:fontScheme>
+    <a:fmtScheme name="Office">
+      <a:fillStyleLst>
+        <a:solidFill>
+          <a:schemeClr val="phClr"/>
+        </a:solidFill>
+        <a:gradFill rotWithShape="1">
+          <a:gsLst>
+            <a:gs pos="0">
+              <a:schemeClr val="phClr">
+                <a:tint val="50000"/>
+                <a:satMod val="300000"/>
+              </a:schemeClr>
+            </a:gs>
+            <a:gs pos="35000">
+              <a:schemeClr val="phClr">
+                <a:tint val="37000"/>
+                <a:satMod val="300000"/>
+              </a:schemeClr>
+            </a:gs>
+            <a:gs pos="100000">
+              <a:schemeClr val="phClr">
+                <a:tint val="15000"/>
+                <a:satMod val="350000"/>
+              </a:schemeClr>
+            </a:gs>
+          </a:gsLst>
+          <a:lin ang="16200000" scaled="1"/>
+        </a:gradFill>
+        <a:gradFill rotWithShape="1">
+          <a:gsLst>
+            <a:gs pos="0">
+              <a:schemeClr val="phClr">
+                <a:tint val="100000"/>
+                <a:shade val="100000"/>
+                <a:satMod val="130000"/>
+              </a:schemeClr>
+            </a:gs>
+            <a:gs pos="100000">
+              <a:schemeClr val="phClr">
+                <a:tint val="50000"/>
+                <a:shade val="100000"/>
+                <a:satMod val="350000"/>
+              </a:schemeClr>
+            </a:gs>
+          </a:gsLst>
+          <a:lin ang="16200000" scaled="0"/>
+        </a:gradFill>
+      </a:fillStyleLst>
+      <a:lnStyleLst>
+        <a:ln w="9525" cap="flat" cmpd="sng" algn="ctr">
+          <a:solidFill>
+            <a:schemeClr val="phClr">
+              <a:shade val="95000"/>
+              <a:satMod val="105000"/>
+            </a:schemeClr>
+          </a:solidFill>
+          <a:prstDash val="solid"/>
+        </a:ln>
+        <a:ln w="25400" cap="flat" cmpd="sng" algn="ctr">
+          <a:solidFill>
+            <a:schemeClr val="phClr"/>
+          </a:solidFill>
+          <a:prstDash val="solid"/>
+        </a:ln>
+        <a:ln w="38100" cap="flat" cmpd="sng" algn="ctr">
+          <a:solidFill>
+            <a:schemeClr val="phClr"/>
+          </a:solidFill>
+          <a:prstDash val="solid"/>
+        </a:ln>
+      </a:lnStyleLst>
+      <a:effectStyleLst>
+        <a:effectStyle>
+          <a:effectLst>
+            <a:outerShdw blurRad="40000" dist="20000" dir="5400000" rotWithShape="0">
+              <a:srgbClr val="000000">
+                <a:alpha val="38000"/>
+              </a:srgbClr>
+            </a:outerShdw>
+          </a:effectLst>
+        </a:effectStyle>
+        <a:effectStyle>
+          <a:effectLst>
+            <a:outerShdw blurRad="40000" dist="23000" dir="5400000" rotWithShape="0">
+              <a:srgbClr val="000000">
+                <a:alpha val="35000"/>
+              </a:srgbClr>
+            </a:outerShdw>
+          </a:effectLst>
+        </a:effectStyle>
+        <a:effectStyle>
+          <a:effectLst>
+            <a:outerShdw blurRad="40000" dist="23000" dir="5400000" rotWithShape="0">
+              <a:srgbClr val="000000">
+                <a:alpha val="35000"/>
+              </a:srgbClr>
+            </a:outerShdw>
+          </a:effectLst>
+          <a:scene3d>
+            <a:camera prst="orthographicFront">
+              <a:rot lat="0" lon="0" rev="0"/>
+            </a:camera>
+            <a:lightRig rig="threePt" dir="t">
+              <a:rot lat="0" lon="0" rev="1200000"/>
+            </a:lightRig>
+          </a:scene3d>
+          <a:sp3d>
+            <a:bevelT w="63500" h="25400"/>
+          </a:sp3d>
+        </a:effectStyle>
+      </a:effectStyleLst>
+      <a:bgFillStyleLst>
+        <a:solidFill>
+          <a:schemeClr val="phClr"/>
+        </a:solidFill>
+        <a:gradFill rotWithShape="1">
+          <a:gsLst>
+            <a:gs pos="0">
+              <a:schemeClr val="phClr">
+                <a:tint val="40000"/>
+                <a:satMod val="350000"/>
+              </a:schemeClr>
+            </a:gs>
+            <a:gs pos="40000">
+              <a:schemeClr val="phClr">
+                <a:tint val="45000"/>
+                <a:shade val="99000"/>
+                <a:satMod val="350000"/>
+              </a:schemeClr>
+            </a:gs>
+            <a:gs pos="100000">
+              <a:schemeClr val="phClr">
+                <a:shade val="20000"/>
+                <a:satMod val="255000"/>
+              </a:schemeClr>
+            </a:gs>
+          </a:gsLst>
+          <a:path path="circle">
+            <a:fillToRect l="50000" t="-80000" r="50000" b="180000"/>
+          </a:path>
+        </a:gradFill>
+        <a:gradFill rotWithShape="1">
+          <a:gsLst>
+            <a:gs pos="0">
+              <a:schemeClr val="phClr">
+                <a:tint val="80000"/>
+                <a:satMod val="300000"/>
+              </a:schemeClr>
+            </a:gs>
+            <a:gs pos="100000">
+              <a:schemeClr val="phClr">
+                <a:shade val="30000"/>
+                <a:satMod val="200000"/>
+              </a:schemeClr>
+            </a:gs>
+          </a:gsLst>
+          <a:path path="circle">
+            <a:fillToRect l="50000" t="50000" r="50000" b="50000"/>
+          </a:path>
+        </a:gradFill>
+      </a:bgFillStyleLst>
+    </a:fmtScheme>
+  </a:themeElements>
+  <a:objectDefaults/>
+  <a:extraClrSchemeLst/>
+</a:theme>
+</file>
+
+<file path=ppt/theme/theme2.xml><?xml version="1.0" encoding="utf-8"?>
+<a:theme xmlns:a="http://schemas.openxmlformats.org/drawingml/2006/main">
   <a:themeElements>
     <a:clrScheme name="Default">
       <a:dk1>
@@ -11123,284 +11242,7 @@
       </a:bgFillStyleLst>
     </a:fmtScheme>
   </a:themeElements>
-</a:theme>
-</file>
-
-<file path=ppt/theme/theme2.xml><?xml version="1.0" encoding="utf-8"?>
-<a:theme xmlns:a="http://schemas.openxmlformats.org/drawingml/2006/main" xmlns:r="http://schemas.openxmlformats.org/officeDocument/2006/relationships" name="Focus">
-  <a:themeElements>
-    <a:clrScheme name="Focus">
-      <a:dk1>
-        <a:srgbClr val="1B212C"/>
-      </a:dk1>
-      <a:lt1>
-        <a:srgbClr val="FFFFFF"/>
-      </a:lt1>
-      <a:dk2>
-        <a:srgbClr val="D9D9D9"/>
-      </a:dk2>
-      <a:lt2>
-        <a:srgbClr val="82C7A5"/>
-      </a:lt2>
-      <a:accent1>
-        <a:srgbClr val="0145AC"/>
-      </a:accent1>
-      <a:accent2>
-        <a:srgbClr val="EECE1A"/>
-      </a:accent2>
-      <a:accent3>
-        <a:srgbClr val="4E5567"/>
-      </a:accent3>
-      <a:accent4>
-        <a:srgbClr val="F4D6AD"/>
-      </a:accent4>
-      <a:accent5>
-        <a:srgbClr val="7890CD"/>
-      </a:accent5>
-      <a:accent6>
-        <a:srgbClr val="F15E22"/>
-      </a:accent6>
-      <a:hlink>
-        <a:srgbClr val="7890CD"/>
-      </a:hlink>
-      <a:folHlink>
-        <a:srgbClr val="7890CD"/>
-      </a:folHlink>
-    </a:clrScheme>
-    <a:fontScheme name="Office">
-      <a:majorFont>
-        <a:latin typeface="Arial"/>
-        <a:ea typeface=""/>
-        <a:cs typeface=""/>
-        <a:font script="Jpan" typeface="ＭＳ Ｐゴシック"/>
-        <a:font script="Hang" typeface="맑은 고딕"/>
-        <a:font script="Hans" typeface="宋体"/>
-        <a:font script="Hant" typeface="新細明體"/>
-        <a:font script="Arab" typeface="Times New Roman"/>
-        <a:font script="Hebr" typeface="Times New Roman"/>
-        <a:font script="Thai" typeface="Angsana New"/>
-        <a:font script="Ethi" typeface="Nyala"/>
-        <a:font script="Beng" typeface="Vrinda"/>
-        <a:font script="Gujr" typeface="Shruti"/>
-        <a:font script="Khmr" typeface="MoolBoran"/>
-        <a:font script="Knda" typeface="Tunga"/>
-        <a:font script="Guru" typeface="Raavi"/>
-        <a:font script="Cans" typeface="Euphemia"/>
-        <a:font script="Cher" typeface="Plantagenet Cherokee"/>
-        <a:font script="Yiii" typeface="Microsoft Yi Baiti"/>
-        <a:font script="Tibt" typeface="Microsoft Himalaya"/>
-        <a:font script="Thaa" typeface="MV Boli"/>
-        <a:font script="Deva" typeface="Mangal"/>
-        <a:font script="Telu" typeface="Gautami"/>
-        <a:font script="Taml" typeface="Latha"/>
-        <a:font script="Syrc" typeface="Estrangelo Edessa"/>
-        <a:font script="Orya" typeface="Kalinga"/>
-        <a:font script="Mlym" typeface="Kartika"/>
-        <a:font script="Laoo" typeface="DokChampa"/>
-        <a:font script="Sinh" typeface="Iskoola Pota"/>
-        <a:font script="Mong" typeface="Mongolian Baiti"/>
-        <a:font script="Viet" typeface="Times New Roman"/>
-        <a:font script="Uigh" typeface="Microsoft Uighur"/>
-        <a:font script="Geor" typeface="Sylfaen"/>
-      </a:majorFont>
-      <a:minorFont>
-        <a:latin typeface="Arial"/>
-        <a:ea typeface=""/>
-        <a:cs typeface=""/>
-        <a:font script="Jpan" typeface="ＭＳ Ｐゴシック"/>
-        <a:font script="Hang" typeface="맑은 고딕"/>
-        <a:font script="Hans" typeface="宋体"/>
-        <a:font script="Hant" typeface="新細明體"/>
-        <a:font script="Arab" typeface="Arial"/>
-        <a:font script="Hebr" typeface="Arial"/>
-        <a:font script="Thai" typeface="Cordia New"/>
-        <a:font script="Ethi" typeface="Nyala"/>
-        <a:font script="Beng" typeface="Vrinda"/>
-        <a:font script="Gujr" typeface="Shruti"/>
-        <a:font script="Khmr" typeface="DaunPenh"/>
-        <a:font script="Knda" typeface="Tunga"/>
-        <a:font script="Guru" typeface="Raavi"/>
-        <a:font script="Cans" typeface="Euphemia"/>
-        <a:font script="Cher" typeface="Plantagenet Cherokee"/>
-        <a:font script="Yiii" typeface="Microsoft Yi Baiti"/>
-        <a:font script="Tibt" typeface="Microsoft Himalaya"/>
-        <a:font script="Thaa" typeface="MV Boli"/>
-        <a:font script="Deva" typeface="Mangal"/>
-        <a:font script="Telu" typeface="Gautami"/>
-        <a:font script="Taml" typeface="Latha"/>
-        <a:font script="Syrc" typeface="Estrangelo Edessa"/>
-        <a:font script="Orya" typeface="Kalinga"/>
-        <a:font script="Mlym" typeface="Kartika"/>
-        <a:font script="Laoo" typeface="DokChampa"/>
-        <a:font script="Sinh" typeface="Iskoola Pota"/>
-        <a:font script="Mong" typeface="Mongolian Baiti"/>
-        <a:font script="Viet" typeface="Arial"/>
-        <a:font script="Uigh" typeface="Microsoft Uighur"/>
-        <a:font script="Geor" typeface="Sylfaen"/>
-      </a:minorFont>
-    </a:fontScheme>
-    <a:fmtScheme name="Office">
-      <a:fillStyleLst>
-        <a:solidFill>
-          <a:schemeClr val="phClr"/>
-        </a:solidFill>
-        <a:gradFill rotWithShape="1">
-          <a:gsLst>
-            <a:gs pos="0">
-              <a:schemeClr val="phClr">
-                <a:tint val="50000"/>
-                <a:satMod val="300000"/>
-              </a:schemeClr>
-            </a:gs>
-            <a:gs pos="35000">
-              <a:schemeClr val="phClr">
-                <a:tint val="37000"/>
-                <a:satMod val="300000"/>
-              </a:schemeClr>
-            </a:gs>
-            <a:gs pos="100000">
-              <a:schemeClr val="phClr">
-                <a:tint val="15000"/>
-                <a:satMod val="350000"/>
-              </a:schemeClr>
-            </a:gs>
-          </a:gsLst>
-          <a:lin ang="16200000" scaled="1"/>
-        </a:gradFill>
-        <a:gradFill rotWithShape="1">
-          <a:gsLst>
-            <a:gs pos="0">
-              <a:schemeClr val="phClr">
-                <a:tint val="100000"/>
-                <a:shade val="100000"/>
-                <a:satMod val="130000"/>
-              </a:schemeClr>
-            </a:gs>
-            <a:gs pos="100000">
-              <a:schemeClr val="phClr">
-                <a:tint val="50000"/>
-                <a:shade val="100000"/>
-                <a:satMod val="350000"/>
-              </a:schemeClr>
-            </a:gs>
-          </a:gsLst>
-          <a:lin ang="16200000" scaled="0"/>
-        </a:gradFill>
-      </a:fillStyleLst>
-      <a:lnStyleLst>
-        <a:ln w="9525" cap="flat" cmpd="sng" algn="ctr">
-          <a:solidFill>
-            <a:schemeClr val="phClr">
-              <a:shade val="95000"/>
-              <a:satMod val="105000"/>
-            </a:schemeClr>
-          </a:solidFill>
-          <a:prstDash val="solid"/>
-        </a:ln>
-        <a:ln w="25400" cap="flat" cmpd="sng" algn="ctr">
-          <a:solidFill>
-            <a:schemeClr val="phClr"/>
-          </a:solidFill>
-          <a:prstDash val="solid"/>
-        </a:ln>
-        <a:ln w="38100" cap="flat" cmpd="sng" algn="ctr">
-          <a:solidFill>
-            <a:schemeClr val="phClr"/>
-          </a:solidFill>
-          <a:prstDash val="solid"/>
-        </a:ln>
-      </a:lnStyleLst>
-      <a:effectStyleLst>
-        <a:effectStyle>
-          <a:effectLst>
-            <a:outerShdw blurRad="40000" dist="20000" dir="5400000" rotWithShape="0">
-              <a:srgbClr val="000000">
-                <a:alpha val="38000"/>
-              </a:srgbClr>
-            </a:outerShdw>
-          </a:effectLst>
-        </a:effectStyle>
-        <a:effectStyle>
-          <a:effectLst>
-            <a:outerShdw blurRad="40000" dist="23000" dir="5400000" rotWithShape="0">
-              <a:srgbClr val="000000">
-                <a:alpha val="35000"/>
-              </a:srgbClr>
-            </a:outerShdw>
-          </a:effectLst>
-        </a:effectStyle>
-        <a:effectStyle>
-          <a:effectLst>
-            <a:outerShdw blurRad="40000" dist="23000" dir="5400000" rotWithShape="0">
-              <a:srgbClr val="000000">
-                <a:alpha val="35000"/>
-              </a:srgbClr>
-            </a:outerShdw>
-          </a:effectLst>
-          <a:scene3d>
-            <a:camera prst="orthographicFront">
-              <a:rot lat="0" lon="0" rev="0"/>
-            </a:camera>
-            <a:lightRig rig="threePt" dir="t">
-              <a:rot lat="0" lon="0" rev="1200000"/>
-            </a:lightRig>
-          </a:scene3d>
-          <a:sp3d>
-            <a:bevelT w="63500" h="25400"/>
-          </a:sp3d>
-        </a:effectStyle>
-      </a:effectStyleLst>
-      <a:bgFillStyleLst>
-        <a:solidFill>
-          <a:schemeClr val="phClr"/>
-        </a:solidFill>
-        <a:gradFill rotWithShape="1">
-          <a:gsLst>
-            <a:gs pos="0">
-              <a:schemeClr val="phClr">
-                <a:tint val="40000"/>
-                <a:satMod val="350000"/>
-              </a:schemeClr>
-            </a:gs>
-            <a:gs pos="40000">
-              <a:schemeClr val="phClr">
-                <a:tint val="45000"/>
-                <a:shade val="99000"/>
-                <a:satMod val="350000"/>
-              </a:schemeClr>
-            </a:gs>
-            <a:gs pos="100000">
-              <a:schemeClr val="phClr">
-                <a:shade val="20000"/>
-                <a:satMod val="255000"/>
-              </a:schemeClr>
-            </a:gs>
-          </a:gsLst>
-          <a:path path="circle">
-            <a:fillToRect l="50000" t="-80000" r="50000" b="180000"/>
-          </a:path>
-        </a:gradFill>
-        <a:gradFill rotWithShape="1">
-          <a:gsLst>
-            <a:gs pos="0">
-              <a:schemeClr val="phClr">
-                <a:tint val="80000"/>
-                <a:satMod val="300000"/>
-              </a:schemeClr>
-            </a:gs>
-            <a:gs pos="100000">
-              <a:schemeClr val="phClr">
-                <a:shade val="30000"/>
-                <a:satMod val="200000"/>
-              </a:schemeClr>
-            </a:gs>
-          </a:gsLst>
-          <a:path path="circle">
-            <a:fillToRect l="50000" t="50000" r="50000" b="50000"/>
-          </a:path>
-        </a:gradFill>
-      </a:bgFillStyleLst>
-    </a:fmtScheme>
-  </a:themeElements>
+  <a:objectDefaults/>
+  <a:extraClrSchemeLst/>
 </a:theme>
 </file>